--- a/lipschitz/Liptscitz.pptx
+++ b/lipschitz/Liptscitz.pptx
@@ -7,8 +7,8 @@
   <p:sldIdLst>
     <p:sldId id="372" r:id="rId2"/>
     <p:sldId id="260" r:id="rId3"/>
-    <p:sldId id="390" r:id="rId4"/>
-    <p:sldId id="388" r:id="rId5"/>
+    <p:sldId id="388" r:id="rId4"/>
+    <p:sldId id="390" r:id="rId5"/>
   </p:sldIdLst>
   <p:sldSz cx="12192000" cy="6858000"/>
   <p:notesSz cx="6858000" cy="9144000"/>
@@ -3475,13 +3475,13 @@
           <p:nvPr>
             <p:extLst>
               <p:ext uri="{D42A27DB-BD31-4B8C-83A1-F6EECF244321}">
-                <p14:modId xmlns:p14="http://schemas.microsoft.com/office/powerpoint/2010/main" val="129758985"/>
+                <p14:modId xmlns:p14="http://schemas.microsoft.com/office/powerpoint/2010/main" val="3354688932"/>
               </p:ext>
             </p:extLst>
           </p:nvPr>
         </p:nvGraphicFramePr>
         <p:xfrm>
-          <a:off x="342900" y="2290189"/>
+          <a:off x="1588040" y="2484742"/>
           <a:ext cx="8420075" cy="3092804"/>
         </p:xfrm>
         <a:graphic>
@@ -3613,15 +3613,24 @@
                     <a:p>
                       <a:pPr algn="ctr"/>
                       <a:r>
-                        <a:rPr lang="fr-FR" dirty="0">
+                        <a:rPr lang="fr-FR" sz="1800" b="0" kern="1200" dirty="0">
                           <a:solidFill>
-                            <a:schemeClr val="bg1">
-                              <a:lumMod val="50000"/>
-                            </a:schemeClr>
+                            <a:schemeClr val="dk1"/>
                           </a:solidFill>
+                          <a:effectLst/>
+                          <a:latin typeface="+mn-lt"/>
+                          <a:ea typeface="+mn-ea"/>
+                          <a:cs typeface="+mn-cs"/>
                         </a:rPr>
-                        <a:t>2.22</a:t>
-                      </a:r>
+                        <a:t>0.312</a:t>
+                      </a:r>
+                      <a:endParaRPr lang="fr-FR" b="0" dirty="0">
+                        <a:solidFill>
+                          <a:schemeClr val="bg1">
+                            <a:lumMod val="50000"/>
+                          </a:schemeClr>
+                        </a:solidFill>
+                      </a:endParaRPr>
                     </a:p>
                   </a:txBody>
                   <a:tcPr/>
@@ -3632,16 +3641,13 @@
                     <a:lstStyle/>
                     <a:p>
                       <a:pPr algn="ctr"/>
-                      <a:r>
-                        <a:rPr lang="fr-FR" dirty="0">
-                          <a:solidFill>
-                            <a:schemeClr val="bg1">
-                              <a:lumMod val="50000"/>
-                            </a:schemeClr>
-                          </a:solidFill>
-                        </a:rPr>
-                        <a:t>2.22</a:t>
-                      </a:r>
+                      <a:endParaRPr lang="fr-FR" dirty="0">
+                        <a:solidFill>
+                          <a:schemeClr val="bg1">
+                            <a:lumMod val="50000"/>
+                          </a:schemeClr>
+                        </a:solidFill>
+                      </a:endParaRPr>
                     </a:p>
                   </a:txBody>
                   <a:tcPr/>
@@ -3664,7 +3670,7 @@
                             <a:schemeClr val="tx1"/>
                           </a:solidFill>
                         </a:rPr>
-                        <a:t>10</a:t>
+                        <a:t>15 (x2)</a:t>
                       </a:r>
                     </a:p>
                   </a:txBody>
@@ -3677,12 +3683,12 @@
                     <a:p>
                       <a:pPr algn="ctr"/>
                       <a:r>
-                        <a:rPr lang="fr-FR" dirty="0">
+                        <a:rPr lang="fr-FR" b="0" dirty="0">
                           <a:solidFill>
                             <a:schemeClr val="tx1"/>
                           </a:solidFill>
                         </a:rPr>
-                        <a:t>1.84</a:t>
+                        <a:t>0.249</a:t>
                       </a:r>
                     </a:p>
                   </a:txBody>
@@ -3694,10 +3700,7 @@
                     <a:lstStyle/>
                     <a:p>
                       <a:pPr algn="ctr"/>
-                      <a:r>
-                        <a:rPr lang="fr-FR" dirty="0"/>
-                        <a:t>2.03</a:t>
-                      </a:r>
+                      <a:endParaRPr lang="fr-FR" dirty="0"/>
                     </a:p>
                   </a:txBody>
                   <a:tcPr/>
@@ -3716,7 +3719,7 @@
                     <a:p>
                       <a:r>
                         <a:rPr lang="fr-FR" dirty="0"/>
-                        <a:t>17</a:t>
+                        <a:t>18 (x2)</a:t>
                       </a:r>
                     </a:p>
                   </a:txBody>
@@ -3729,8 +3732,8 @@
                     <a:p>
                       <a:pPr algn="ctr"/>
                       <a:r>
-                        <a:rPr lang="fr-FR" b="1" dirty="0"/>
-                        <a:t>1.50</a:t>
+                        <a:rPr lang="fr-FR" b="0" dirty="0"/>
+                        <a:t>0.236</a:t>
                       </a:r>
                     </a:p>
                   </a:txBody>
@@ -3742,10 +3745,7 @@
                     <a:lstStyle/>
                     <a:p>
                       <a:pPr algn="ctr"/>
-                      <a:r>
-                        <a:rPr lang="fr-FR" dirty="0"/>
-                        <a:t>1.82</a:t>
-                      </a:r>
+                      <a:endParaRPr lang="fr-FR" dirty="0"/>
                     </a:p>
                   </a:txBody>
                   <a:tcPr/>
@@ -3768,7 +3768,7 @@
                             <a:schemeClr val="tx1"/>
                           </a:solidFill>
                         </a:rPr>
-                        <a:t>20</a:t>
+                        <a:t>21 (x2)</a:t>
                       </a:r>
                     </a:p>
                   </a:txBody>
@@ -3786,7 +3786,7 @@
                             <a:schemeClr val="tx1"/>
                           </a:solidFill>
                         </a:rPr>
-                        <a:t>1.28</a:t>
+                        <a:t>0.229</a:t>
                       </a:r>
                     </a:p>
                   </a:txBody>
@@ -3798,14 +3798,11 @@
                     <a:lstStyle/>
                     <a:p>
                       <a:pPr algn="ctr"/>
-                      <a:r>
-                        <a:rPr lang="fr-FR" dirty="0">
-                          <a:solidFill>
-                            <a:schemeClr val="tx1"/>
-                          </a:solidFill>
-                        </a:rPr>
-                        <a:t>1.62</a:t>
-                      </a:r>
+                      <a:endParaRPr lang="fr-FR" dirty="0">
+                        <a:solidFill>
+                          <a:schemeClr val="tx1"/>
+                        </a:solidFill>
+                      </a:endParaRPr>
                     </a:p>
                   </a:txBody>
                   <a:tcPr/>
@@ -3828,7 +3825,7 @@
                             <a:schemeClr val="tx1"/>
                           </a:solidFill>
                         </a:rPr>
-                        <a:t>25</a:t>
+                        <a:t>24 (x2)</a:t>
                       </a:r>
                     </a:p>
                   </a:txBody>
@@ -3841,12 +3838,12 @@
                     <a:p>
                       <a:pPr algn="ctr"/>
                       <a:r>
-                        <a:rPr lang="fr-FR" b="1" dirty="0">
+                        <a:rPr lang="fr-FR" b="0" dirty="0">
                           <a:solidFill>
                             <a:schemeClr val="tx1"/>
                           </a:solidFill>
                         </a:rPr>
-                        <a:t>1.14</a:t>
+                        <a:t>0.244</a:t>
                       </a:r>
                     </a:p>
                   </a:txBody>
@@ -3858,14 +3855,11 @@
                     <a:lstStyle/>
                     <a:p>
                       <a:pPr algn="ctr"/>
-                      <a:r>
-                        <a:rPr lang="fr-FR" dirty="0">
-                          <a:solidFill>
-                            <a:schemeClr val="tx1"/>
-                          </a:solidFill>
-                        </a:rPr>
-                        <a:t>1.44</a:t>
-                      </a:r>
+                      <a:endParaRPr lang="fr-FR" dirty="0">
+                        <a:solidFill>
+                          <a:schemeClr val="tx1"/>
+                        </a:solidFill>
+                      </a:endParaRPr>
                     </a:p>
                   </a:txBody>
                   <a:tcPr/>
@@ -3882,10 +3876,7 @@
                     <a:bodyPr/>
                     <a:lstStyle/>
                     <a:p>
-                      <a:r>
-                        <a:rPr lang="fr-FR" dirty="0"/>
-                        <a:t>30</a:t>
-                      </a:r>
+                      <a:endParaRPr lang="fr-FR" dirty="0"/>
                     </a:p>
                   </a:txBody>
                   <a:tcPr/>
@@ -3896,10 +3887,7 @@
                     <a:lstStyle/>
                     <a:p>
                       <a:pPr algn="ctr"/>
-                      <a:r>
-                        <a:rPr lang="fr-FR" b="1" dirty="0"/>
-                        <a:t>1.06</a:t>
-                      </a:r>
+                      <a:endParaRPr lang="fr-FR" b="1" dirty="0"/>
                     </a:p>
                   </a:txBody>
                   <a:tcPr/>
@@ -3910,10 +3898,7 @@
                     <a:lstStyle/>
                     <a:p>
                       <a:pPr algn="ctr"/>
-                      <a:r>
-                        <a:rPr lang="fr-FR" dirty="0"/>
-                        <a:t>1.23</a:t>
-                      </a:r>
+                      <a:endParaRPr lang="fr-FR" dirty="0"/>
                     </a:p>
                   </a:txBody>
                   <a:tcPr/>
@@ -4000,7 +3985,7 @@
         <p:spPr>
           <a:xfrm>
             <a:off x="86308" y="1532157"/>
-            <a:ext cx="12554655" cy="369332"/>
+            <a:ext cx="12294969" cy="369332"/>
           </a:xfrm>
           <a:prstGeom prst="rect">
             <a:avLst/>
@@ -4019,15 +4004,7 @@
             </a:r>
             <a:r>
               <a:rPr lang="fr-FR" dirty="0"/>
-              <a:t> </a:t>
-            </a:r>
-            <a:r>
-              <a:rPr lang="fr-FR" dirty="0" err="1"/>
-              <a:t>uncertainty</a:t>
-            </a:r>
-            <a:r>
-              <a:rPr lang="fr-FR" dirty="0"/>
-              <a:t> of </a:t>
+              <a:t> gamma of </a:t>
             </a:r>
             <a:r>
               <a:rPr lang="fr-FR" b="1" dirty="0"/>
@@ -4102,137 +4079,6 @@
               <a:t>choice</a:t>
             </a:r>
             <a:endParaRPr lang="fr-FR" dirty="0"/>
-          </a:p>
-        </p:txBody>
-      </p:sp>
-      <p:sp>
-        <p:nvSpPr>
-          <p:cNvPr id="14" name="ZoneTexte 13">
-            <a:extLst>
-              <a:ext uri="{FF2B5EF4-FFF2-40B4-BE49-F238E27FC236}">
-                <a16:creationId xmlns:a16="http://schemas.microsoft.com/office/drawing/2014/main" id="{445C7BB2-0600-68F0-CB42-A7B6578D0D69}"/>
-              </a:ext>
-            </a:extLst>
-          </p:cNvPr>
-          <p:cNvSpPr txBox="1"/>
-          <p:nvPr/>
-        </p:nvSpPr>
-        <p:spPr>
-          <a:xfrm>
-            <a:off x="1525322" y="6067883"/>
-            <a:ext cx="8971302" cy="369332"/>
-          </a:xfrm>
-          <a:prstGeom prst="rect">
-            <a:avLst/>
-          </a:prstGeom>
-          <a:noFill/>
-        </p:spPr>
-        <p:txBody>
-          <a:bodyPr wrap="none" rtlCol="0">
-            <a:spAutoFit/>
-          </a:bodyPr>
-          <a:lstStyle/>
-          <a:p>
-            <a:r>
-              <a:rPr lang="fr-FR" dirty="0"/>
-              <a:t>=&gt; </a:t>
-            </a:r>
-            <a:r>
-              <a:rPr lang="fr-FR" dirty="0" err="1"/>
-              <a:t>Could</a:t>
-            </a:r>
-            <a:r>
-              <a:rPr lang="fr-FR" dirty="0"/>
-              <a:t> </a:t>
-            </a:r>
-            <a:r>
-              <a:rPr lang="fr-FR" dirty="0" err="1"/>
-              <a:t>also</a:t>
-            </a:r>
-            <a:r>
-              <a:rPr lang="fr-FR" dirty="0"/>
-              <a:t> choose </a:t>
-            </a:r>
-            <a:r>
-              <a:rPr lang="fr-FR" dirty="0" err="1"/>
-              <a:t>some</a:t>
-            </a:r>
-            <a:r>
-              <a:rPr lang="fr-FR" dirty="0"/>
-              <a:t> </a:t>
-            </a:r>
-            <a:r>
-              <a:rPr lang="fr-FR" dirty="0" err="1"/>
-              <a:t>b,b</a:t>
-            </a:r>
-            <a:r>
-              <a:rPr lang="fr-FR" dirty="0"/>
-              <a:t>’ </a:t>
-            </a:r>
-            <a:r>
-              <a:rPr lang="fr-FR" dirty="0" err="1"/>
-              <a:t>from</a:t>
-            </a:r>
-            <a:r>
-              <a:rPr lang="fr-FR" dirty="0"/>
-              <a:t> </a:t>
-            </a:r>
-            <a:r>
-              <a:rPr lang="fr-FR" dirty="0" err="1"/>
-              <a:t>deeper</a:t>
-            </a:r>
-            <a:r>
-              <a:rPr lang="fr-FR" dirty="0"/>
-              <a:t> </a:t>
-            </a:r>
-            <a:r>
-              <a:rPr lang="fr-FR" dirty="0" err="1"/>
-              <a:t>layers</a:t>
-            </a:r>
-            <a:r>
-              <a:rPr lang="fr-FR" dirty="0"/>
-              <a:t> if </a:t>
-            </a:r>
-            <a:r>
-              <a:rPr lang="fr-FR" dirty="0" err="1"/>
-              <a:t>weight</a:t>
-            </a:r>
-            <a:r>
-              <a:rPr lang="fr-FR" dirty="0"/>
-              <a:t> </a:t>
-            </a:r>
-            <a:r>
-              <a:rPr lang="fr-FR" dirty="0" err="1"/>
-              <a:t>is</a:t>
-            </a:r>
-            <a:r>
-              <a:rPr lang="fr-FR" dirty="0"/>
-              <a:t> </a:t>
-            </a:r>
-            <a:r>
-              <a:rPr lang="fr-FR" dirty="0" err="1"/>
-              <a:t>very</a:t>
-            </a:r>
-            <a:r>
-              <a:rPr lang="fr-FR" dirty="0"/>
-              <a:t> high (2,3 </a:t>
-            </a:r>
-            <a:r>
-              <a:rPr lang="fr-FR" dirty="0" err="1"/>
-              <a:t>layers</a:t>
-            </a:r>
-            <a:r>
-              <a:rPr lang="fr-FR" dirty="0"/>
-              <a:t> </a:t>
-            </a:r>
-            <a:r>
-              <a:rPr lang="fr-FR" dirty="0" err="1"/>
-              <a:t>before</a:t>
-            </a:r>
-            <a:r>
-              <a:rPr lang="fr-FR" dirty="0"/>
-              <a:t>…) !</a:t>
-            </a:r>
           </a:p>
         </p:txBody>
       </p:sp>
@@ -4266,55 +4112,12 @@
           <a:chExt cx="0" cy="0"/>
         </a:xfrm>
       </p:grpSpPr>
-      <p:sp>
-        <p:nvSpPr>
-          <p:cNvPr id="49" name="ZoneTexte 48">
-            <a:extLst>
-              <a:ext uri="{FF2B5EF4-FFF2-40B4-BE49-F238E27FC236}">
-                <a16:creationId xmlns:a16="http://schemas.microsoft.com/office/drawing/2014/main" id="{6274D5FC-B802-0B57-FA63-D845CBCF64F1}"/>
-              </a:ext>
-            </a:extLst>
-          </p:cNvPr>
-          <p:cNvSpPr txBox="1"/>
-          <p:nvPr/>
-        </p:nvSpPr>
-        <p:spPr>
-          <a:xfrm>
-            <a:off x="4221405" y="376892"/>
-            <a:ext cx="2628476" cy="369332"/>
-          </a:xfrm>
-          <a:prstGeom prst="rect">
-            <a:avLst/>
-          </a:prstGeom>
-          <a:noFill/>
-        </p:spPr>
-        <p:txBody>
-          <a:bodyPr wrap="none" rtlCol="0">
-            <a:spAutoFit/>
-          </a:bodyPr>
-          <a:lstStyle/>
-          <a:p>
-            <a:r>
-              <a:rPr lang="fr-FR" dirty="0"/>
-              <a:t>5layers*100 nodes, </a:t>
-            </a:r>
-            <a:r>
-              <a:rPr lang="fr-FR" dirty="0" err="1"/>
-              <a:t>ReLU</a:t>
-            </a:r>
-            <a:r>
-              <a:rPr lang="fr-FR" dirty="0"/>
-              <a:t>,</a:t>
-            </a:r>
-          </a:p>
-        </p:txBody>
-      </p:sp>
       <p:graphicFrame>
         <p:nvGraphicFramePr>
-          <p:cNvPr id="5" name="Tableau 4">
-            <a:extLst>
-              <a:ext uri="{FF2B5EF4-FFF2-40B4-BE49-F238E27FC236}">
-                <a16:creationId xmlns:a16="http://schemas.microsoft.com/office/drawing/2014/main" id="{4A06E0CE-362C-68A4-2ADC-6313A93B003D}"/>
+          <p:cNvPr id="4" name="Tableau 4">
+            <a:extLst>
+              <a:ext uri="{FF2B5EF4-FFF2-40B4-BE49-F238E27FC236}">
+                <a16:creationId xmlns:a16="http://schemas.microsoft.com/office/drawing/2014/main" id="{ADFD4CDF-DD78-C194-F292-49882BCC142F}"/>
               </a:ext>
             </a:extLst>
           </p:cNvPr>
@@ -4324,733 +4127,7 @@
           <p:nvPr>
             <p:extLst>
               <p:ext uri="{D42A27DB-BD31-4B8C-83A1-F6EECF244321}">
-                <p14:modId xmlns:p14="http://schemas.microsoft.com/office/powerpoint/2010/main" val="4273272639"/>
-              </p:ext>
-            </p:extLst>
-          </p:nvPr>
-        </p:nvGraphicFramePr>
-        <p:xfrm>
-          <a:off x="203200" y="2252864"/>
-          <a:ext cx="11658947" cy="3463644"/>
-        </p:xfrm>
-        <a:graphic>
-          <a:graphicData uri="http://schemas.openxmlformats.org/drawingml/2006/table">
-            <a:tbl>
-              <a:tblPr firstRow="1" bandRow="1">
-                <a:tableStyleId>{5C22544A-7EE6-4342-B048-85BDC9FD1C3A}</a:tableStyleId>
-              </a:tblPr>
-              <a:tblGrid>
-                <a:gridCol w="3178827">
-                  <a:extLst>
-                    <a:ext uri="{9D8B030D-6E8A-4147-A177-3AD203B41FA5}">
-                      <a16:colId xmlns:a16="http://schemas.microsoft.com/office/drawing/2014/main" val="628481113"/>
-                    </a:ext>
-                  </a:extLst>
-                </a:gridCol>
-                <a:gridCol w="4283902">
-                  <a:extLst>
-                    <a:ext uri="{9D8B030D-6E8A-4147-A177-3AD203B41FA5}">
-                      <a16:colId xmlns:a16="http://schemas.microsoft.com/office/drawing/2014/main" val="111859342"/>
-                    </a:ext>
-                  </a:extLst>
-                </a:gridCol>
-                <a:gridCol w="4196218">
-                  <a:extLst>
-                    <a:ext uri="{9D8B030D-6E8A-4147-A177-3AD203B41FA5}">
-                      <a16:colId xmlns:a16="http://schemas.microsoft.com/office/drawing/2014/main" val="3961735731"/>
-                    </a:ext>
-                  </a:extLst>
-                </a:gridCol>
-              </a:tblGrid>
-              <a:tr h="383156">
-                <a:tc>
-                  <a:txBody>
-                    <a:bodyPr/>
-                    <a:lstStyle/>
-                    <a:p>
-                      <a:r>
-                        <a:rPr lang="fr-FR" dirty="0"/>
-                        <a:t>Number </a:t>
-                      </a:r>
-                      <a:r>
-                        <a:rPr lang="fr-FR" b="1" dirty="0"/>
-                        <a:t>X</a:t>
-                      </a:r>
-                      <a:r>
-                        <a:rPr lang="fr-FR" dirty="0"/>
-                        <a:t> of nodes </a:t>
-                      </a:r>
-                      <a:r>
-                        <a:rPr lang="fr-FR" dirty="0" err="1"/>
-                        <a:t>chosen</a:t>
-                      </a:r>
-                      <a:endParaRPr lang="fr-FR" dirty="0"/>
-                    </a:p>
-                  </a:txBody>
-                  <a:tcPr/>
-                </a:tc>
-                <a:tc>
-                  <a:txBody>
-                    <a:bodyPr/>
-                    <a:lstStyle/>
-                    <a:p>
-                      <a:pPr algn="ctr"/>
-                      <a:r>
-                        <a:rPr lang="fr-FR" dirty="0">
-                          <a:solidFill>
-                            <a:srgbClr val="FF0000"/>
-                          </a:solidFill>
-                        </a:rPr>
-                        <a:t>Layer 1&amp;3: Compensation </a:t>
-                      </a:r>
-                      <a:r>
-                        <a:rPr lang="fr-FR" dirty="0">
-                          <a:solidFill>
-                            <a:schemeClr val="bg1"/>
-                          </a:solidFill>
-                        </a:rPr>
-                        <a:t>(vs </a:t>
-                      </a:r>
-                      <a:r>
-                        <a:rPr lang="fr-FR" dirty="0" err="1">
-                          <a:solidFill>
-                            <a:schemeClr val="bg1"/>
-                          </a:solidFill>
-                        </a:rPr>
-                        <a:t>random</a:t>
-                      </a:r>
-                      <a:r>
-                        <a:rPr lang="fr-FR" dirty="0">
-                          <a:solidFill>
-                            <a:schemeClr val="bg1"/>
-                          </a:solidFill>
-                        </a:rPr>
-                        <a:t>)</a:t>
-                      </a:r>
-                    </a:p>
-                  </a:txBody>
-                  <a:tcPr/>
-                </a:tc>
-                <a:tc>
-                  <a:txBody>
-                    <a:bodyPr/>
-                    <a:lstStyle/>
-                    <a:p>
-                      <a:pPr algn="ctr"/>
-                      <a:r>
-                        <a:rPr lang="fr-FR" dirty="0">
-                          <a:solidFill>
-                            <a:srgbClr val="FF0000"/>
-                          </a:solidFill>
-                        </a:rPr>
-                        <a:t>Layer 3: Compensation</a:t>
-                      </a:r>
-                      <a:r>
-                        <a:rPr lang="fr-FR" dirty="0"/>
-                        <a:t>  (vs </a:t>
-                      </a:r>
-                      <a:r>
-                        <a:rPr lang="fr-FR" dirty="0" err="1"/>
-                        <a:t>Random</a:t>
-                      </a:r>
-                      <a:r>
-                        <a:rPr lang="fr-FR" dirty="0"/>
-                        <a:t>)</a:t>
-                      </a:r>
-                    </a:p>
-                  </a:txBody>
-                  <a:tcPr/>
-                </a:tc>
-                <a:extLst>
-                  <a:ext uri="{0D108BD9-81ED-4DB2-BD59-A6C34878D82A}">
-                    <a16:rowId xmlns:a16="http://schemas.microsoft.com/office/drawing/2014/main" val="3010665806"/>
-                  </a:ext>
-                </a:extLst>
-              </a:tr>
-              <a:tr h="484608">
-                <a:tc>
-                  <a:txBody>
-                    <a:bodyPr/>
-                    <a:lstStyle/>
-                    <a:p>
-                      <a:r>
-                        <a:rPr lang="fr-FR" dirty="0">
-                          <a:solidFill>
-                            <a:schemeClr val="bg1">
-                              <a:lumMod val="50000"/>
-                            </a:schemeClr>
-                          </a:solidFill>
-                        </a:rPr>
-                        <a:t>0</a:t>
-                      </a:r>
-                    </a:p>
-                  </a:txBody>
-                  <a:tcPr/>
-                </a:tc>
-                <a:tc>
-                  <a:txBody>
-                    <a:bodyPr/>
-                    <a:lstStyle/>
-                    <a:p>
-                      <a:pPr algn="ctr"/>
-                      <a:endParaRPr lang="fr-FR" dirty="0">
-                        <a:solidFill>
-                          <a:schemeClr val="bg1">
-                            <a:lumMod val="50000"/>
-                          </a:schemeClr>
-                        </a:solidFill>
-                      </a:endParaRPr>
-                    </a:p>
-                  </a:txBody>
-                  <a:tcPr/>
-                </a:tc>
-                <a:tc>
-                  <a:txBody>
-                    <a:bodyPr/>
-                    <a:lstStyle/>
-                    <a:p>
-                      <a:pPr algn="ctr"/>
-                      <a:endParaRPr lang="fr-FR" dirty="0">
-                        <a:solidFill>
-                          <a:schemeClr val="bg1">
-                            <a:lumMod val="50000"/>
-                          </a:schemeClr>
-                        </a:solidFill>
-                      </a:endParaRPr>
-                    </a:p>
-                  </a:txBody>
-                  <a:tcPr/>
-                </a:tc>
-                <a:extLst>
-                  <a:ext uri="{0D108BD9-81ED-4DB2-BD59-A6C34878D82A}">
-                    <a16:rowId xmlns:a16="http://schemas.microsoft.com/office/drawing/2014/main" val="646733638"/>
-                  </a:ext>
-                </a:extLst>
-              </a:tr>
-              <a:tr h="370840">
-                <a:tc>
-                  <a:txBody>
-                    <a:bodyPr/>
-                    <a:lstStyle/>
-                    <a:p>
-                      <a:r>
-                        <a:rPr lang="fr-FR" dirty="0">
-                          <a:solidFill>
-                            <a:schemeClr val="tx1"/>
-                          </a:solidFill>
-                        </a:rPr>
-                        <a:t>10</a:t>
-                      </a:r>
-                    </a:p>
-                  </a:txBody>
-                  <a:tcPr/>
-                </a:tc>
-                <a:tc>
-                  <a:txBody>
-                    <a:bodyPr/>
-                    <a:lstStyle/>
-                    <a:p>
-                      <a:pPr algn="ctr"/>
-                      <a:endParaRPr lang="fr-FR" dirty="0">
-                        <a:solidFill>
-                          <a:schemeClr val="tx1"/>
-                        </a:solidFill>
-                      </a:endParaRPr>
-                    </a:p>
-                  </a:txBody>
-                  <a:tcPr/>
-                </a:tc>
-                <a:tc>
-                  <a:txBody>
-                    <a:bodyPr/>
-                    <a:lstStyle/>
-                    <a:p>
-                      <a:pPr algn="ctr"/>
-                      <a:endParaRPr lang="fr-FR" dirty="0"/>
-                    </a:p>
-                  </a:txBody>
-                  <a:tcPr/>
-                </a:tc>
-                <a:extLst>
-                  <a:ext uri="{0D108BD9-81ED-4DB2-BD59-A6C34878D82A}">
-                    <a16:rowId xmlns:a16="http://schemas.microsoft.com/office/drawing/2014/main" val="3839271426"/>
-                  </a:ext>
-                </a:extLst>
-              </a:tr>
-              <a:tr h="370840">
-                <a:tc>
-                  <a:txBody>
-                    <a:bodyPr/>
-                    <a:lstStyle/>
-                    <a:p>
-                      <a:r>
-                        <a:rPr lang="fr-FR" dirty="0"/>
-                        <a:t>20</a:t>
-                      </a:r>
-                    </a:p>
-                  </a:txBody>
-                  <a:tcPr/>
-                </a:tc>
-                <a:tc>
-                  <a:txBody>
-                    <a:bodyPr/>
-                    <a:lstStyle/>
-                    <a:p>
-                      <a:pPr algn="ctr"/>
-                      <a:endParaRPr lang="fr-FR" b="0" dirty="0"/>
-                    </a:p>
-                  </a:txBody>
-                  <a:tcPr/>
-                </a:tc>
-                <a:tc>
-                  <a:txBody>
-                    <a:bodyPr/>
-                    <a:lstStyle/>
-                    <a:p>
-                      <a:pPr algn="ctr"/>
-                      <a:endParaRPr lang="fr-FR" dirty="0"/>
-                    </a:p>
-                  </a:txBody>
-                  <a:tcPr/>
-                </a:tc>
-                <a:extLst>
-                  <a:ext uri="{0D108BD9-81ED-4DB2-BD59-A6C34878D82A}">
-                    <a16:rowId xmlns:a16="http://schemas.microsoft.com/office/drawing/2014/main" val="398968001"/>
-                  </a:ext>
-                </a:extLst>
-              </a:tr>
-              <a:tr h="370840">
-                <a:tc>
-                  <a:txBody>
-                    <a:bodyPr/>
-                    <a:lstStyle/>
-                    <a:p>
-                      <a:r>
-                        <a:rPr lang="fr-FR" dirty="0">
-                          <a:solidFill>
-                            <a:schemeClr val="tx1"/>
-                          </a:solidFill>
-                        </a:rPr>
-                        <a:t>30</a:t>
-                      </a:r>
-                    </a:p>
-                  </a:txBody>
-                  <a:tcPr/>
-                </a:tc>
-                <a:tc>
-                  <a:txBody>
-                    <a:bodyPr/>
-                    <a:lstStyle/>
-                    <a:p>
-                      <a:pPr algn="ctr"/>
-                      <a:endParaRPr lang="fr-FR" b="0" dirty="0">
-                        <a:solidFill>
-                          <a:schemeClr val="tx1"/>
-                        </a:solidFill>
-                      </a:endParaRPr>
-                    </a:p>
-                  </a:txBody>
-                  <a:tcPr/>
-                </a:tc>
-                <a:tc>
-                  <a:txBody>
-                    <a:bodyPr/>
-                    <a:lstStyle/>
-                    <a:p>
-                      <a:pPr algn="ctr"/>
-                      <a:endParaRPr lang="fr-FR" dirty="0">
-                        <a:solidFill>
-                          <a:schemeClr val="tx1"/>
-                        </a:solidFill>
-                      </a:endParaRPr>
-                    </a:p>
-                  </a:txBody>
-                  <a:tcPr/>
-                </a:tc>
-                <a:extLst>
-                  <a:ext uri="{0D108BD9-81ED-4DB2-BD59-A6C34878D82A}">
-                    <a16:rowId xmlns:a16="http://schemas.microsoft.com/office/drawing/2014/main" val="1789608395"/>
-                  </a:ext>
-                </a:extLst>
-              </a:tr>
-              <a:tr h="370840">
-                <a:tc>
-                  <a:txBody>
-                    <a:bodyPr/>
-                    <a:lstStyle/>
-                    <a:p>
-                      <a:r>
-                        <a:rPr lang="fr-FR" dirty="0">
-                          <a:solidFill>
-                            <a:schemeClr val="tx1"/>
-                          </a:solidFill>
-                        </a:rPr>
-                        <a:t>40</a:t>
-                      </a:r>
-                    </a:p>
-                  </a:txBody>
-                  <a:tcPr/>
-                </a:tc>
-                <a:tc>
-                  <a:txBody>
-                    <a:bodyPr/>
-                    <a:lstStyle/>
-                    <a:p>
-                      <a:pPr algn="ctr"/>
-                      <a:endParaRPr lang="fr-FR" b="0" dirty="0">
-                        <a:solidFill>
-                          <a:schemeClr val="tx1"/>
-                        </a:solidFill>
-                      </a:endParaRPr>
-                    </a:p>
-                  </a:txBody>
-                  <a:tcPr/>
-                </a:tc>
-                <a:tc>
-                  <a:txBody>
-                    <a:bodyPr/>
-                    <a:lstStyle/>
-                    <a:p>
-                      <a:pPr algn="ctr"/>
-                      <a:endParaRPr lang="fr-FR" dirty="0">
-                        <a:solidFill>
-                          <a:schemeClr val="tx1"/>
-                        </a:solidFill>
-                      </a:endParaRPr>
-                    </a:p>
-                  </a:txBody>
-                  <a:tcPr/>
-                </a:tc>
-                <a:extLst>
-                  <a:ext uri="{0D108BD9-81ED-4DB2-BD59-A6C34878D82A}">
-                    <a16:rowId xmlns:a16="http://schemas.microsoft.com/office/drawing/2014/main" val="138467180"/>
-                  </a:ext>
-                </a:extLst>
-              </a:tr>
-              <a:tr h="370840">
-                <a:tc>
-                  <a:txBody>
-                    <a:bodyPr/>
-                    <a:lstStyle/>
-                    <a:p>
-                      <a:r>
-                        <a:rPr lang="fr-FR" dirty="0"/>
-                        <a:t>50</a:t>
-                      </a:r>
-                    </a:p>
-                  </a:txBody>
-                  <a:tcPr/>
-                </a:tc>
-                <a:tc>
-                  <a:txBody>
-                    <a:bodyPr/>
-                    <a:lstStyle/>
-                    <a:p>
-                      <a:pPr algn="ctr"/>
-                      <a:endParaRPr lang="fr-FR" b="0" dirty="0"/>
-                    </a:p>
-                  </a:txBody>
-                  <a:tcPr/>
-                </a:tc>
-                <a:tc>
-                  <a:txBody>
-                    <a:bodyPr/>
-                    <a:lstStyle/>
-                    <a:p>
-                      <a:pPr algn="ctr"/>
-                      <a:endParaRPr lang="fr-FR" dirty="0"/>
-                    </a:p>
-                  </a:txBody>
-                  <a:tcPr/>
-                </a:tc>
-                <a:extLst>
-                  <a:ext uri="{0D108BD9-81ED-4DB2-BD59-A6C34878D82A}">
-                    <a16:rowId xmlns:a16="http://schemas.microsoft.com/office/drawing/2014/main" val="3899875465"/>
-                  </a:ext>
-                </a:extLst>
-              </a:tr>
-              <a:tr h="370840">
-                <a:tc>
-                  <a:txBody>
-                    <a:bodyPr/>
-                    <a:lstStyle/>
-                    <a:p>
-                      <a:r>
-                        <a:rPr lang="fr-FR" dirty="0">
-                          <a:solidFill>
-                            <a:schemeClr val="bg1">
-                              <a:lumMod val="50000"/>
-                            </a:schemeClr>
-                          </a:solidFill>
-                        </a:rPr>
-                        <a:t>ALL NODES OF LAYER 3 (k=1)</a:t>
-                      </a:r>
-                    </a:p>
-                  </a:txBody>
-                  <a:tcPr/>
-                </a:tc>
-                <a:tc>
-                  <a:txBody>
-                    <a:bodyPr/>
-                    <a:lstStyle/>
-                    <a:p>
-                      <a:pPr algn="ctr"/>
-                      <a:endParaRPr lang="fr-FR" dirty="0">
-                        <a:solidFill>
-                          <a:schemeClr val="bg1">
-                            <a:lumMod val="50000"/>
-                          </a:schemeClr>
-                        </a:solidFill>
-                      </a:endParaRPr>
-                    </a:p>
-                  </a:txBody>
-                  <a:tcPr/>
-                </a:tc>
-                <a:tc>
-                  <a:txBody>
-                    <a:bodyPr/>
-                    <a:lstStyle/>
-                    <a:p>
-                      <a:pPr algn="ctr"/>
-                      <a:endParaRPr lang="fr-FR" dirty="0">
-                        <a:solidFill>
-                          <a:schemeClr val="bg1">
-                            <a:lumMod val="50000"/>
-                          </a:schemeClr>
-                        </a:solidFill>
-                      </a:endParaRPr>
-                    </a:p>
-                  </a:txBody>
-                  <a:tcPr/>
-                </a:tc>
-                <a:extLst>
-                  <a:ext uri="{0D108BD9-81ED-4DB2-BD59-A6C34878D82A}">
-                    <a16:rowId xmlns:a16="http://schemas.microsoft.com/office/drawing/2014/main" val="14864157"/>
-                  </a:ext>
-                </a:extLst>
-              </a:tr>
-              <a:tr h="370840">
-                <a:tc>
-                  <a:txBody>
-                    <a:bodyPr/>
-                    <a:lstStyle/>
-                    <a:p>
-                      <a:r>
-                        <a:rPr lang="fr-FR" dirty="0">
-                          <a:solidFill>
-                            <a:schemeClr val="bg1">
-                              <a:lumMod val="50000"/>
-                            </a:schemeClr>
-                          </a:solidFill>
-                        </a:rPr>
-                        <a:t>ALL NODES OF LAYER 1+3 (k=2)</a:t>
-                      </a:r>
-                    </a:p>
-                  </a:txBody>
-                  <a:tcPr/>
-                </a:tc>
-                <a:tc>
-                  <a:txBody>
-                    <a:bodyPr/>
-                    <a:lstStyle/>
-                    <a:p>
-                      <a:pPr algn="ctr"/>
-                      <a:endParaRPr lang="fr-FR" dirty="0">
-                        <a:solidFill>
-                          <a:schemeClr val="bg1">
-                            <a:lumMod val="50000"/>
-                          </a:schemeClr>
-                        </a:solidFill>
-                      </a:endParaRPr>
-                    </a:p>
-                  </a:txBody>
-                  <a:tcPr/>
-                </a:tc>
-                <a:tc>
-                  <a:txBody>
-                    <a:bodyPr/>
-                    <a:lstStyle/>
-                    <a:p>
-                      <a:pPr algn="ctr"/>
-                      <a:endParaRPr lang="fr-FR" dirty="0">
-                        <a:solidFill>
-                          <a:schemeClr val="bg1">
-                            <a:lumMod val="50000"/>
-                          </a:schemeClr>
-                        </a:solidFill>
-                      </a:endParaRPr>
-                    </a:p>
-                  </a:txBody>
-                  <a:tcPr/>
-                </a:tc>
-                <a:extLst>
-                  <a:ext uri="{0D108BD9-81ED-4DB2-BD59-A6C34878D82A}">
-                    <a16:rowId xmlns:a16="http://schemas.microsoft.com/office/drawing/2014/main" val="1522871950"/>
-                  </a:ext>
-                </a:extLst>
-              </a:tr>
-            </a:tbl>
-          </a:graphicData>
-        </a:graphic>
-      </p:graphicFrame>
-      <p:sp>
-        <p:nvSpPr>
-          <p:cNvPr id="8" name="ZoneTexte 7">
-            <a:extLst>
-              <a:ext uri="{FF2B5EF4-FFF2-40B4-BE49-F238E27FC236}">
-                <a16:creationId xmlns:a16="http://schemas.microsoft.com/office/drawing/2014/main" id="{F4CC3D67-A686-60ED-A7A0-49B55639D1B8}"/>
-              </a:ext>
-            </a:extLst>
-          </p:cNvPr>
-          <p:cNvSpPr txBox="1"/>
-          <p:nvPr/>
-        </p:nvSpPr>
-        <p:spPr>
-          <a:xfrm>
-            <a:off x="86308" y="1532157"/>
-            <a:ext cx="12302983" cy="369332"/>
-          </a:xfrm>
-          <a:prstGeom prst="rect">
-            <a:avLst/>
-          </a:prstGeom>
-          <a:noFill/>
-        </p:spPr>
-        <p:txBody>
-          <a:bodyPr wrap="none" rtlCol="0">
-            <a:spAutoFit/>
-          </a:bodyPr>
-          <a:lstStyle/>
-          <a:p>
-            <a:r>
-              <a:rPr lang="fr-FR" dirty="0" err="1"/>
-              <a:t>Average</a:t>
-            </a:r>
-            <a:r>
-              <a:rPr lang="fr-FR" dirty="0"/>
-              <a:t> </a:t>
-            </a:r>
-            <a:r>
-              <a:rPr lang="fr-FR" dirty="0" err="1"/>
-              <a:t>uncertainty</a:t>
-            </a:r>
-            <a:r>
-              <a:rPr lang="fr-FR" dirty="0"/>
-              <a:t> of </a:t>
-            </a:r>
-            <a:r>
-              <a:rPr lang="fr-FR" b="1" dirty="0"/>
-              <a:t>layer 5</a:t>
-            </a:r>
-            <a:r>
-              <a:rPr lang="fr-FR" dirty="0"/>
-              <a:t> (first </a:t>
-            </a:r>
-            <a:r>
-              <a:rPr lang="fr-FR" dirty="0" err="1"/>
-              <a:t>ReLU</a:t>
-            </a:r>
-            <a:r>
-              <a:rPr lang="fr-FR" dirty="0"/>
-              <a:t> layer) </a:t>
-            </a:r>
-            <a:r>
-              <a:rPr lang="fr-FR" dirty="0" err="1"/>
-              <a:t>when</a:t>
-            </a:r>
-            <a:r>
-              <a:rPr lang="fr-FR" dirty="0"/>
-              <a:t> </a:t>
-            </a:r>
-            <a:r>
-              <a:rPr lang="fr-FR" dirty="0" err="1"/>
-              <a:t>choosing</a:t>
-            </a:r>
-            <a:r>
-              <a:rPr lang="fr-FR" dirty="0"/>
-              <a:t> MILP layer1+3-nodes </a:t>
-            </a:r>
-            <a:r>
-              <a:rPr lang="fr-FR" dirty="0" err="1"/>
-              <a:t>focusing</a:t>
-            </a:r>
-            <a:r>
-              <a:rPr lang="fr-FR" dirty="0"/>
-              <a:t> on </a:t>
-            </a:r>
-            <a:r>
-              <a:rPr lang="fr-FR" dirty="0">
-                <a:solidFill>
-                  <a:srgbClr val="C00000"/>
-                </a:solidFill>
-              </a:rPr>
-              <a:t>compensation</a:t>
-            </a:r>
-            <a:r>
-              <a:rPr lang="fr-FR" dirty="0"/>
-              <a:t> vs </a:t>
-            </a:r>
-            <a:r>
-              <a:rPr lang="fr-FR" dirty="0" err="1"/>
-              <a:t>random</a:t>
-            </a:r>
-            <a:r>
-              <a:rPr lang="fr-FR" dirty="0"/>
-              <a:t> </a:t>
-            </a:r>
-            <a:r>
-              <a:rPr lang="fr-FR" dirty="0" err="1"/>
-              <a:t>choice</a:t>
-            </a:r>
-            <a:endParaRPr lang="fr-FR" dirty="0"/>
-          </a:p>
-        </p:txBody>
-      </p:sp>
-    </p:spTree>
-    <p:extLst>
-      <p:ext uri="{BB962C8B-B14F-4D97-AF65-F5344CB8AC3E}">
-        <p14:creationId xmlns:p14="http://schemas.microsoft.com/office/powerpoint/2010/main" val="2449321781"/>
-      </p:ext>
-    </p:extLst>
-  </p:cSld>
-  <p:clrMapOvr>
-    <a:masterClrMapping/>
-  </p:clrMapOvr>
-</p:sld>
-</file>
-
-<file path=ppt/slides/slide4.xml><?xml version="1.0" encoding="utf-8"?>
-<p:sld xmlns:a="http://schemas.openxmlformats.org/drawingml/2006/main" xmlns:r="http://schemas.openxmlformats.org/officeDocument/2006/relationships" xmlns:p="http://schemas.openxmlformats.org/presentationml/2006/main">
-  <p:cSld>
-    <p:spTree>
-      <p:nvGrpSpPr>
-        <p:cNvPr id="1" name=""/>
-        <p:cNvGrpSpPr/>
-        <p:nvPr/>
-      </p:nvGrpSpPr>
-      <p:grpSpPr>
-        <a:xfrm>
-          <a:off x="0" y="0"/>
-          <a:ext cx="0" cy="0"/>
-          <a:chOff x="0" y="0"/>
-          <a:chExt cx="0" cy="0"/>
-        </a:xfrm>
-      </p:grpSpPr>
-      <p:graphicFrame>
-        <p:nvGraphicFramePr>
-          <p:cNvPr id="4" name="Tableau 4">
-            <a:extLst>
-              <a:ext uri="{FF2B5EF4-FFF2-40B4-BE49-F238E27FC236}">
-                <a16:creationId xmlns:a16="http://schemas.microsoft.com/office/drawing/2014/main" id="{ADFD4CDF-DD78-C194-F292-49882BCC142F}"/>
-              </a:ext>
-            </a:extLst>
-          </p:cNvPr>
-          <p:cNvGraphicFramePr>
-            <a:graphicFrameLocks noGrp="1"/>
-          </p:cNvGraphicFramePr>
-          <p:nvPr>
-            <p:extLst>
-              <p:ext uri="{D42A27DB-BD31-4B8C-83A1-F6EECF244321}">
-                <p14:modId xmlns:p14="http://schemas.microsoft.com/office/powerpoint/2010/main" val="284440785"/>
+                <p14:modId xmlns:p14="http://schemas.microsoft.com/office/powerpoint/2010/main" val="3581672263"/>
               </p:ext>
             </p:extLst>
           </p:nvPr>
@@ -5197,7 +4274,7 @@
                             <a:schemeClr val="tx1"/>
                           </a:solidFill>
                         </a:rPr>
-                        <a:t>263</a:t>
+                        <a:t>284</a:t>
                       </a:r>
                     </a:p>
                   </a:txBody>
@@ -5270,7 +4347,7 @@
                       <a:pPr algn="ctr"/>
                       <a:r>
                         <a:rPr lang="fr-FR" dirty="0"/>
-                        <a:t>29       (9x </a:t>
+                        <a:t>29       (10x </a:t>
                       </a:r>
                       <a:r>
                         <a:rPr lang="fr-FR" dirty="0" err="1"/>
@@ -5351,7 +4428,7 @@
                             <a:srgbClr val="C00000"/>
                           </a:solidFill>
                         </a:rPr>
-                        <a:t>16.9    (15x </a:t>
+                        <a:t>16.9    (17x </a:t>
                       </a:r>
                       <a:r>
                         <a:rPr lang="fr-FR" b="1" dirty="0" err="1">
@@ -5385,7 +4462,7 @@
                             <a:srgbClr val="C00000"/>
                           </a:solidFill>
                         </a:rPr>
-                        <a:t>6.7 Hours (</a:t>
+                        <a:t>6h42min (</a:t>
                       </a:r>
                       <a:r>
                         <a:rPr lang="fr-FR" sz="1800" kern="1200" dirty="0">
@@ -5571,7 +4648,7 @@
           <p:nvPr>
             <p:extLst>
               <p:ext uri="{D42A27DB-BD31-4B8C-83A1-F6EECF244321}">
-                <p14:modId xmlns:p14="http://schemas.microsoft.com/office/powerpoint/2010/main" val="2378220566"/>
+                <p14:modId xmlns:p14="http://schemas.microsoft.com/office/powerpoint/2010/main" val="628360066"/>
               </p:ext>
             </p:extLst>
           </p:nvPr>
@@ -5806,35 +4883,12 @@
                         <a:defRPr/>
                       </a:pPr>
                       <a:r>
-                        <a:rPr lang="fr-FR" b="1">
-                          <a:solidFill>
-                            <a:srgbClr val="C00000"/>
-                          </a:solidFill>
-                        </a:rPr>
-                        <a:t>CMP</a:t>
-                      </a:r>
-                      <a:endParaRPr lang="fr-FR" b="1" dirty="0">
-                        <a:solidFill>
-                          <a:srgbClr val="C00000"/>
-                        </a:solidFill>
-                      </a:endParaRPr>
-                    </a:p>
-                  </a:txBody>
-                  <a:tcPr/>
-                </a:tc>
-                <a:tc>
-                  <a:txBody>
-                    <a:bodyPr/>
-                    <a:lstStyle/>
-                    <a:p>
-                      <a:pPr algn="ctr"/>
-                      <a:r>
                         <a:rPr lang="fr-FR" b="1" dirty="0">
                           <a:solidFill>
                             <a:srgbClr val="C00000"/>
                           </a:solidFill>
                         </a:rPr>
-                        <a:t>?</a:t>
+                        <a:t>CMP (17-30 nodes x2)</a:t>
                       </a:r>
                     </a:p>
                   </a:txBody>
@@ -5846,11 +4900,48 @@
                     <a:lstStyle/>
                     <a:p>
                       <a:pPr algn="ctr"/>
-                      <a:endParaRPr lang="fr-FR" b="1" dirty="0">
-                        <a:solidFill>
-                          <a:srgbClr val="C00000"/>
-                        </a:solidFill>
-                      </a:endParaRPr>
+                      <a:r>
+                        <a:rPr lang="fr-FR" b="1" dirty="0">
+                          <a:solidFill>
+                            <a:srgbClr val="C00000"/>
+                          </a:solidFill>
+                        </a:rPr>
+                        <a:t>0.28 (10x </a:t>
+                      </a:r>
+                      <a:r>
+                        <a:rPr lang="fr-FR" b="1" dirty="0" err="1">
+                          <a:solidFill>
+                            <a:srgbClr val="C00000"/>
+                          </a:solidFill>
+                        </a:rPr>
+                        <a:t>better</a:t>
+                      </a:r>
+                      <a:r>
+                        <a:rPr lang="fr-FR" b="1" dirty="0">
+                          <a:solidFill>
+                            <a:srgbClr val="C00000"/>
+                          </a:solidFill>
+                        </a:rPr>
+                        <a:t>)</a:t>
+                      </a:r>
+                    </a:p>
+                  </a:txBody>
+                  <a:tcPr/>
+                </a:tc>
+                <a:tc>
+                  <a:txBody>
+                    <a:bodyPr/>
+                    <a:lstStyle/>
+                    <a:p>
+                      <a:pPr algn="ctr"/>
+                      <a:r>
+                        <a:rPr lang="fr-FR" b="1" dirty="0">
+                          <a:solidFill>
+                            <a:srgbClr val="C00000"/>
+                          </a:solidFill>
+                        </a:rPr>
+                        <a:t>5h21min (19270s)</a:t>
+                      </a:r>
                     </a:p>
                   </a:txBody>
                   <a:tcPr/>
@@ -5945,6 +5036,775 @@
     <p:extLst>
       <p:ext uri="{BB962C8B-B14F-4D97-AF65-F5344CB8AC3E}">
         <p14:creationId xmlns:p14="http://schemas.microsoft.com/office/powerpoint/2010/main" val="4129176714"/>
+      </p:ext>
+    </p:extLst>
+  </p:cSld>
+  <p:clrMapOvr>
+    <a:masterClrMapping/>
+  </p:clrMapOvr>
+</p:sld>
+</file>
+
+<file path=ppt/slides/slide4.xml><?xml version="1.0" encoding="utf-8"?>
+<p:sld xmlns:a="http://schemas.openxmlformats.org/drawingml/2006/main" xmlns:r="http://schemas.openxmlformats.org/officeDocument/2006/relationships" xmlns:p="http://schemas.openxmlformats.org/presentationml/2006/main">
+  <p:cSld>
+    <p:spTree>
+      <p:nvGrpSpPr>
+        <p:cNvPr id="1" name=""/>
+        <p:cNvGrpSpPr/>
+        <p:nvPr/>
+      </p:nvGrpSpPr>
+      <p:grpSpPr>
+        <a:xfrm>
+          <a:off x="0" y="0"/>
+          <a:ext cx="0" cy="0"/>
+          <a:chOff x="0" y="0"/>
+          <a:chExt cx="0" cy="0"/>
+        </a:xfrm>
+      </p:grpSpPr>
+      <p:sp>
+        <p:nvSpPr>
+          <p:cNvPr id="49" name="ZoneTexte 48">
+            <a:extLst>
+              <a:ext uri="{FF2B5EF4-FFF2-40B4-BE49-F238E27FC236}">
+                <a16:creationId xmlns:a16="http://schemas.microsoft.com/office/drawing/2014/main" id="{6274D5FC-B802-0B57-FA63-D845CBCF64F1}"/>
+              </a:ext>
+            </a:extLst>
+          </p:cNvPr>
+          <p:cNvSpPr txBox="1"/>
+          <p:nvPr/>
+        </p:nvSpPr>
+        <p:spPr>
+          <a:xfrm>
+            <a:off x="4221405" y="376892"/>
+            <a:ext cx="2628476" cy="369332"/>
+          </a:xfrm>
+          <a:prstGeom prst="rect">
+            <a:avLst/>
+          </a:prstGeom>
+          <a:noFill/>
+        </p:spPr>
+        <p:txBody>
+          <a:bodyPr wrap="none" rtlCol="0">
+            <a:spAutoFit/>
+          </a:bodyPr>
+          <a:lstStyle/>
+          <a:p>
+            <a:r>
+              <a:rPr lang="fr-FR" dirty="0"/>
+              <a:t>5layers*100 nodes, </a:t>
+            </a:r>
+            <a:r>
+              <a:rPr lang="fr-FR" dirty="0" err="1"/>
+              <a:t>ReLU</a:t>
+            </a:r>
+            <a:r>
+              <a:rPr lang="fr-FR" dirty="0"/>
+              <a:t>,</a:t>
+            </a:r>
+          </a:p>
+        </p:txBody>
+      </p:sp>
+      <p:graphicFrame>
+        <p:nvGraphicFramePr>
+          <p:cNvPr id="5" name="Tableau 4">
+            <a:extLst>
+              <a:ext uri="{FF2B5EF4-FFF2-40B4-BE49-F238E27FC236}">
+                <a16:creationId xmlns:a16="http://schemas.microsoft.com/office/drawing/2014/main" id="{4A06E0CE-362C-68A4-2ADC-6313A93B003D}"/>
+              </a:ext>
+            </a:extLst>
+          </p:cNvPr>
+          <p:cNvGraphicFramePr>
+            <a:graphicFrameLocks noGrp="1"/>
+          </p:cNvGraphicFramePr>
+          <p:nvPr>
+            <p:extLst>
+              <p:ext uri="{D42A27DB-BD31-4B8C-83A1-F6EECF244321}">
+                <p14:modId xmlns:p14="http://schemas.microsoft.com/office/powerpoint/2010/main" val="4273272639"/>
+              </p:ext>
+            </p:extLst>
+          </p:nvPr>
+        </p:nvGraphicFramePr>
+        <p:xfrm>
+          <a:off x="203200" y="2252864"/>
+          <a:ext cx="11658947" cy="3463644"/>
+        </p:xfrm>
+        <a:graphic>
+          <a:graphicData uri="http://schemas.openxmlformats.org/drawingml/2006/table">
+            <a:tbl>
+              <a:tblPr firstRow="1" bandRow="1">
+                <a:tableStyleId>{5C22544A-7EE6-4342-B048-85BDC9FD1C3A}</a:tableStyleId>
+              </a:tblPr>
+              <a:tblGrid>
+                <a:gridCol w="3178827">
+                  <a:extLst>
+                    <a:ext uri="{9D8B030D-6E8A-4147-A177-3AD203B41FA5}">
+                      <a16:colId xmlns:a16="http://schemas.microsoft.com/office/drawing/2014/main" val="628481113"/>
+                    </a:ext>
+                  </a:extLst>
+                </a:gridCol>
+                <a:gridCol w="4283902">
+                  <a:extLst>
+                    <a:ext uri="{9D8B030D-6E8A-4147-A177-3AD203B41FA5}">
+                      <a16:colId xmlns:a16="http://schemas.microsoft.com/office/drawing/2014/main" val="111859342"/>
+                    </a:ext>
+                  </a:extLst>
+                </a:gridCol>
+                <a:gridCol w="4196218">
+                  <a:extLst>
+                    <a:ext uri="{9D8B030D-6E8A-4147-A177-3AD203B41FA5}">
+                      <a16:colId xmlns:a16="http://schemas.microsoft.com/office/drawing/2014/main" val="3961735731"/>
+                    </a:ext>
+                  </a:extLst>
+                </a:gridCol>
+              </a:tblGrid>
+              <a:tr h="383156">
+                <a:tc>
+                  <a:txBody>
+                    <a:bodyPr/>
+                    <a:lstStyle/>
+                    <a:p>
+                      <a:r>
+                        <a:rPr lang="fr-FR" dirty="0"/>
+                        <a:t>Number </a:t>
+                      </a:r>
+                      <a:r>
+                        <a:rPr lang="fr-FR" b="1" dirty="0"/>
+                        <a:t>X</a:t>
+                      </a:r>
+                      <a:r>
+                        <a:rPr lang="fr-FR" dirty="0"/>
+                        <a:t> of nodes </a:t>
+                      </a:r>
+                      <a:r>
+                        <a:rPr lang="fr-FR" dirty="0" err="1"/>
+                        <a:t>chosen</a:t>
+                      </a:r>
+                      <a:endParaRPr lang="fr-FR" dirty="0"/>
+                    </a:p>
+                  </a:txBody>
+                  <a:tcPr/>
+                </a:tc>
+                <a:tc>
+                  <a:txBody>
+                    <a:bodyPr/>
+                    <a:lstStyle/>
+                    <a:p>
+                      <a:pPr algn="ctr"/>
+                      <a:r>
+                        <a:rPr lang="fr-FR" dirty="0">
+                          <a:solidFill>
+                            <a:srgbClr val="FF0000"/>
+                          </a:solidFill>
+                        </a:rPr>
+                        <a:t>Layer 1&amp;3: Compensation </a:t>
+                      </a:r>
+                      <a:r>
+                        <a:rPr lang="fr-FR" dirty="0">
+                          <a:solidFill>
+                            <a:schemeClr val="bg1"/>
+                          </a:solidFill>
+                        </a:rPr>
+                        <a:t>(vs </a:t>
+                      </a:r>
+                      <a:r>
+                        <a:rPr lang="fr-FR" dirty="0" err="1">
+                          <a:solidFill>
+                            <a:schemeClr val="bg1"/>
+                          </a:solidFill>
+                        </a:rPr>
+                        <a:t>random</a:t>
+                      </a:r>
+                      <a:r>
+                        <a:rPr lang="fr-FR" dirty="0">
+                          <a:solidFill>
+                            <a:schemeClr val="bg1"/>
+                          </a:solidFill>
+                        </a:rPr>
+                        <a:t>)</a:t>
+                      </a:r>
+                    </a:p>
+                  </a:txBody>
+                  <a:tcPr/>
+                </a:tc>
+                <a:tc>
+                  <a:txBody>
+                    <a:bodyPr/>
+                    <a:lstStyle/>
+                    <a:p>
+                      <a:pPr algn="ctr"/>
+                      <a:r>
+                        <a:rPr lang="fr-FR" dirty="0">
+                          <a:solidFill>
+                            <a:srgbClr val="FF0000"/>
+                          </a:solidFill>
+                        </a:rPr>
+                        <a:t>Layer 3: Compensation</a:t>
+                      </a:r>
+                      <a:r>
+                        <a:rPr lang="fr-FR" dirty="0"/>
+                        <a:t>  (vs </a:t>
+                      </a:r>
+                      <a:r>
+                        <a:rPr lang="fr-FR" dirty="0" err="1"/>
+                        <a:t>Random</a:t>
+                      </a:r>
+                      <a:r>
+                        <a:rPr lang="fr-FR" dirty="0"/>
+                        <a:t>)</a:t>
+                      </a:r>
+                    </a:p>
+                  </a:txBody>
+                  <a:tcPr/>
+                </a:tc>
+                <a:extLst>
+                  <a:ext uri="{0D108BD9-81ED-4DB2-BD59-A6C34878D82A}">
+                    <a16:rowId xmlns:a16="http://schemas.microsoft.com/office/drawing/2014/main" val="3010665806"/>
+                  </a:ext>
+                </a:extLst>
+              </a:tr>
+              <a:tr h="484608">
+                <a:tc>
+                  <a:txBody>
+                    <a:bodyPr/>
+                    <a:lstStyle/>
+                    <a:p>
+                      <a:r>
+                        <a:rPr lang="fr-FR" dirty="0">
+                          <a:solidFill>
+                            <a:schemeClr val="bg1">
+                              <a:lumMod val="50000"/>
+                            </a:schemeClr>
+                          </a:solidFill>
+                        </a:rPr>
+                        <a:t>0</a:t>
+                      </a:r>
+                    </a:p>
+                  </a:txBody>
+                  <a:tcPr/>
+                </a:tc>
+                <a:tc>
+                  <a:txBody>
+                    <a:bodyPr/>
+                    <a:lstStyle/>
+                    <a:p>
+                      <a:pPr algn="ctr"/>
+                      <a:endParaRPr lang="fr-FR" dirty="0">
+                        <a:solidFill>
+                          <a:schemeClr val="bg1">
+                            <a:lumMod val="50000"/>
+                          </a:schemeClr>
+                        </a:solidFill>
+                      </a:endParaRPr>
+                    </a:p>
+                  </a:txBody>
+                  <a:tcPr/>
+                </a:tc>
+                <a:tc>
+                  <a:txBody>
+                    <a:bodyPr/>
+                    <a:lstStyle/>
+                    <a:p>
+                      <a:pPr algn="ctr"/>
+                      <a:endParaRPr lang="fr-FR" dirty="0">
+                        <a:solidFill>
+                          <a:schemeClr val="bg1">
+                            <a:lumMod val="50000"/>
+                          </a:schemeClr>
+                        </a:solidFill>
+                      </a:endParaRPr>
+                    </a:p>
+                  </a:txBody>
+                  <a:tcPr/>
+                </a:tc>
+                <a:extLst>
+                  <a:ext uri="{0D108BD9-81ED-4DB2-BD59-A6C34878D82A}">
+                    <a16:rowId xmlns:a16="http://schemas.microsoft.com/office/drawing/2014/main" val="646733638"/>
+                  </a:ext>
+                </a:extLst>
+              </a:tr>
+              <a:tr h="370840">
+                <a:tc>
+                  <a:txBody>
+                    <a:bodyPr/>
+                    <a:lstStyle/>
+                    <a:p>
+                      <a:r>
+                        <a:rPr lang="fr-FR" dirty="0">
+                          <a:solidFill>
+                            <a:schemeClr val="tx1"/>
+                          </a:solidFill>
+                        </a:rPr>
+                        <a:t>10</a:t>
+                      </a:r>
+                    </a:p>
+                  </a:txBody>
+                  <a:tcPr/>
+                </a:tc>
+                <a:tc>
+                  <a:txBody>
+                    <a:bodyPr/>
+                    <a:lstStyle/>
+                    <a:p>
+                      <a:pPr algn="ctr"/>
+                      <a:endParaRPr lang="fr-FR" dirty="0">
+                        <a:solidFill>
+                          <a:schemeClr val="tx1"/>
+                        </a:solidFill>
+                      </a:endParaRPr>
+                    </a:p>
+                  </a:txBody>
+                  <a:tcPr/>
+                </a:tc>
+                <a:tc>
+                  <a:txBody>
+                    <a:bodyPr/>
+                    <a:lstStyle/>
+                    <a:p>
+                      <a:pPr algn="ctr"/>
+                      <a:endParaRPr lang="fr-FR" dirty="0"/>
+                    </a:p>
+                  </a:txBody>
+                  <a:tcPr/>
+                </a:tc>
+                <a:extLst>
+                  <a:ext uri="{0D108BD9-81ED-4DB2-BD59-A6C34878D82A}">
+                    <a16:rowId xmlns:a16="http://schemas.microsoft.com/office/drawing/2014/main" val="3839271426"/>
+                  </a:ext>
+                </a:extLst>
+              </a:tr>
+              <a:tr h="370840">
+                <a:tc>
+                  <a:txBody>
+                    <a:bodyPr/>
+                    <a:lstStyle/>
+                    <a:p>
+                      <a:r>
+                        <a:rPr lang="fr-FR" dirty="0"/>
+                        <a:t>20</a:t>
+                      </a:r>
+                    </a:p>
+                  </a:txBody>
+                  <a:tcPr/>
+                </a:tc>
+                <a:tc>
+                  <a:txBody>
+                    <a:bodyPr/>
+                    <a:lstStyle/>
+                    <a:p>
+                      <a:pPr algn="ctr"/>
+                      <a:endParaRPr lang="fr-FR" b="0" dirty="0"/>
+                    </a:p>
+                  </a:txBody>
+                  <a:tcPr/>
+                </a:tc>
+                <a:tc>
+                  <a:txBody>
+                    <a:bodyPr/>
+                    <a:lstStyle/>
+                    <a:p>
+                      <a:pPr algn="ctr"/>
+                      <a:endParaRPr lang="fr-FR" dirty="0"/>
+                    </a:p>
+                  </a:txBody>
+                  <a:tcPr/>
+                </a:tc>
+                <a:extLst>
+                  <a:ext uri="{0D108BD9-81ED-4DB2-BD59-A6C34878D82A}">
+                    <a16:rowId xmlns:a16="http://schemas.microsoft.com/office/drawing/2014/main" val="398968001"/>
+                  </a:ext>
+                </a:extLst>
+              </a:tr>
+              <a:tr h="370840">
+                <a:tc>
+                  <a:txBody>
+                    <a:bodyPr/>
+                    <a:lstStyle/>
+                    <a:p>
+                      <a:r>
+                        <a:rPr lang="fr-FR" dirty="0">
+                          <a:solidFill>
+                            <a:schemeClr val="tx1"/>
+                          </a:solidFill>
+                        </a:rPr>
+                        <a:t>30</a:t>
+                      </a:r>
+                    </a:p>
+                  </a:txBody>
+                  <a:tcPr/>
+                </a:tc>
+                <a:tc>
+                  <a:txBody>
+                    <a:bodyPr/>
+                    <a:lstStyle/>
+                    <a:p>
+                      <a:pPr algn="ctr"/>
+                      <a:endParaRPr lang="fr-FR" b="0" dirty="0">
+                        <a:solidFill>
+                          <a:schemeClr val="tx1"/>
+                        </a:solidFill>
+                      </a:endParaRPr>
+                    </a:p>
+                  </a:txBody>
+                  <a:tcPr/>
+                </a:tc>
+                <a:tc>
+                  <a:txBody>
+                    <a:bodyPr/>
+                    <a:lstStyle/>
+                    <a:p>
+                      <a:pPr algn="ctr"/>
+                      <a:endParaRPr lang="fr-FR" dirty="0">
+                        <a:solidFill>
+                          <a:schemeClr val="tx1"/>
+                        </a:solidFill>
+                      </a:endParaRPr>
+                    </a:p>
+                  </a:txBody>
+                  <a:tcPr/>
+                </a:tc>
+                <a:extLst>
+                  <a:ext uri="{0D108BD9-81ED-4DB2-BD59-A6C34878D82A}">
+                    <a16:rowId xmlns:a16="http://schemas.microsoft.com/office/drawing/2014/main" val="1789608395"/>
+                  </a:ext>
+                </a:extLst>
+              </a:tr>
+              <a:tr h="370840">
+                <a:tc>
+                  <a:txBody>
+                    <a:bodyPr/>
+                    <a:lstStyle/>
+                    <a:p>
+                      <a:r>
+                        <a:rPr lang="fr-FR" dirty="0">
+                          <a:solidFill>
+                            <a:schemeClr val="tx1"/>
+                          </a:solidFill>
+                        </a:rPr>
+                        <a:t>40</a:t>
+                      </a:r>
+                    </a:p>
+                  </a:txBody>
+                  <a:tcPr/>
+                </a:tc>
+                <a:tc>
+                  <a:txBody>
+                    <a:bodyPr/>
+                    <a:lstStyle/>
+                    <a:p>
+                      <a:pPr algn="ctr"/>
+                      <a:endParaRPr lang="fr-FR" b="0" dirty="0">
+                        <a:solidFill>
+                          <a:schemeClr val="tx1"/>
+                        </a:solidFill>
+                      </a:endParaRPr>
+                    </a:p>
+                  </a:txBody>
+                  <a:tcPr/>
+                </a:tc>
+                <a:tc>
+                  <a:txBody>
+                    <a:bodyPr/>
+                    <a:lstStyle/>
+                    <a:p>
+                      <a:pPr algn="ctr"/>
+                      <a:endParaRPr lang="fr-FR" dirty="0">
+                        <a:solidFill>
+                          <a:schemeClr val="tx1"/>
+                        </a:solidFill>
+                      </a:endParaRPr>
+                    </a:p>
+                  </a:txBody>
+                  <a:tcPr/>
+                </a:tc>
+                <a:extLst>
+                  <a:ext uri="{0D108BD9-81ED-4DB2-BD59-A6C34878D82A}">
+                    <a16:rowId xmlns:a16="http://schemas.microsoft.com/office/drawing/2014/main" val="138467180"/>
+                  </a:ext>
+                </a:extLst>
+              </a:tr>
+              <a:tr h="370840">
+                <a:tc>
+                  <a:txBody>
+                    <a:bodyPr/>
+                    <a:lstStyle/>
+                    <a:p>
+                      <a:r>
+                        <a:rPr lang="fr-FR" dirty="0"/>
+                        <a:t>50</a:t>
+                      </a:r>
+                    </a:p>
+                  </a:txBody>
+                  <a:tcPr/>
+                </a:tc>
+                <a:tc>
+                  <a:txBody>
+                    <a:bodyPr/>
+                    <a:lstStyle/>
+                    <a:p>
+                      <a:pPr algn="ctr"/>
+                      <a:endParaRPr lang="fr-FR" b="0" dirty="0"/>
+                    </a:p>
+                  </a:txBody>
+                  <a:tcPr/>
+                </a:tc>
+                <a:tc>
+                  <a:txBody>
+                    <a:bodyPr/>
+                    <a:lstStyle/>
+                    <a:p>
+                      <a:pPr algn="ctr"/>
+                      <a:endParaRPr lang="fr-FR" dirty="0"/>
+                    </a:p>
+                  </a:txBody>
+                  <a:tcPr/>
+                </a:tc>
+                <a:extLst>
+                  <a:ext uri="{0D108BD9-81ED-4DB2-BD59-A6C34878D82A}">
+                    <a16:rowId xmlns:a16="http://schemas.microsoft.com/office/drawing/2014/main" val="3899875465"/>
+                  </a:ext>
+                </a:extLst>
+              </a:tr>
+              <a:tr h="370840">
+                <a:tc>
+                  <a:txBody>
+                    <a:bodyPr/>
+                    <a:lstStyle/>
+                    <a:p>
+                      <a:r>
+                        <a:rPr lang="fr-FR" dirty="0">
+                          <a:solidFill>
+                            <a:schemeClr val="bg1">
+                              <a:lumMod val="50000"/>
+                            </a:schemeClr>
+                          </a:solidFill>
+                        </a:rPr>
+                        <a:t>ALL NODES OF LAYER 3 (k=1)</a:t>
+                      </a:r>
+                    </a:p>
+                  </a:txBody>
+                  <a:tcPr/>
+                </a:tc>
+                <a:tc>
+                  <a:txBody>
+                    <a:bodyPr/>
+                    <a:lstStyle/>
+                    <a:p>
+                      <a:pPr algn="ctr"/>
+                      <a:endParaRPr lang="fr-FR" dirty="0">
+                        <a:solidFill>
+                          <a:schemeClr val="bg1">
+                            <a:lumMod val="50000"/>
+                          </a:schemeClr>
+                        </a:solidFill>
+                      </a:endParaRPr>
+                    </a:p>
+                  </a:txBody>
+                  <a:tcPr/>
+                </a:tc>
+                <a:tc>
+                  <a:txBody>
+                    <a:bodyPr/>
+                    <a:lstStyle/>
+                    <a:p>
+                      <a:pPr algn="ctr"/>
+                      <a:endParaRPr lang="fr-FR" dirty="0">
+                        <a:solidFill>
+                          <a:schemeClr val="bg1">
+                            <a:lumMod val="50000"/>
+                          </a:schemeClr>
+                        </a:solidFill>
+                      </a:endParaRPr>
+                    </a:p>
+                  </a:txBody>
+                  <a:tcPr/>
+                </a:tc>
+                <a:extLst>
+                  <a:ext uri="{0D108BD9-81ED-4DB2-BD59-A6C34878D82A}">
+                    <a16:rowId xmlns:a16="http://schemas.microsoft.com/office/drawing/2014/main" val="14864157"/>
+                  </a:ext>
+                </a:extLst>
+              </a:tr>
+              <a:tr h="370840">
+                <a:tc>
+                  <a:txBody>
+                    <a:bodyPr/>
+                    <a:lstStyle/>
+                    <a:p>
+                      <a:r>
+                        <a:rPr lang="fr-FR" dirty="0">
+                          <a:solidFill>
+                            <a:schemeClr val="bg1">
+                              <a:lumMod val="50000"/>
+                            </a:schemeClr>
+                          </a:solidFill>
+                        </a:rPr>
+                        <a:t>ALL NODES OF LAYER 1+3 (k=2)</a:t>
+                      </a:r>
+                    </a:p>
+                  </a:txBody>
+                  <a:tcPr/>
+                </a:tc>
+                <a:tc>
+                  <a:txBody>
+                    <a:bodyPr/>
+                    <a:lstStyle/>
+                    <a:p>
+                      <a:pPr algn="ctr"/>
+                      <a:endParaRPr lang="fr-FR" dirty="0">
+                        <a:solidFill>
+                          <a:schemeClr val="bg1">
+                            <a:lumMod val="50000"/>
+                          </a:schemeClr>
+                        </a:solidFill>
+                      </a:endParaRPr>
+                    </a:p>
+                  </a:txBody>
+                  <a:tcPr/>
+                </a:tc>
+                <a:tc>
+                  <a:txBody>
+                    <a:bodyPr/>
+                    <a:lstStyle/>
+                    <a:p>
+                      <a:pPr algn="ctr"/>
+                      <a:endParaRPr lang="fr-FR" dirty="0">
+                        <a:solidFill>
+                          <a:schemeClr val="bg1">
+                            <a:lumMod val="50000"/>
+                          </a:schemeClr>
+                        </a:solidFill>
+                      </a:endParaRPr>
+                    </a:p>
+                  </a:txBody>
+                  <a:tcPr/>
+                </a:tc>
+                <a:extLst>
+                  <a:ext uri="{0D108BD9-81ED-4DB2-BD59-A6C34878D82A}">
+                    <a16:rowId xmlns:a16="http://schemas.microsoft.com/office/drawing/2014/main" val="1522871950"/>
+                  </a:ext>
+                </a:extLst>
+              </a:tr>
+            </a:tbl>
+          </a:graphicData>
+        </a:graphic>
+      </p:graphicFrame>
+      <p:sp>
+        <p:nvSpPr>
+          <p:cNvPr id="8" name="ZoneTexte 7">
+            <a:extLst>
+              <a:ext uri="{FF2B5EF4-FFF2-40B4-BE49-F238E27FC236}">
+                <a16:creationId xmlns:a16="http://schemas.microsoft.com/office/drawing/2014/main" id="{F4CC3D67-A686-60ED-A7A0-49B55639D1B8}"/>
+              </a:ext>
+            </a:extLst>
+          </p:cNvPr>
+          <p:cNvSpPr txBox="1"/>
+          <p:nvPr/>
+        </p:nvSpPr>
+        <p:spPr>
+          <a:xfrm>
+            <a:off x="86308" y="1532157"/>
+            <a:ext cx="12302983" cy="369332"/>
+          </a:xfrm>
+          <a:prstGeom prst="rect">
+            <a:avLst/>
+          </a:prstGeom>
+          <a:noFill/>
+        </p:spPr>
+        <p:txBody>
+          <a:bodyPr wrap="none" rtlCol="0">
+            <a:spAutoFit/>
+          </a:bodyPr>
+          <a:lstStyle/>
+          <a:p>
+            <a:r>
+              <a:rPr lang="fr-FR" dirty="0" err="1"/>
+              <a:t>Average</a:t>
+            </a:r>
+            <a:r>
+              <a:rPr lang="fr-FR" dirty="0"/>
+              <a:t> </a:t>
+            </a:r>
+            <a:r>
+              <a:rPr lang="fr-FR" dirty="0" err="1"/>
+              <a:t>uncertainty</a:t>
+            </a:r>
+            <a:r>
+              <a:rPr lang="fr-FR" dirty="0"/>
+              <a:t> of </a:t>
+            </a:r>
+            <a:r>
+              <a:rPr lang="fr-FR" b="1" dirty="0"/>
+              <a:t>layer 5</a:t>
+            </a:r>
+            <a:r>
+              <a:rPr lang="fr-FR" dirty="0"/>
+              <a:t> (first </a:t>
+            </a:r>
+            <a:r>
+              <a:rPr lang="fr-FR" dirty="0" err="1"/>
+              <a:t>ReLU</a:t>
+            </a:r>
+            <a:r>
+              <a:rPr lang="fr-FR" dirty="0"/>
+              <a:t> layer) </a:t>
+            </a:r>
+            <a:r>
+              <a:rPr lang="fr-FR" dirty="0" err="1"/>
+              <a:t>when</a:t>
+            </a:r>
+            <a:r>
+              <a:rPr lang="fr-FR" dirty="0"/>
+              <a:t> </a:t>
+            </a:r>
+            <a:r>
+              <a:rPr lang="fr-FR" dirty="0" err="1"/>
+              <a:t>choosing</a:t>
+            </a:r>
+            <a:r>
+              <a:rPr lang="fr-FR" dirty="0"/>
+              <a:t> MILP layer1+3-nodes </a:t>
+            </a:r>
+            <a:r>
+              <a:rPr lang="fr-FR" dirty="0" err="1"/>
+              <a:t>focusing</a:t>
+            </a:r>
+            <a:r>
+              <a:rPr lang="fr-FR" dirty="0"/>
+              <a:t> on </a:t>
+            </a:r>
+            <a:r>
+              <a:rPr lang="fr-FR" dirty="0">
+                <a:solidFill>
+                  <a:srgbClr val="C00000"/>
+                </a:solidFill>
+              </a:rPr>
+              <a:t>compensation</a:t>
+            </a:r>
+            <a:r>
+              <a:rPr lang="fr-FR" dirty="0"/>
+              <a:t> vs </a:t>
+            </a:r>
+            <a:r>
+              <a:rPr lang="fr-FR" dirty="0" err="1"/>
+              <a:t>random</a:t>
+            </a:r>
+            <a:r>
+              <a:rPr lang="fr-FR" dirty="0"/>
+              <a:t> </a:t>
+            </a:r>
+            <a:r>
+              <a:rPr lang="fr-FR" dirty="0" err="1"/>
+              <a:t>choice</a:t>
+            </a:r>
+            <a:endParaRPr lang="fr-FR" dirty="0"/>
+          </a:p>
+        </p:txBody>
+      </p:sp>
+    </p:spTree>
+    <p:extLst>
+      <p:ext uri="{BB962C8B-B14F-4D97-AF65-F5344CB8AC3E}">
+        <p14:creationId xmlns:p14="http://schemas.microsoft.com/office/powerpoint/2010/main" val="2449321781"/>
       </p:ext>
     </p:extLst>
   </p:cSld>

--- a/lipschitz/Liptscitz.pptx
+++ b/lipschitz/Liptscitz.pptx
@@ -5,10 +5,20 @@
     <p:sldMasterId id="2147483648" r:id="rId1"/>
   </p:sldMasterIdLst>
   <p:sldIdLst>
-    <p:sldId id="372" r:id="rId2"/>
-    <p:sldId id="260" r:id="rId3"/>
-    <p:sldId id="388" r:id="rId4"/>
-    <p:sldId id="390" r:id="rId5"/>
+    <p:sldId id="375" r:id="rId2"/>
+    <p:sldId id="376" r:id="rId3"/>
+    <p:sldId id="382" r:id="rId4"/>
+    <p:sldId id="392" r:id="rId5"/>
+    <p:sldId id="393" r:id="rId6"/>
+    <p:sldId id="383" r:id="rId7"/>
+    <p:sldId id="394" r:id="rId8"/>
+    <p:sldId id="395" r:id="rId9"/>
+    <p:sldId id="368" r:id="rId10"/>
+    <p:sldId id="391" r:id="rId11"/>
+    <p:sldId id="260" r:id="rId12"/>
+    <p:sldId id="390" r:id="rId13"/>
+    <p:sldId id="388" r:id="rId14"/>
+    <p:sldId id="396" r:id="rId15"/>
   </p:sldIdLst>
   <p:sldSz cx="12192000" cy="6858000"/>
   <p:notesSz cx="6858000" cy="9144000"/>
@@ -142,6 +152,33 @@
 </inkml:ink>
 </file>
 
+<file path=ppt/ink/ink2.xml><?xml version="1.0" encoding="utf-8"?>
+<inkml:ink xmlns:inkml="http://www.w3.org/2003/InkML">
+  <inkml:definitions>
+    <inkml:context xml:id="ctx0">
+      <inkml:inkSource xml:id="inkSrc0">
+        <inkml:traceFormat>
+          <inkml:channel name="X" type="integer" min="-2.14748E9" max="2.14748E9" units="cm"/>
+          <inkml:channel name="Y" type="integer" min="-2.14748E9" max="2.14748E9" units="cm"/>
+          <inkml:channel name="F" type="integer" max="32767" units="dev"/>
+        </inkml:traceFormat>
+        <inkml:channelProperties>
+          <inkml:channelProperty channel="X" name="resolution" value="1000" units="1/cm"/>
+          <inkml:channelProperty channel="Y" name="resolution" value="1000" units="1/cm"/>
+          <inkml:channelProperty channel="F" name="resolution" value="0" units="1/dev"/>
+        </inkml:channelProperties>
+      </inkml:inkSource>
+      <inkml:timestamp xml:id="ts0" timeString="2023-06-09T09:18:04.074"/>
+    </inkml:context>
+    <inkml:brush xml:id="br0">
+      <inkml:brushProperty name="width" value="0.05" units="cm"/>
+      <inkml:brushProperty name="height" value="0.05" units="cm"/>
+    </inkml:brush>
+  </inkml:definitions>
+  <inkml:trace contextRef="#ctx0" brushRef="#br0">12 5 904,'-5'-2'512,"4"1"-208,-2 0-8,2 1 41,-1 0-265</inkml:trace>
+</inkml:ink>
+</file>
+
 <file path=ppt/slideLayouts/slideLayout1.xml><?xml version="1.0" encoding="utf-8"?>
 <p:sldLayout xmlns:a="http://schemas.openxmlformats.org/drawingml/2006/main" xmlns:r="http://schemas.openxmlformats.org/officeDocument/2006/relationships" xmlns:p="http://schemas.openxmlformats.org/presentationml/2006/main" type="title" preserve="1">
   <p:cSld name="Diapositive de titre">
@@ -289,7 +326,7 @@
           <a:p>
             <a:fld id="{E5FCB298-21FC-4E25-9632-945B53CD0465}" type="datetimeFigureOut">
               <a:rPr lang="fr-FR" smtClean="0"/>
-              <a:t>15/02/2024</a:t>
+              <a:t>18/02/2024</a:t>
             </a:fld>
             <a:endParaRPr lang="fr-FR"/>
           </a:p>
@@ -487,7 +524,7 @@
           <a:p>
             <a:fld id="{E5FCB298-21FC-4E25-9632-945B53CD0465}" type="datetimeFigureOut">
               <a:rPr lang="fr-FR" smtClean="0"/>
-              <a:t>15/02/2024</a:t>
+              <a:t>18/02/2024</a:t>
             </a:fld>
             <a:endParaRPr lang="fr-FR"/>
           </a:p>
@@ -695,7 +732,7 @@
           <a:p>
             <a:fld id="{E5FCB298-21FC-4E25-9632-945B53CD0465}" type="datetimeFigureOut">
               <a:rPr lang="fr-FR" smtClean="0"/>
-              <a:t>15/02/2024</a:t>
+              <a:t>18/02/2024</a:t>
             </a:fld>
             <a:endParaRPr lang="fr-FR"/>
           </a:p>
@@ -893,7 +930,7 @@
           <a:p>
             <a:fld id="{E5FCB298-21FC-4E25-9632-945B53CD0465}" type="datetimeFigureOut">
               <a:rPr lang="fr-FR" smtClean="0"/>
-              <a:t>15/02/2024</a:t>
+              <a:t>18/02/2024</a:t>
             </a:fld>
             <a:endParaRPr lang="fr-FR"/>
           </a:p>
@@ -1168,7 +1205,7 @@
           <a:p>
             <a:fld id="{E5FCB298-21FC-4E25-9632-945B53CD0465}" type="datetimeFigureOut">
               <a:rPr lang="fr-FR" smtClean="0"/>
-              <a:t>15/02/2024</a:t>
+              <a:t>18/02/2024</a:t>
             </a:fld>
             <a:endParaRPr lang="fr-FR"/>
           </a:p>
@@ -1433,7 +1470,7 @@
           <a:p>
             <a:fld id="{E5FCB298-21FC-4E25-9632-945B53CD0465}" type="datetimeFigureOut">
               <a:rPr lang="fr-FR" smtClean="0"/>
-              <a:t>15/02/2024</a:t>
+              <a:t>18/02/2024</a:t>
             </a:fld>
             <a:endParaRPr lang="fr-FR"/>
           </a:p>
@@ -1845,7 +1882,7 @@
           <a:p>
             <a:fld id="{E5FCB298-21FC-4E25-9632-945B53CD0465}" type="datetimeFigureOut">
               <a:rPr lang="fr-FR" smtClean="0"/>
-              <a:t>15/02/2024</a:t>
+              <a:t>18/02/2024</a:t>
             </a:fld>
             <a:endParaRPr lang="fr-FR"/>
           </a:p>
@@ -1986,7 +2023,7 @@
           <a:p>
             <a:fld id="{E5FCB298-21FC-4E25-9632-945B53CD0465}" type="datetimeFigureOut">
               <a:rPr lang="fr-FR" smtClean="0"/>
-              <a:t>15/02/2024</a:t>
+              <a:t>18/02/2024</a:t>
             </a:fld>
             <a:endParaRPr lang="fr-FR"/>
           </a:p>
@@ -2099,7 +2136,7 @@
           <a:p>
             <a:fld id="{E5FCB298-21FC-4E25-9632-945B53CD0465}" type="datetimeFigureOut">
               <a:rPr lang="fr-FR" smtClean="0"/>
-              <a:t>15/02/2024</a:t>
+              <a:t>18/02/2024</a:t>
             </a:fld>
             <a:endParaRPr lang="fr-FR"/>
           </a:p>
@@ -2410,7 +2447,7 @@
           <a:p>
             <a:fld id="{E5FCB298-21FC-4E25-9632-945B53CD0465}" type="datetimeFigureOut">
               <a:rPr lang="fr-FR" smtClean="0"/>
-              <a:t>15/02/2024</a:t>
+              <a:t>18/02/2024</a:t>
             </a:fld>
             <a:endParaRPr lang="fr-FR"/>
           </a:p>
@@ -2698,7 +2735,7 @@
           <a:p>
             <a:fld id="{E5FCB298-21FC-4E25-9632-945B53CD0465}" type="datetimeFigureOut">
               <a:rPr lang="fr-FR" smtClean="0"/>
-              <a:t>15/02/2024</a:t>
+              <a:t>18/02/2024</a:t>
             </a:fld>
             <a:endParaRPr lang="fr-FR"/>
           </a:p>
@@ -2939,7 +2976,7 @@
           <a:p>
             <a:fld id="{E5FCB298-21FC-4E25-9632-945B53CD0465}" type="datetimeFigureOut">
               <a:rPr lang="fr-FR" smtClean="0"/>
-              <a:t>15/02/2024</a:t>
+              <a:t>18/02/2024</a:t>
             </a:fld>
             <a:endParaRPr lang="fr-FR"/>
           </a:p>
@@ -3358,34 +3395,242 @@
       </p:grpSpPr>
       <p:sp>
         <p:nvSpPr>
-          <p:cNvPr id="2" name="Titre 1"/>
-          <p:cNvSpPr>
-            <a:spLocks noGrp="1"/>
-          </p:cNvSpPr>
-          <p:nvPr>
-            <p:ph type="title"/>
-          </p:nvPr>
+          <p:cNvPr id="12" name="ZoneTexte 11"/>
+          <p:cNvSpPr txBox="1"/>
+          <p:nvPr/>
         </p:nvSpPr>
         <p:spPr>
           <a:xfrm>
-            <a:off x="2081719" y="196986"/>
-            <a:ext cx="7808068" cy="1325563"/>
+            <a:off x="252920" y="1856818"/>
+            <a:ext cx="11939080" cy="707886"/>
           </a:xfrm>
+          <a:prstGeom prst="rect">
+            <a:avLst/>
+          </a:prstGeom>
+          <a:noFill/>
         </p:spPr>
         <p:txBody>
-          <a:bodyPr>
-            <a:normAutofit/>
+          <a:bodyPr wrap="square" rtlCol="0">
+            <a:spAutoFit/>
           </a:bodyPr>
           <a:lstStyle/>
           <a:p>
             <a:pPr algn="ctr"/>
             <a:r>
-              <a:rPr lang="fr-FR" b="1" dirty="0">
+              <a:rPr lang="fr-FR" sz="4000" dirty="0" err="1"/>
+              <a:t>Verification</a:t>
+            </a:r>
+            <a:r>
+              <a:rPr lang="fr-FR" sz="4000" dirty="0"/>
+              <a:t> of </a:t>
+            </a:r>
+            <a:r>
+              <a:rPr lang="fr-FR" sz="4000" dirty="0" err="1"/>
+              <a:t>DNNs</a:t>
+            </a:r>
+            <a:endParaRPr lang="fr-FR" sz="4000" dirty="0"/>
+          </a:p>
+        </p:txBody>
+      </p:sp>
+      <p:sp>
+        <p:nvSpPr>
+          <p:cNvPr id="4" name="ZoneTexte 3">
+            <a:extLst>
+              <a:ext uri="{FF2B5EF4-FFF2-40B4-BE49-F238E27FC236}">
+                <a16:creationId xmlns:a16="http://schemas.microsoft.com/office/drawing/2014/main" id="{1C79F13D-3449-4FF9-9E7C-F5C7F7BB2AC1}"/>
+              </a:ext>
+            </a:extLst>
+          </p:cNvPr>
+          <p:cNvSpPr txBox="1"/>
+          <p:nvPr/>
+        </p:nvSpPr>
+        <p:spPr>
+          <a:xfrm>
+            <a:off x="3446829" y="3043825"/>
+            <a:ext cx="5173084" cy="3785652"/>
+          </a:xfrm>
+          <a:prstGeom prst="rect">
+            <a:avLst/>
+          </a:prstGeom>
+          <a:noFill/>
+        </p:spPr>
+        <p:txBody>
+          <a:bodyPr wrap="none" rtlCol="0">
+            <a:spAutoFit/>
+          </a:bodyPr>
+          <a:lstStyle/>
+          <a:p>
+            <a:pPr algn="ctr"/>
+            <a:r>
+              <a:rPr lang="fr-FR" sz="2400" dirty="0">
                 <a:solidFill>
-                  <a:srgbClr val="C00000"/>
+                  <a:srgbClr val="0070C0"/>
                 </a:solidFill>
               </a:rPr>
-              <a:t>Lipschitz</a:t>
+              <a:t>Kuldeep S. </a:t>
+            </a:r>
+            <a:r>
+              <a:rPr lang="fr-FR" sz="2400" dirty="0" err="1">
+                <a:solidFill>
+                  <a:srgbClr val="0070C0"/>
+                </a:solidFill>
+              </a:rPr>
+              <a:t>Meel</a:t>
+            </a:r>
+            <a:endParaRPr lang="fr-FR" sz="2400" dirty="0">
+              <a:solidFill>
+                <a:srgbClr val="0070C0"/>
+              </a:solidFill>
+            </a:endParaRPr>
+          </a:p>
+          <a:p>
+            <a:pPr algn="ctr"/>
+            <a:r>
+              <a:rPr lang="fr-FR" sz="2400" dirty="0">
+                <a:solidFill>
+                  <a:srgbClr val="0070C0"/>
+                </a:solidFill>
+              </a:rPr>
+              <a:t>NUS, Singapore =&gt; </a:t>
+            </a:r>
+            <a:r>
+              <a:rPr lang="fr-FR" sz="2400" dirty="0" err="1">
+                <a:solidFill>
+                  <a:srgbClr val="0070C0"/>
+                </a:solidFill>
+              </a:rPr>
+              <a:t>University</a:t>
+            </a:r>
+            <a:r>
+              <a:rPr lang="fr-FR" sz="2400" dirty="0">
+                <a:solidFill>
+                  <a:srgbClr val="0070C0"/>
+                </a:solidFill>
+              </a:rPr>
+              <a:t> of Toronto</a:t>
+            </a:r>
+          </a:p>
+          <a:p>
+            <a:pPr algn="ctr"/>
+            <a:endParaRPr lang="fr-FR" sz="2400" dirty="0">
+              <a:solidFill>
+                <a:schemeClr val="accent1"/>
+              </a:solidFill>
+            </a:endParaRPr>
+          </a:p>
+          <a:p>
+            <a:pPr algn="ctr"/>
+            <a:r>
+              <a:rPr lang="fr-FR" sz="2400" dirty="0">
+                <a:solidFill>
+                  <a:schemeClr val="accent1"/>
+                </a:solidFill>
+              </a:rPr>
+              <a:t>Blaise Genest</a:t>
+            </a:r>
+          </a:p>
+          <a:p>
+            <a:pPr algn="ctr"/>
+            <a:r>
+              <a:rPr lang="fr-FR" sz="2400" dirty="0">
+                <a:solidFill>
+                  <a:schemeClr val="accent1"/>
+                </a:solidFill>
+              </a:rPr>
+              <a:t>CNRS, </a:t>
+            </a:r>
+            <a:r>
+              <a:rPr lang="fr-FR" sz="2400" dirty="0" err="1">
+                <a:solidFill>
+                  <a:schemeClr val="accent1"/>
+                </a:solidFill>
+              </a:rPr>
+              <a:t>DesCartes</a:t>
+            </a:r>
+            <a:r>
+              <a:rPr lang="fr-FR" sz="2400" dirty="0">
+                <a:solidFill>
+                  <a:schemeClr val="accent1"/>
+                </a:solidFill>
+              </a:rPr>
+              <a:t> &amp; IPAL, France</a:t>
+            </a:r>
+          </a:p>
+          <a:p>
+            <a:pPr algn="ctr"/>
+            <a:endParaRPr lang="fr-FR" sz="2400" dirty="0">
+              <a:solidFill>
+                <a:schemeClr val="accent1"/>
+              </a:solidFill>
+            </a:endParaRPr>
+          </a:p>
+          <a:p>
+            <a:pPr algn="ctr"/>
+            <a:endParaRPr lang="fr-FR" sz="2400" dirty="0"/>
+          </a:p>
+          <a:p>
+            <a:pPr algn="ctr"/>
+            <a:r>
+              <a:rPr lang="fr-FR" sz="2400" dirty="0" err="1"/>
+              <a:t>Intern</a:t>
+            </a:r>
+            <a:r>
+              <a:rPr lang="fr-FR" sz="2400" dirty="0"/>
+              <a:t>: Marius </a:t>
+            </a:r>
+            <a:r>
+              <a:rPr lang="fr-FR" sz="2400" dirty="0" err="1"/>
+              <a:t>Belly</a:t>
+            </a:r>
+            <a:r>
+              <a:rPr lang="fr-FR" sz="2400" dirty="0"/>
+              <a:t>, </a:t>
+            </a:r>
+            <a:r>
+              <a:rPr lang="fr-FR" sz="2400" dirty="0" err="1"/>
+              <a:t>summer</a:t>
+            </a:r>
+            <a:r>
+              <a:rPr lang="fr-FR" sz="2400" dirty="0"/>
+              <a:t> 2022</a:t>
+            </a:r>
+          </a:p>
+          <a:p>
+            <a:pPr algn="ctr"/>
+            <a:r>
+              <a:rPr lang="fr-FR" sz="2400" dirty="0"/>
+              <a:t>RA: </a:t>
+            </a:r>
+            <a:r>
+              <a:rPr lang="fr-FR" sz="2400" dirty="0" err="1"/>
+              <a:t>Shaan</a:t>
+            </a:r>
+            <a:r>
+              <a:rPr lang="fr-FR" sz="2400" dirty="0"/>
+              <a:t> Aryaman, Jan-</a:t>
+            </a:r>
+            <a:r>
+              <a:rPr lang="fr-FR" sz="2400" dirty="0" err="1"/>
+              <a:t>Aug</a:t>
+            </a:r>
+            <a:r>
+              <a:rPr lang="fr-FR" sz="2400" dirty="0"/>
+              <a:t> 2023</a:t>
+            </a:r>
+          </a:p>
+          <a:p>
+            <a:pPr algn="ctr"/>
+            <a:r>
+              <a:rPr lang="fr-FR" sz="2400" dirty="0"/>
+              <a:t>RF: Liao </a:t>
+            </a:r>
+            <a:r>
+              <a:rPr lang="fr-FR" sz="2400" dirty="0" err="1"/>
+              <a:t>Yuke</a:t>
+            </a:r>
+            <a:r>
+              <a:rPr lang="fr-FR" sz="2400" dirty="0"/>
+              <a:t>, Sept 2023+</a:t>
             </a:r>
           </a:p>
         </p:txBody>
@@ -3393,7 +3638,7 @@
     </p:spTree>
     <p:extLst>
       <p:ext uri="{BB962C8B-B14F-4D97-AF65-F5344CB8AC3E}">
-        <p14:creationId xmlns:p14="http://schemas.microsoft.com/office/powerpoint/2010/main" val="2099047814"/>
+        <p14:creationId xmlns:p14="http://schemas.microsoft.com/office/powerpoint/2010/main" val="2825624562"/>
       </p:ext>
     </p:extLst>
   </p:cSld>
@@ -3403,7 +3648,229 @@
 </p:sld>
 </file>
 
-<file path=ppt/slides/slide2.xml><?xml version="1.0" encoding="utf-8"?>
+<file path=ppt/slides/slide10.xml><?xml version="1.0" encoding="utf-8"?>
+<p:sld xmlns:a="http://schemas.openxmlformats.org/drawingml/2006/main" xmlns:r="http://schemas.openxmlformats.org/officeDocument/2006/relationships" xmlns:p="http://schemas.openxmlformats.org/presentationml/2006/main">
+  <p:cSld>
+    <p:spTree>
+      <p:nvGrpSpPr>
+        <p:cNvPr id="1" name="">
+          <a:extLst>
+            <a:ext uri="{FF2B5EF4-FFF2-40B4-BE49-F238E27FC236}">
+              <a16:creationId xmlns:a16="http://schemas.microsoft.com/office/drawing/2014/main" id="{F86A544E-46F4-323A-467E-B5D3D601F4BE}"/>
+            </a:ext>
+          </a:extLst>
+        </p:cNvPr>
+        <p:cNvGrpSpPr/>
+        <p:nvPr/>
+      </p:nvGrpSpPr>
+      <p:grpSpPr>
+        <a:xfrm>
+          <a:off x="0" y="0"/>
+          <a:ext cx="0" cy="0"/>
+          <a:chOff x="0" y="0"/>
+          <a:chExt cx="0" cy="0"/>
+        </a:xfrm>
+      </p:grpSpPr>
+      <p:sp>
+        <p:nvSpPr>
+          <p:cNvPr id="2" name="Titre 1">
+            <a:extLst>
+              <a:ext uri="{FF2B5EF4-FFF2-40B4-BE49-F238E27FC236}">
+                <a16:creationId xmlns:a16="http://schemas.microsoft.com/office/drawing/2014/main" id="{4999BDB5-C68D-D7C4-9B9D-3A680BE741C7}"/>
+              </a:ext>
+            </a:extLst>
+          </p:cNvPr>
+          <p:cNvSpPr>
+            <a:spLocks noGrp="1"/>
+          </p:cNvSpPr>
+          <p:nvPr>
+            <p:ph type="title"/>
+          </p:nvPr>
+        </p:nvSpPr>
+        <p:spPr>
+          <a:xfrm>
+            <a:off x="2081719" y="196986"/>
+            <a:ext cx="7808068" cy="1325563"/>
+          </a:xfrm>
+        </p:spPr>
+        <p:txBody>
+          <a:bodyPr>
+            <a:normAutofit/>
+          </a:bodyPr>
+          <a:lstStyle/>
+          <a:p>
+            <a:pPr algn="ctr"/>
+            <a:r>
+              <a:rPr lang="fr-FR" b="1" dirty="0">
+                <a:solidFill>
+                  <a:srgbClr val="C00000"/>
+                </a:solidFill>
+              </a:rPr>
+              <a:t>LP </a:t>
+            </a:r>
+            <a:r>
+              <a:rPr lang="fr-FR" b="1" dirty="0" err="1">
+                <a:solidFill>
+                  <a:srgbClr val="C00000"/>
+                </a:solidFill>
+              </a:rPr>
+              <a:t>constraints</a:t>
+            </a:r>
+            <a:endParaRPr lang="fr-FR" b="1" dirty="0">
+              <a:solidFill>
+                <a:srgbClr val="C00000"/>
+              </a:solidFill>
+            </a:endParaRPr>
+          </a:p>
+        </p:txBody>
+      </p:sp>
+      <p:pic>
+        <p:nvPicPr>
+          <p:cNvPr id="4" name="Image 3">
+            <a:extLst>
+              <a:ext uri="{FF2B5EF4-FFF2-40B4-BE49-F238E27FC236}">
+                <a16:creationId xmlns:a16="http://schemas.microsoft.com/office/drawing/2014/main" id="{75D7F877-2F19-8258-7B53-76524A066524}"/>
+              </a:ext>
+            </a:extLst>
+          </p:cNvPr>
+          <p:cNvPicPr>
+            <a:picLocks noChangeAspect="1"/>
+          </p:cNvPicPr>
+          <p:nvPr/>
+        </p:nvPicPr>
+        <p:blipFill>
+          <a:blip r:embed="rId2"/>
+          <a:stretch>
+            <a:fillRect/>
+          </a:stretch>
+        </p:blipFill>
+        <p:spPr>
+          <a:xfrm>
+            <a:off x="217425" y="1615875"/>
+            <a:ext cx="11627448" cy="5143764"/>
+          </a:xfrm>
+          <a:prstGeom prst="rect">
+            <a:avLst/>
+          </a:prstGeom>
+        </p:spPr>
+      </p:pic>
+      <p:sp>
+        <p:nvSpPr>
+          <p:cNvPr id="5" name="ZoneTexte 4">
+            <a:extLst>
+              <a:ext uri="{FF2B5EF4-FFF2-40B4-BE49-F238E27FC236}">
+                <a16:creationId xmlns:a16="http://schemas.microsoft.com/office/drawing/2014/main" id="{9E3F74C2-346C-2E40-7632-0F3EC5F03E1F}"/>
+              </a:ext>
+            </a:extLst>
+          </p:cNvPr>
+          <p:cNvSpPr txBox="1"/>
+          <p:nvPr/>
+        </p:nvSpPr>
+        <p:spPr>
+          <a:xfrm>
+            <a:off x="1673157" y="1384546"/>
+            <a:ext cx="3993914" cy="369332"/>
+          </a:xfrm>
+          <a:prstGeom prst="rect">
+            <a:avLst/>
+          </a:prstGeom>
+          <a:noFill/>
+        </p:spPr>
+        <p:txBody>
+          <a:bodyPr wrap="none" rtlCol="0">
+            <a:spAutoFit/>
+          </a:bodyPr>
+          <a:lstStyle/>
+          <a:p>
+            <a:r>
+              <a:rPr lang="fr-FR" dirty="0" err="1"/>
+              <a:t>Constraints</a:t>
+            </a:r>
+            <a:r>
+              <a:rPr lang="fr-FR" dirty="0"/>
+              <a:t> 1: - </a:t>
+            </a:r>
+            <a:r>
+              <a:rPr lang="fr-FR" dirty="0">
+                <a:latin typeface="Symbol" panose="05050102010706020507" pitchFamily="18" charset="2"/>
+              </a:rPr>
+              <a:t>g</a:t>
+            </a:r>
+            <a:r>
+              <a:rPr lang="fr-FR" baseline="-25000" dirty="0"/>
+              <a:t>i</a:t>
+            </a:r>
+            <a:r>
+              <a:rPr lang="fr-FR" dirty="0"/>
+              <a:t> &lt; x</a:t>
+            </a:r>
+            <a:r>
+              <a:rPr lang="fr-FR" baseline="-25000" dirty="0"/>
+              <a:t>i</a:t>
+            </a:r>
+            <a:r>
+              <a:rPr lang="fr-FR" dirty="0"/>
+              <a:t> – x</a:t>
+            </a:r>
+            <a:r>
+              <a:rPr lang="fr-FR" baseline="-25000" dirty="0"/>
+              <a:t>i</a:t>
+            </a:r>
+            <a:r>
+              <a:rPr lang="fr-FR" dirty="0"/>
+              <a:t>’ &lt; </a:t>
+            </a:r>
+            <a:r>
+              <a:rPr lang="fr-FR" dirty="0">
+                <a:latin typeface="Symbol" panose="05050102010706020507" pitchFamily="18" charset="2"/>
+              </a:rPr>
+              <a:t>g</a:t>
+            </a:r>
+            <a:r>
+              <a:rPr lang="fr-FR" baseline="-25000" dirty="0"/>
+              <a:t>i</a:t>
+            </a:r>
+            <a:r>
+              <a:rPr lang="fr-FR" dirty="0"/>
+              <a:t> = |x</a:t>
+            </a:r>
+            <a:r>
+              <a:rPr lang="fr-FR" baseline="-25000" dirty="0"/>
+              <a:t>i</a:t>
+            </a:r>
+            <a:r>
+              <a:rPr lang="fr-FR" dirty="0"/>
+              <a:t> – </a:t>
+            </a:r>
+            <a:r>
+              <a:rPr lang="fr-FR" dirty="0" err="1"/>
+              <a:t>x’</a:t>
+            </a:r>
+            <a:r>
+              <a:rPr lang="fr-FR" baseline="-25000" dirty="0" err="1"/>
+              <a:t>i</a:t>
+            </a:r>
+            <a:r>
+              <a:rPr lang="fr-FR" dirty="0"/>
+              <a:t>|</a:t>
+            </a:r>
+          </a:p>
+        </p:txBody>
+      </p:sp>
+    </p:spTree>
+    <p:extLst>
+      <p:ext uri="{BB962C8B-B14F-4D97-AF65-F5344CB8AC3E}">
+        <p14:creationId xmlns:p14="http://schemas.microsoft.com/office/powerpoint/2010/main" val="3001685008"/>
+      </p:ext>
+    </p:extLst>
+  </p:cSld>
+  <p:clrMapOvr>
+    <a:masterClrMapping/>
+  </p:clrMapOvr>
+</p:sld>
+</file>
+
+<file path=ppt/slides/slide11.xml><?xml version="1.0" encoding="utf-8"?>
 <p:sld xmlns:a="http://schemas.openxmlformats.org/drawingml/2006/main" xmlns:r="http://schemas.openxmlformats.org/officeDocument/2006/relationships" xmlns:p="http://schemas.openxmlformats.org/presentationml/2006/main">
   <p:cSld>
     <p:spTree>
@@ -3435,7 +3902,7 @@
         <p:spPr>
           <a:xfrm>
             <a:off x="4221405" y="376892"/>
-            <a:ext cx="2575577" cy="369332"/>
+            <a:ext cx="2628476" cy="369332"/>
           </a:xfrm>
           <a:prstGeom prst="rect">
             <a:avLst/>
@@ -3456,7 +3923,10 @@
               <a:rPr lang="fr-FR" dirty="0" err="1"/>
               <a:t>ReLU</a:t>
             </a:r>
-            <a:endParaRPr lang="fr-FR" dirty="0"/>
+            <a:r>
+              <a:rPr lang="fr-FR" dirty="0"/>
+              <a:t>, </a:t>
+            </a:r>
           </a:p>
         </p:txBody>
       </p:sp>
@@ -3475,14 +3945,1076 @@
           <p:nvPr>
             <p:extLst>
               <p:ext uri="{D42A27DB-BD31-4B8C-83A1-F6EECF244321}">
-                <p14:modId xmlns:p14="http://schemas.microsoft.com/office/powerpoint/2010/main" val="3354688932"/>
+                <p14:modId xmlns:p14="http://schemas.microsoft.com/office/powerpoint/2010/main" val="972977243"/>
               </p:ext>
             </p:extLst>
           </p:nvPr>
         </p:nvGraphicFramePr>
         <p:xfrm>
           <a:off x="1588040" y="2484742"/>
-          <a:ext cx="8420075" cy="3092804"/>
+          <a:ext cx="8420074" cy="4162528"/>
+        </p:xfrm>
+        <a:graphic>
+          <a:graphicData uri="http://schemas.openxmlformats.org/drawingml/2006/table">
+            <a:tbl>
+              <a:tblPr firstRow="1" bandRow="1">
+                <a:tableStyleId>{5C22544A-7EE6-4342-B048-85BDC9FD1C3A}</a:tableStyleId>
+              </a:tblPr>
+              <a:tblGrid>
+                <a:gridCol w="2363371">
+                  <a:extLst>
+                    <a:ext uri="{9D8B030D-6E8A-4147-A177-3AD203B41FA5}">
+                      <a16:colId xmlns:a16="http://schemas.microsoft.com/office/drawing/2014/main" val="628481113"/>
+                    </a:ext>
+                  </a:extLst>
+                </a:gridCol>
+                <a:gridCol w="2137021">
+                  <a:extLst>
+                    <a:ext uri="{9D8B030D-6E8A-4147-A177-3AD203B41FA5}">
+                      <a16:colId xmlns:a16="http://schemas.microsoft.com/office/drawing/2014/main" val="111859342"/>
+                    </a:ext>
+                  </a:extLst>
+                </a:gridCol>
+                <a:gridCol w="2137021">
+                  <a:extLst>
+                    <a:ext uri="{9D8B030D-6E8A-4147-A177-3AD203B41FA5}">
+                      <a16:colId xmlns:a16="http://schemas.microsoft.com/office/drawing/2014/main" val="3112748018"/>
+                    </a:ext>
+                  </a:extLst>
+                </a:gridCol>
+                <a:gridCol w="1782661">
+                  <a:extLst>
+                    <a:ext uri="{9D8B030D-6E8A-4147-A177-3AD203B41FA5}">
+                      <a16:colId xmlns:a16="http://schemas.microsoft.com/office/drawing/2014/main" val="546606006"/>
+                    </a:ext>
+                  </a:extLst>
+                </a:gridCol>
+              </a:tblGrid>
+              <a:tr h="383156">
+                <a:tc>
+                  <a:txBody>
+                    <a:bodyPr/>
+                    <a:lstStyle/>
+                    <a:p>
+                      <a:r>
+                        <a:rPr lang="fr-FR" dirty="0"/>
+                        <a:t>Number </a:t>
+                      </a:r>
+                      <a:r>
+                        <a:rPr lang="fr-FR" b="1" dirty="0"/>
+                        <a:t>X</a:t>
+                      </a:r>
+                      <a:r>
+                        <a:rPr lang="fr-FR" dirty="0"/>
+                        <a:t> of nodes </a:t>
+                      </a:r>
+                      <a:r>
+                        <a:rPr lang="fr-FR" dirty="0" err="1"/>
+                        <a:t>chosen</a:t>
+                      </a:r>
+                      <a:endParaRPr lang="fr-FR" dirty="0"/>
+                    </a:p>
+                  </a:txBody>
+                  <a:tcPr/>
+                </a:tc>
+                <a:tc>
+                  <a:txBody>
+                    <a:bodyPr/>
+                    <a:lstStyle/>
+                    <a:p>
+                      <a:pPr algn="ctr"/>
+                      <a:r>
+                        <a:rPr lang="fr-FR" dirty="0">
+                          <a:solidFill>
+                            <a:srgbClr val="FF0000"/>
+                          </a:solidFill>
+                        </a:rPr>
+                        <a:t>CMP </a:t>
+                      </a:r>
+                      <a:r>
+                        <a:rPr lang="fr-FR" dirty="0"/>
+                        <a:t>(k=1)</a:t>
+                      </a:r>
+                    </a:p>
+                  </a:txBody>
+                  <a:tcPr/>
+                </a:tc>
+                <a:tc>
+                  <a:txBody>
+                    <a:bodyPr/>
+                    <a:lstStyle/>
+                    <a:p>
+                      <a:pPr algn="ctr"/>
+                      <a:r>
+                        <a:rPr lang="fr-FR" dirty="0"/>
+                        <a:t>CMP </a:t>
+                      </a:r>
+                      <a:r>
+                        <a:rPr lang="fr-FR" dirty="0" err="1"/>
+                        <a:t>with</a:t>
+                      </a:r>
+                      <a:r>
+                        <a:rPr lang="fr-FR" dirty="0"/>
+                        <a:t> y=x-x’ </a:t>
+                      </a:r>
+                      <a:r>
+                        <a:rPr lang="fr-FR" dirty="0" err="1"/>
+                        <a:t>constraints</a:t>
+                      </a:r>
+                      <a:endParaRPr lang="fr-FR" dirty="0"/>
+                    </a:p>
+                  </a:txBody>
+                  <a:tcPr/>
+                </a:tc>
+                <a:tc>
+                  <a:txBody>
+                    <a:bodyPr/>
+                    <a:lstStyle/>
+                    <a:p>
+                      <a:pPr algn="ctr"/>
+                      <a:r>
+                        <a:rPr lang="fr-FR" dirty="0" err="1"/>
+                        <a:t>Random</a:t>
+                      </a:r>
+                      <a:r>
+                        <a:rPr lang="fr-FR" dirty="0"/>
+                        <a:t> (k=1)</a:t>
+                      </a:r>
+                    </a:p>
+                  </a:txBody>
+                  <a:tcPr/>
+                </a:tc>
+                <a:extLst>
+                  <a:ext uri="{0D108BD9-81ED-4DB2-BD59-A6C34878D82A}">
+                    <a16:rowId xmlns:a16="http://schemas.microsoft.com/office/drawing/2014/main" val="3010665806"/>
+                  </a:ext>
+                </a:extLst>
+              </a:tr>
+              <a:tr h="484608">
+                <a:tc>
+                  <a:txBody>
+                    <a:bodyPr/>
+                    <a:lstStyle/>
+                    <a:p>
+                      <a:r>
+                        <a:rPr lang="fr-FR" dirty="0">
+                          <a:solidFill>
+                            <a:schemeClr val="tx1"/>
+                          </a:solidFill>
+                        </a:rPr>
+                        <a:t>0</a:t>
+                      </a:r>
+                    </a:p>
+                  </a:txBody>
+                  <a:tcPr/>
+                </a:tc>
+                <a:tc>
+                  <a:txBody>
+                    <a:bodyPr/>
+                    <a:lstStyle/>
+                    <a:p>
+                      <a:pPr algn="ctr"/>
+                      <a:r>
+                        <a:rPr lang="fr-FR" sz="1800" b="0" kern="1200" dirty="0">
+                          <a:solidFill>
+                            <a:schemeClr val="dk1"/>
+                          </a:solidFill>
+                          <a:effectLst/>
+                          <a:latin typeface="+mn-lt"/>
+                          <a:ea typeface="+mn-ea"/>
+                          <a:cs typeface="+mn-cs"/>
+                        </a:rPr>
+                        <a:t>0.312</a:t>
+                      </a:r>
+                      <a:endParaRPr lang="fr-FR" b="0" dirty="0">
+                        <a:solidFill>
+                          <a:schemeClr val="bg1">
+                            <a:lumMod val="50000"/>
+                          </a:schemeClr>
+                        </a:solidFill>
+                      </a:endParaRPr>
+                    </a:p>
+                  </a:txBody>
+                  <a:tcPr/>
+                </a:tc>
+                <a:tc>
+                  <a:txBody>
+                    <a:bodyPr/>
+                    <a:lstStyle/>
+                    <a:p>
+                      <a:pPr algn="ctr"/>
+                      <a:endParaRPr lang="fr-FR" b="0" dirty="0">
+                        <a:solidFill>
+                          <a:schemeClr val="bg1">
+                            <a:lumMod val="50000"/>
+                          </a:schemeClr>
+                        </a:solidFill>
+                      </a:endParaRPr>
+                    </a:p>
+                  </a:txBody>
+                  <a:tcPr/>
+                </a:tc>
+                <a:tc>
+                  <a:txBody>
+                    <a:bodyPr/>
+                    <a:lstStyle/>
+                    <a:p>
+                      <a:pPr algn="ctr"/>
+                      <a:r>
+                        <a:rPr lang="fr-FR" dirty="0">
+                          <a:solidFill>
+                            <a:schemeClr val="tx1"/>
+                          </a:solidFill>
+                        </a:rPr>
+                        <a:t>0.312</a:t>
+                      </a:r>
+                    </a:p>
+                  </a:txBody>
+                  <a:tcPr/>
+                </a:tc>
+                <a:extLst>
+                  <a:ext uri="{0D108BD9-81ED-4DB2-BD59-A6C34878D82A}">
+                    <a16:rowId xmlns:a16="http://schemas.microsoft.com/office/drawing/2014/main" val="646733638"/>
+                  </a:ext>
+                </a:extLst>
+              </a:tr>
+              <a:tr h="370840">
+                <a:tc>
+                  <a:txBody>
+                    <a:bodyPr/>
+                    <a:lstStyle/>
+                    <a:p>
+                      <a:r>
+                        <a:rPr lang="fr-FR" dirty="0">
+                          <a:solidFill>
+                            <a:schemeClr val="tx1"/>
+                          </a:solidFill>
+                        </a:rPr>
+                        <a:t>15 (x2)</a:t>
+                      </a:r>
+                    </a:p>
+                  </a:txBody>
+                  <a:tcPr/>
+                </a:tc>
+                <a:tc>
+                  <a:txBody>
+                    <a:bodyPr/>
+                    <a:lstStyle/>
+                    <a:p>
+                      <a:pPr algn="ctr"/>
+                      <a:r>
+                        <a:rPr lang="fr-FR" b="0" dirty="0">
+                          <a:solidFill>
+                            <a:schemeClr val="tx1"/>
+                          </a:solidFill>
+                        </a:rPr>
+                        <a:t>0.249</a:t>
+                      </a:r>
+                    </a:p>
+                  </a:txBody>
+                  <a:tcPr/>
+                </a:tc>
+                <a:tc>
+                  <a:txBody>
+                    <a:bodyPr/>
+                    <a:lstStyle/>
+                    <a:p>
+                      <a:pPr algn="ctr"/>
+                      <a:endParaRPr lang="fr-FR" b="0" dirty="0">
+                        <a:solidFill>
+                          <a:schemeClr val="tx1"/>
+                        </a:solidFill>
+                      </a:endParaRPr>
+                    </a:p>
+                  </a:txBody>
+                  <a:tcPr/>
+                </a:tc>
+                <a:tc>
+                  <a:txBody>
+                    <a:bodyPr/>
+                    <a:lstStyle/>
+                    <a:p>
+                      <a:pPr algn="ctr"/>
+                      <a:r>
+                        <a:rPr lang="fr-FR" dirty="0"/>
+                        <a:t>0.288</a:t>
+                      </a:r>
+                    </a:p>
+                  </a:txBody>
+                  <a:tcPr/>
+                </a:tc>
+                <a:extLst>
+                  <a:ext uri="{0D108BD9-81ED-4DB2-BD59-A6C34878D82A}">
+                    <a16:rowId xmlns:a16="http://schemas.microsoft.com/office/drawing/2014/main" val="3839271426"/>
+                  </a:ext>
+                </a:extLst>
+              </a:tr>
+              <a:tr h="370840">
+                <a:tc>
+                  <a:txBody>
+                    <a:bodyPr/>
+                    <a:lstStyle/>
+                    <a:p>
+                      <a:r>
+                        <a:rPr lang="fr-FR" dirty="0"/>
+                        <a:t>18 (x2)</a:t>
+                      </a:r>
+                    </a:p>
+                  </a:txBody>
+                  <a:tcPr/>
+                </a:tc>
+                <a:tc>
+                  <a:txBody>
+                    <a:bodyPr/>
+                    <a:lstStyle/>
+                    <a:p>
+                      <a:pPr algn="ctr"/>
+                      <a:r>
+                        <a:rPr lang="fr-FR" b="0" dirty="0"/>
+                        <a:t>0.236</a:t>
+                      </a:r>
+                    </a:p>
+                  </a:txBody>
+                  <a:tcPr/>
+                </a:tc>
+                <a:tc>
+                  <a:txBody>
+                    <a:bodyPr/>
+                    <a:lstStyle/>
+                    <a:p>
+                      <a:pPr algn="ctr"/>
+                      <a:endParaRPr lang="fr-FR" b="0" dirty="0"/>
+                    </a:p>
+                  </a:txBody>
+                  <a:tcPr/>
+                </a:tc>
+                <a:tc>
+                  <a:txBody>
+                    <a:bodyPr/>
+                    <a:lstStyle/>
+                    <a:p>
+                      <a:pPr algn="ctr"/>
+                      <a:r>
+                        <a:rPr lang="fr-FR" dirty="0"/>
+                        <a:t>0.280</a:t>
+                      </a:r>
+                    </a:p>
+                  </a:txBody>
+                  <a:tcPr/>
+                </a:tc>
+                <a:extLst>
+                  <a:ext uri="{0D108BD9-81ED-4DB2-BD59-A6C34878D82A}">
+                    <a16:rowId xmlns:a16="http://schemas.microsoft.com/office/drawing/2014/main" val="398968001"/>
+                  </a:ext>
+                </a:extLst>
+              </a:tr>
+              <a:tr h="370840">
+                <a:tc>
+                  <a:txBody>
+                    <a:bodyPr/>
+                    <a:lstStyle/>
+                    <a:p>
+                      <a:r>
+                        <a:rPr lang="fr-FR" dirty="0">
+                          <a:solidFill>
+                            <a:schemeClr val="tx1"/>
+                          </a:solidFill>
+                        </a:rPr>
+                        <a:t>21 (x2)</a:t>
+                      </a:r>
+                    </a:p>
+                  </a:txBody>
+                  <a:tcPr/>
+                </a:tc>
+                <a:tc>
+                  <a:txBody>
+                    <a:bodyPr/>
+                    <a:lstStyle/>
+                    <a:p>
+                      <a:pPr algn="ctr"/>
+                      <a:r>
+                        <a:rPr lang="fr-FR" b="1" dirty="0">
+                          <a:solidFill>
+                            <a:schemeClr val="tx1"/>
+                          </a:solidFill>
+                        </a:rPr>
+                        <a:t>0.229</a:t>
+                      </a:r>
+                    </a:p>
+                  </a:txBody>
+                  <a:tcPr/>
+                </a:tc>
+                <a:tc>
+                  <a:txBody>
+                    <a:bodyPr/>
+                    <a:lstStyle/>
+                    <a:p>
+                      <a:pPr algn="ctr"/>
+                      <a:endParaRPr lang="fr-FR" b="1" dirty="0">
+                        <a:solidFill>
+                          <a:schemeClr val="tx1"/>
+                        </a:solidFill>
+                      </a:endParaRPr>
+                    </a:p>
+                  </a:txBody>
+                  <a:tcPr/>
+                </a:tc>
+                <a:tc>
+                  <a:txBody>
+                    <a:bodyPr/>
+                    <a:lstStyle/>
+                    <a:p>
+                      <a:pPr algn="ctr"/>
+                      <a:r>
+                        <a:rPr lang="fr-FR" dirty="0">
+                          <a:solidFill>
+                            <a:schemeClr val="tx1"/>
+                          </a:solidFill>
+                        </a:rPr>
+                        <a:t>0.273</a:t>
+                      </a:r>
+                    </a:p>
+                  </a:txBody>
+                  <a:tcPr/>
+                </a:tc>
+                <a:extLst>
+                  <a:ext uri="{0D108BD9-81ED-4DB2-BD59-A6C34878D82A}">
+                    <a16:rowId xmlns:a16="http://schemas.microsoft.com/office/drawing/2014/main" val="1789608395"/>
+                  </a:ext>
+                </a:extLst>
+              </a:tr>
+              <a:tr h="370840">
+                <a:tc>
+                  <a:txBody>
+                    <a:bodyPr/>
+                    <a:lstStyle/>
+                    <a:p>
+                      <a:r>
+                        <a:rPr lang="fr-FR" dirty="0">
+                          <a:solidFill>
+                            <a:schemeClr val="tx1"/>
+                          </a:solidFill>
+                        </a:rPr>
+                        <a:t>24 (x2)</a:t>
+                      </a:r>
+                    </a:p>
+                  </a:txBody>
+                  <a:tcPr/>
+                </a:tc>
+                <a:tc>
+                  <a:txBody>
+                    <a:bodyPr/>
+                    <a:lstStyle/>
+                    <a:p>
+                      <a:pPr algn="ctr"/>
+                      <a:r>
+                        <a:rPr lang="fr-FR" b="0" dirty="0">
+                          <a:solidFill>
+                            <a:schemeClr val="tx1"/>
+                          </a:solidFill>
+                        </a:rPr>
+                        <a:t>0.244</a:t>
+                      </a:r>
+                    </a:p>
+                  </a:txBody>
+                  <a:tcPr/>
+                </a:tc>
+                <a:tc>
+                  <a:txBody>
+                    <a:bodyPr/>
+                    <a:lstStyle/>
+                    <a:p>
+                      <a:pPr algn="ctr"/>
+                      <a:endParaRPr lang="fr-FR" b="0" dirty="0">
+                        <a:solidFill>
+                          <a:schemeClr val="tx1"/>
+                        </a:solidFill>
+                      </a:endParaRPr>
+                    </a:p>
+                  </a:txBody>
+                  <a:tcPr/>
+                </a:tc>
+                <a:tc>
+                  <a:txBody>
+                    <a:bodyPr/>
+                    <a:lstStyle/>
+                    <a:p>
+                      <a:pPr algn="ctr"/>
+                      <a:r>
+                        <a:rPr lang="fr-FR" dirty="0">
+                          <a:solidFill>
+                            <a:schemeClr val="tx1"/>
+                          </a:solidFill>
+                        </a:rPr>
+                        <a:t>0.264</a:t>
+                      </a:r>
+                    </a:p>
+                  </a:txBody>
+                  <a:tcPr/>
+                </a:tc>
+                <a:extLst>
+                  <a:ext uri="{0D108BD9-81ED-4DB2-BD59-A6C34878D82A}">
+                    <a16:rowId xmlns:a16="http://schemas.microsoft.com/office/drawing/2014/main" val="138467180"/>
+                  </a:ext>
+                </a:extLst>
+              </a:tr>
+              <a:tr h="370840">
+                <a:tc>
+                  <a:txBody>
+                    <a:bodyPr/>
+                    <a:lstStyle/>
+                    <a:p>
+                      <a:r>
+                        <a:rPr lang="fr-FR" dirty="0"/>
+                        <a:t>27 (x2)</a:t>
+                      </a:r>
+                    </a:p>
+                  </a:txBody>
+                  <a:tcPr/>
+                </a:tc>
+                <a:tc>
+                  <a:txBody>
+                    <a:bodyPr/>
+                    <a:lstStyle/>
+                    <a:p>
+                      <a:pPr algn="ctr"/>
+                      <a:endParaRPr lang="fr-FR" b="1" dirty="0"/>
+                    </a:p>
+                  </a:txBody>
+                  <a:tcPr/>
+                </a:tc>
+                <a:tc>
+                  <a:txBody>
+                    <a:bodyPr/>
+                    <a:lstStyle/>
+                    <a:p>
+                      <a:pPr algn="ctr"/>
+                      <a:endParaRPr lang="fr-FR" b="1" dirty="0"/>
+                    </a:p>
+                  </a:txBody>
+                  <a:tcPr/>
+                </a:tc>
+                <a:tc>
+                  <a:txBody>
+                    <a:bodyPr/>
+                    <a:lstStyle/>
+                    <a:p>
+                      <a:pPr algn="ctr" rtl="0"/>
+                      <a:r>
+                        <a:rPr lang="nl-NL" sz="1800" kern="1200" dirty="0">
+                          <a:solidFill>
+                            <a:schemeClr val="dk1"/>
+                          </a:solidFill>
+                          <a:effectLst/>
+                          <a:latin typeface="+mn-lt"/>
+                          <a:ea typeface="+mn-ea"/>
+                          <a:cs typeface="+mn-cs"/>
+                        </a:rPr>
+                        <a:t>0.261</a:t>
+                      </a:r>
+                      <a:endParaRPr lang="nl-NL" dirty="0">
+                        <a:effectLst/>
+                      </a:endParaRPr>
+                    </a:p>
+                    <a:p>
+                      <a:pPr algn="ctr"/>
+                      <a:endParaRPr lang="fr-FR" dirty="0"/>
+                    </a:p>
+                  </a:txBody>
+                  <a:tcPr/>
+                </a:tc>
+                <a:extLst>
+                  <a:ext uri="{0D108BD9-81ED-4DB2-BD59-A6C34878D82A}">
+                    <a16:rowId xmlns:a16="http://schemas.microsoft.com/office/drawing/2014/main" val="3899875465"/>
+                  </a:ext>
+                </a:extLst>
+              </a:tr>
+              <a:tr h="370840">
+                <a:tc>
+                  <a:txBody>
+                    <a:bodyPr/>
+                    <a:lstStyle/>
+                    <a:p>
+                      <a:r>
+                        <a:rPr lang="fr-FR" dirty="0">
+                          <a:solidFill>
+                            <a:schemeClr val="tx1"/>
+                          </a:solidFill>
+                        </a:rPr>
+                        <a:t>35</a:t>
+                      </a:r>
+                    </a:p>
+                  </a:txBody>
+                  <a:tcPr/>
+                </a:tc>
+                <a:tc>
+                  <a:txBody>
+                    <a:bodyPr/>
+                    <a:lstStyle/>
+                    <a:p>
+                      <a:pPr algn="ctr"/>
+                      <a:endParaRPr lang="fr-FR" dirty="0">
+                        <a:solidFill>
+                          <a:schemeClr val="tx1"/>
+                        </a:solidFill>
+                      </a:endParaRPr>
+                    </a:p>
+                  </a:txBody>
+                  <a:tcPr/>
+                </a:tc>
+                <a:tc>
+                  <a:txBody>
+                    <a:bodyPr/>
+                    <a:lstStyle/>
+                    <a:p>
+                      <a:pPr algn="ctr"/>
+                      <a:r>
+                        <a:rPr lang="fr-FR" dirty="0">
+                          <a:solidFill>
+                            <a:schemeClr val="tx1"/>
+                          </a:solidFill>
+                        </a:rPr>
+                        <a:t>0.212</a:t>
+                      </a:r>
+                    </a:p>
+                    <a:p>
+                      <a:pPr algn="ctr"/>
+                      <a:r>
+                        <a:rPr lang="fr-FR" dirty="0">
+                          <a:solidFill>
+                            <a:schemeClr val="tx1"/>
+                          </a:solidFill>
+                        </a:rPr>
+                        <a:t>(SOLUTION  ~0.16?)</a:t>
+                      </a:r>
+                    </a:p>
+                    <a:p>
+                      <a:pPr algn="ctr"/>
+                      <a:endParaRPr lang="fr-FR" dirty="0">
+                        <a:solidFill>
+                          <a:schemeClr val="bg1">
+                            <a:lumMod val="50000"/>
+                          </a:schemeClr>
+                        </a:solidFill>
+                      </a:endParaRPr>
+                    </a:p>
+                  </a:txBody>
+                  <a:tcPr/>
+                </a:tc>
+                <a:tc>
+                  <a:txBody>
+                    <a:bodyPr/>
+                    <a:lstStyle/>
+                    <a:p>
+                      <a:pPr algn="ctr"/>
+                      <a:endParaRPr lang="fr-FR" dirty="0">
+                        <a:solidFill>
+                          <a:schemeClr val="bg1">
+                            <a:lumMod val="50000"/>
+                          </a:schemeClr>
+                        </a:solidFill>
+                      </a:endParaRPr>
+                    </a:p>
+                  </a:txBody>
+                  <a:tcPr/>
+                </a:tc>
+                <a:extLst>
+                  <a:ext uri="{0D108BD9-81ED-4DB2-BD59-A6C34878D82A}">
+                    <a16:rowId xmlns:a16="http://schemas.microsoft.com/office/drawing/2014/main" val="14864157"/>
+                  </a:ext>
+                </a:extLst>
+              </a:tr>
+            </a:tbl>
+          </a:graphicData>
+        </a:graphic>
+      </p:graphicFrame>
+      <p:sp>
+        <p:nvSpPr>
+          <p:cNvPr id="8" name="ZoneTexte 7">
+            <a:extLst>
+              <a:ext uri="{FF2B5EF4-FFF2-40B4-BE49-F238E27FC236}">
+                <a16:creationId xmlns:a16="http://schemas.microsoft.com/office/drawing/2014/main" id="{F4CC3D67-A686-60ED-A7A0-49B55639D1B8}"/>
+              </a:ext>
+            </a:extLst>
+          </p:cNvPr>
+          <p:cNvSpPr txBox="1"/>
+          <p:nvPr/>
+        </p:nvSpPr>
+        <p:spPr>
+          <a:xfrm>
+            <a:off x="86308" y="1532157"/>
+            <a:ext cx="12294969" cy="369332"/>
+          </a:xfrm>
+          <a:prstGeom prst="rect">
+            <a:avLst/>
+          </a:prstGeom>
+          <a:noFill/>
+        </p:spPr>
+        <p:txBody>
+          <a:bodyPr wrap="none" rtlCol="0">
+            <a:spAutoFit/>
+          </a:bodyPr>
+          <a:lstStyle/>
+          <a:p>
+            <a:r>
+              <a:rPr lang="fr-FR" dirty="0" err="1"/>
+              <a:t>Average</a:t>
+            </a:r>
+            <a:r>
+              <a:rPr lang="fr-FR" dirty="0"/>
+              <a:t> gamma of </a:t>
+            </a:r>
+            <a:r>
+              <a:rPr lang="fr-FR" b="1" dirty="0"/>
+              <a:t>layer 3</a:t>
+            </a:r>
+            <a:r>
+              <a:rPr lang="fr-FR" dirty="0"/>
+              <a:t> (first </a:t>
+            </a:r>
+            <a:r>
+              <a:rPr lang="fr-FR" dirty="0" err="1"/>
+              <a:t>ReLU</a:t>
+            </a:r>
+            <a:r>
+              <a:rPr lang="fr-FR" dirty="0"/>
+              <a:t> layer) </a:t>
+            </a:r>
+            <a:r>
+              <a:rPr lang="fr-FR" dirty="0" err="1"/>
+              <a:t>when</a:t>
+            </a:r>
+            <a:r>
+              <a:rPr lang="fr-FR" dirty="0"/>
+              <a:t> </a:t>
+            </a:r>
+            <a:r>
+              <a:rPr lang="fr-FR" dirty="0" err="1"/>
+              <a:t>choosing</a:t>
+            </a:r>
+            <a:r>
+              <a:rPr lang="fr-FR" dirty="0"/>
+              <a:t> </a:t>
+            </a:r>
+            <a:r>
+              <a:rPr lang="fr-FR" b="1" dirty="0"/>
+              <a:t>X</a:t>
+            </a:r>
+            <a:r>
+              <a:rPr lang="fr-FR" dirty="0"/>
+              <a:t> MILP layer1-nodes </a:t>
+            </a:r>
+            <a:r>
+              <a:rPr lang="fr-FR" dirty="0" err="1"/>
+              <a:t>focusing</a:t>
+            </a:r>
+            <a:r>
+              <a:rPr lang="fr-FR" dirty="0"/>
+              <a:t> on </a:t>
+            </a:r>
+            <a:r>
+              <a:rPr lang="fr-FR" dirty="0">
+                <a:solidFill>
+                  <a:srgbClr val="C00000"/>
+                </a:solidFill>
+              </a:rPr>
+              <a:t>compensation</a:t>
+            </a:r>
+            <a:r>
+              <a:rPr lang="fr-FR" dirty="0"/>
+              <a:t> vs </a:t>
+            </a:r>
+            <a:r>
+              <a:rPr lang="fr-FR" dirty="0" err="1"/>
+              <a:t>random</a:t>
+            </a:r>
+            <a:r>
+              <a:rPr lang="fr-FR" dirty="0"/>
+              <a:t> </a:t>
+            </a:r>
+            <a:r>
+              <a:rPr lang="fr-FR" dirty="0" err="1"/>
+              <a:t>choice</a:t>
+            </a:r>
+            <a:endParaRPr lang="fr-FR" dirty="0"/>
+          </a:p>
+        </p:txBody>
+      </p:sp>
+      <p:sp>
+        <p:nvSpPr>
+          <p:cNvPr id="2" name="ZoneTexte 1">
+            <a:extLst>
+              <a:ext uri="{FF2B5EF4-FFF2-40B4-BE49-F238E27FC236}">
+                <a16:creationId xmlns:a16="http://schemas.microsoft.com/office/drawing/2014/main" id="{7BB5E383-C474-837C-3002-847B147C12ED}"/>
+              </a:ext>
+            </a:extLst>
+          </p:cNvPr>
+          <p:cNvSpPr txBox="1"/>
+          <p:nvPr/>
+        </p:nvSpPr>
+        <p:spPr>
+          <a:xfrm>
+            <a:off x="7781915" y="284559"/>
+            <a:ext cx="1309974" cy="461665"/>
+          </a:xfrm>
+          <a:prstGeom prst="rect">
+            <a:avLst/>
+          </a:prstGeom>
+          <a:noFill/>
+        </p:spPr>
+        <p:txBody>
+          <a:bodyPr wrap="none" rtlCol="0">
+            <a:spAutoFit/>
+          </a:bodyPr>
+          <a:lstStyle/>
+          <a:p>
+            <a:r>
+              <a:rPr lang="fr-FR" sz="2400" dirty="0">
+                <a:latin typeface="Symbol" panose="05050102010706020507" pitchFamily="18" charset="2"/>
+              </a:rPr>
+              <a:t>e</a:t>
+            </a:r>
+            <a:r>
+              <a:rPr lang="fr-FR" sz="2400" dirty="0"/>
+              <a:t> = 0.001</a:t>
+            </a:r>
+          </a:p>
+        </p:txBody>
+      </p:sp>
+    </p:spTree>
+    <p:extLst>
+      <p:ext uri="{BB962C8B-B14F-4D97-AF65-F5344CB8AC3E}">
+        <p14:creationId xmlns:p14="http://schemas.microsoft.com/office/powerpoint/2010/main" val="1985242989"/>
+      </p:ext>
+    </p:extLst>
+  </p:cSld>
+  <p:clrMapOvr>
+    <a:masterClrMapping/>
+  </p:clrMapOvr>
+</p:sld>
+</file>
+
+<file path=ppt/slides/slide12.xml><?xml version="1.0" encoding="utf-8"?>
+<p:sld xmlns:a="http://schemas.openxmlformats.org/drawingml/2006/main" xmlns:r="http://schemas.openxmlformats.org/officeDocument/2006/relationships" xmlns:p="http://schemas.openxmlformats.org/presentationml/2006/main">
+  <p:cSld>
+    <p:spTree>
+      <p:nvGrpSpPr>
+        <p:cNvPr id="1" name=""/>
+        <p:cNvGrpSpPr/>
+        <p:nvPr/>
+      </p:nvGrpSpPr>
+      <p:grpSpPr>
+        <a:xfrm>
+          <a:off x="0" y="0"/>
+          <a:ext cx="0" cy="0"/>
+          <a:chOff x="0" y="0"/>
+          <a:chExt cx="0" cy="0"/>
+        </a:xfrm>
+      </p:grpSpPr>
+      <p:sp>
+        <p:nvSpPr>
+          <p:cNvPr id="49" name="ZoneTexte 48">
+            <a:extLst>
+              <a:ext uri="{FF2B5EF4-FFF2-40B4-BE49-F238E27FC236}">
+                <a16:creationId xmlns:a16="http://schemas.microsoft.com/office/drawing/2014/main" id="{6274D5FC-B802-0B57-FA63-D845CBCF64F1}"/>
+              </a:ext>
+            </a:extLst>
+          </p:cNvPr>
+          <p:cNvSpPr txBox="1"/>
+          <p:nvPr/>
+        </p:nvSpPr>
+        <p:spPr>
+          <a:xfrm>
+            <a:off x="4221405" y="376892"/>
+            <a:ext cx="2628476" cy="369332"/>
+          </a:xfrm>
+          <a:prstGeom prst="rect">
+            <a:avLst/>
+          </a:prstGeom>
+          <a:noFill/>
+        </p:spPr>
+        <p:txBody>
+          <a:bodyPr wrap="none" rtlCol="0">
+            <a:spAutoFit/>
+          </a:bodyPr>
+          <a:lstStyle/>
+          <a:p>
+            <a:r>
+              <a:rPr lang="fr-FR" dirty="0"/>
+              <a:t>5layers*100 nodes, </a:t>
+            </a:r>
+            <a:r>
+              <a:rPr lang="fr-FR" dirty="0" err="1"/>
+              <a:t>ReLU</a:t>
+            </a:r>
+            <a:r>
+              <a:rPr lang="fr-FR" dirty="0"/>
+              <a:t>,</a:t>
+            </a:r>
+          </a:p>
+        </p:txBody>
+      </p:sp>
+      <p:sp>
+        <p:nvSpPr>
+          <p:cNvPr id="8" name="ZoneTexte 7">
+            <a:extLst>
+              <a:ext uri="{FF2B5EF4-FFF2-40B4-BE49-F238E27FC236}">
+                <a16:creationId xmlns:a16="http://schemas.microsoft.com/office/drawing/2014/main" id="{F4CC3D67-A686-60ED-A7A0-49B55639D1B8}"/>
+              </a:ext>
+            </a:extLst>
+          </p:cNvPr>
+          <p:cNvSpPr txBox="1"/>
+          <p:nvPr/>
+        </p:nvSpPr>
+        <p:spPr>
+          <a:xfrm>
+            <a:off x="86308" y="1532157"/>
+            <a:ext cx="12302983" cy="646331"/>
+          </a:xfrm>
+          <a:prstGeom prst="rect">
+            <a:avLst/>
+          </a:prstGeom>
+          <a:noFill/>
+        </p:spPr>
+        <p:txBody>
+          <a:bodyPr wrap="none" rtlCol="0">
+            <a:spAutoFit/>
+          </a:bodyPr>
+          <a:lstStyle/>
+          <a:p>
+            <a:r>
+              <a:rPr lang="fr-FR" dirty="0" err="1"/>
+              <a:t>Average</a:t>
+            </a:r>
+            <a:r>
+              <a:rPr lang="fr-FR" dirty="0"/>
+              <a:t> </a:t>
+            </a:r>
+            <a:r>
+              <a:rPr lang="fr-FR" dirty="0" err="1"/>
+              <a:t>uncertainty</a:t>
+            </a:r>
+            <a:r>
+              <a:rPr lang="fr-FR" dirty="0"/>
+              <a:t> of </a:t>
+            </a:r>
+            <a:r>
+              <a:rPr lang="fr-FR" b="1" dirty="0"/>
+              <a:t>layer 5</a:t>
+            </a:r>
+            <a:r>
+              <a:rPr lang="fr-FR" dirty="0"/>
+              <a:t> (first </a:t>
+            </a:r>
+            <a:r>
+              <a:rPr lang="fr-FR" dirty="0" err="1"/>
+              <a:t>ReLU</a:t>
+            </a:r>
+            <a:r>
+              <a:rPr lang="fr-FR" dirty="0"/>
+              <a:t> layer) </a:t>
+            </a:r>
+            <a:r>
+              <a:rPr lang="fr-FR" dirty="0" err="1"/>
+              <a:t>when</a:t>
+            </a:r>
+            <a:r>
+              <a:rPr lang="fr-FR" dirty="0"/>
+              <a:t> </a:t>
+            </a:r>
+            <a:r>
+              <a:rPr lang="fr-FR" dirty="0" err="1"/>
+              <a:t>choosing</a:t>
+            </a:r>
+            <a:r>
+              <a:rPr lang="fr-FR" dirty="0"/>
+              <a:t> MILP layer1+3-nodes </a:t>
+            </a:r>
+            <a:r>
+              <a:rPr lang="fr-FR" dirty="0" err="1"/>
+              <a:t>focusing</a:t>
+            </a:r>
+            <a:r>
+              <a:rPr lang="fr-FR" dirty="0"/>
+              <a:t> on </a:t>
+            </a:r>
+            <a:r>
+              <a:rPr lang="fr-FR" dirty="0">
+                <a:solidFill>
+                  <a:srgbClr val="C00000"/>
+                </a:solidFill>
+              </a:rPr>
+              <a:t>compensation</a:t>
+            </a:r>
+            <a:r>
+              <a:rPr lang="fr-FR" dirty="0"/>
+              <a:t> vs </a:t>
+            </a:r>
+            <a:r>
+              <a:rPr lang="fr-FR" dirty="0" err="1"/>
+              <a:t>random</a:t>
+            </a:r>
+            <a:r>
+              <a:rPr lang="fr-FR" dirty="0"/>
+              <a:t> </a:t>
+            </a:r>
+            <a:r>
+              <a:rPr lang="fr-FR" dirty="0" err="1"/>
+              <a:t>choice</a:t>
+            </a:r>
+            <a:endParaRPr lang="fr-FR" dirty="0"/>
+          </a:p>
+          <a:p>
+            <a:r>
+              <a:rPr lang="fr-FR" dirty="0" err="1"/>
+              <a:t>Bounds</a:t>
+            </a:r>
+            <a:r>
+              <a:rPr lang="fr-FR" dirty="0"/>
+              <a:t> of layer 3 </a:t>
+            </a:r>
+            <a:r>
+              <a:rPr lang="fr-FR" dirty="0" err="1"/>
+              <a:t>computed</a:t>
+            </a:r>
+            <a:r>
+              <a:rPr lang="fr-FR" dirty="0"/>
+              <a:t> </a:t>
+            </a:r>
+            <a:r>
+              <a:rPr lang="fr-FR" dirty="0" err="1"/>
+              <a:t>using</a:t>
+            </a:r>
+            <a:r>
+              <a:rPr lang="fr-FR" dirty="0"/>
+              <a:t> CMP on layer 3.</a:t>
+            </a:r>
+          </a:p>
+        </p:txBody>
+      </p:sp>
+      <p:graphicFrame>
+        <p:nvGraphicFramePr>
+          <p:cNvPr id="2" name="Tableau 1">
+            <a:extLst>
+              <a:ext uri="{FF2B5EF4-FFF2-40B4-BE49-F238E27FC236}">
+                <a16:creationId xmlns:a16="http://schemas.microsoft.com/office/drawing/2014/main" id="{7464EC8D-195B-0450-FF61-9FBDF6659D0F}"/>
+              </a:ext>
+            </a:extLst>
+          </p:cNvPr>
+          <p:cNvGraphicFramePr>
+            <a:graphicFrameLocks noGrp="1"/>
+          </p:cNvGraphicFramePr>
+          <p:nvPr>
+            <p:extLst>
+              <p:ext uri="{D42A27DB-BD31-4B8C-83A1-F6EECF244321}">
+                <p14:modId xmlns:p14="http://schemas.microsoft.com/office/powerpoint/2010/main" val="3438388520"/>
+              </p:ext>
+            </p:extLst>
+          </p:nvPr>
+        </p:nvGraphicFramePr>
+        <p:xfrm>
+          <a:off x="1588040" y="2484742"/>
+          <a:ext cx="8420075" cy="3362044"/>
         </p:xfrm>
         <a:graphic>
           <a:graphicData uri="http://schemas.openxmlformats.org/drawingml/2006/table">
@@ -3556,7 +5088,7 @@
                       </a:r>
                       <a:r>
                         <a:rPr lang="fr-FR" dirty="0"/>
-                        <a:t>(k=1)</a:t>
+                        <a:t>(k=2)</a:t>
                       </a:r>
                     </a:p>
                   </a:txBody>
@@ -3574,7 +5106,7 @@
                       </a:r>
                       <a:r>
                         <a:rPr lang="fr-FR" dirty="0"/>
-                        <a:t> (k=1)</a:t>
+                        <a:t> (k=2)</a:t>
                       </a:r>
                     </a:p>
                   </a:txBody>
@@ -3595,12 +5127,10 @@
                       <a:r>
                         <a:rPr lang="fr-FR" dirty="0">
                           <a:solidFill>
-                            <a:schemeClr val="bg1">
-                              <a:lumMod val="50000"/>
-                            </a:schemeClr>
+                            <a:schemeClr val="tx1"/>
                           </a:solidFill>
                         </a:rPr>
-                        <a:t>0</a:t>
+                        <a:t>0-1</a:t>
                       </a:r>
                     </a:p>
                   </a:txBody>
@@ -3622,7 +5152,7 @@
                           <a:ea typeface="+mn-ea"/>
                           <a:cs typeface="+mn-cs"/>
                         </a:rPr>
-                        <a:t>0.312</a:t>
+                        <a:t>1.479</a:t>
                       </a:r>
                       <a:endParaRPr lang="fr-FR" b="0" dirty="0">
                         <a:solidFill>
@@ -3641,13 +5171,14 @@
                     <a:lstStyle/>
                     <a:p>
                       <a:pPr algn="ctr"/>
-                      <a:endParaRPr lang="fr-FR" dirty="0">
-                        <a:solidFill>
-                          <a:schemeClr val="bg1">
-                            <a:lumMod val="50000"/>
-                          </a:schemeClr>
-                        </a:solidFill>
-                      </a:endParaRPr>
+                      <a:r>
+                        <a:rPr lang="fr-FR" dirty="0">
+                          <a:solidFill>
+                            <a:schemeClr val="tx1"/>
+                          </a:solidFill>
+                        </a:rPr>
+                        <a:t>1.479</a:t>
+                      </a:r>
                     </a:p>
                   </a:txBody>
                   <a:tcPr/>
@@ -3670,7 +5201,7 @@
                             <a:schemeClr val="tx1"/>
                           </a:solidFill>
                         </a:rPr>
-                        <a:t>15 (x2)</a:t>
+                        <a:t>17 (x2)</a:t>
                       </a:r>
                     </a:p>
                   </a:txBody>
@@ -3683,13 +5214,22 @@
                     <a:p>
                       <a:pPr algn="ctr"/>
                       <a:r>
-                        <a:rPr lang="fr-FR" b="0" dirty="0">
+                        <a:rPr lang="nl-NL" sz="1800" kern="1200" dirty="0">
                           <a:solidFill>
-                            <a:schemeClr val="tx1"/>
+                            <a:schemeClr val="dk1"/>
                           </a:solidFill>
+                          <a:effectLst/>
+                          <a:latin typeface="+mn-lt"/>
+                          <a:ea typeface="+mn-ea"/>
+                          <a:cs typeface="+mn-cs"/>
                         </a:rPr>
-                        <a:t>0.249</a:t>
-                      </a:r>
+                        <a:t>0.966</a:t>
+                      </a:r>
+                      <a:endParaRPr lang="fr-FR" b="0" dirty="0">
+                        <a:solidFill>
+                          <a:schemeClr val="tx1"/>
+                        </a:solidFill>
+                      </a:endParaRPr>
                     </a:p>
                   </a:txBody>
                   <a:tcPr/>
@@ -3699,8 +5239,19 @@
                     <a:bodyPr/>
                     <a:lstStyle/>
                     <a:p>
-                      <a:pPr algn="ctr"/>
-                      <a:endParaRPr lang="fr-FR" dirty="0"/>
+                      <a:pPr algn="ctr" rtl="0"/>
+                      <a:r>
+                        <a:rPr lang="fr-FR" sz="1800" kern="1200" dirty="0">
+                          <a:solidFill>
+                            <a:schemeClr val="dk1"/>
+                          </a:solidFill>
+                          <a:effectLst/>
+                          <a:latin typeface="+mn-lt"/>
+                          <a:ea typeface="+mn-ea"/>
+                          <a:cs typeface="+mn-cs"/>
+                        </a:rPr>
+                        <a:t>1.11</a:t>
+                      </a:r>
                     </a:p>
                   </a:txBody>
                   <a:tcPr/>
@@ -3719,7 +5270,7 @@
                     <a:p>
                       <a:r>
                         <a:rPr lang="fr-FR" dirty="0"/>
-                        <a:t>18 (x2)</a:t>
+                        <a:t>20 (x2)</a:t>
                       </a:r>
                     </a:p>
                   </a:txBody>
@@ -3732,9 +5283,18 @@
                     <a:p>
                       <a:pPr algn="ctr"/>
                       <a:r>
-                        <a:rPr lang="fr-FR" b="0" dirty="0"/>
-                        <a:t>0.236</a:t>
-                      </a:r>
+                        <a:rPr lang="nl-NL" sz="1800" b="1" kern="1200" dirty="0">
+                          <a:solidFill>
+                            <a:schemeClr val="dk1"/>
+                          </a:solidFill>
+                          <a:effectLst/>
+                          <a:latin typeface="+mn-lt"/>
+                          <a:ea typeface="+mn-ea"/>
+                          <a:cs typeface="+mn-cs"/>
+                        </a:rPr>
+                        <a:t>0.948</a:t>
+                      </a:r>
+                      <a:endParaRPr lang="fr-FR" b="1" dirty="0"/>
                     </a:p>
                   </a:txBody>
                   <a:tcPr/>
@@ -3745,7 +5305,14 @@
                     <a:lstStyle/>
                     <a:p>
                       <a:pPr algn="ctr"/>
-                      <a:endParaRPr lang="fr-FR" dirty="0"/>
+                      <a:r>
+                        <a:rPr lang="fr-FR" dirty="0">
+                          <a:solidFill>
+                            <a:schemeClr val="tx1"/>
+                          </a:solidFill>
+                        </a:rPr>
+                        <a:t>1.09</a:t>
+                      </a:r>
                     </a:p>
                   </a:txBody>
                   <a:tcPr/>
@@ -3768,7 +5335,7 @@
                             <a:schemeClr val="tx1"/>
                           </a:solidFill>
                         </a:rPr>
-                        <a:t>21 (x2)</a:t>
+                        <a:t>23 (x2)</a:t>
                       </a:r>
                     </a:p>
                   </a:txBody>
@@ -3781,13 +5348,22 @@
                     <a:p>
                       <a:pPr algn="ctr"/>
                       <a:r>
-                        <a:rPr lang="fr-FR" b="1" dirty="0">
+                        <a:rPr lang="nl-NL" sz="1800" kern="1200" dirty="0">
                           <a:solidFill>
-                            <a:schemeClr val="tx1"/>
+                            <a:schemeClr val="dk1"/>
                           </a:solidFill>
+                          <a:effectLst/>
+                          <a:latin typeface="+mn-lt"/>
+                          <a:ea typeface="+mn-ea"/>
+                          <a:cs typeface="+mn-cs"/>
                         </a:rPr>
-                        <a:t>0.229</a:t>
-                      </a:r>
+                        <a:t>0.969</a:t>
+                      </a:r>
+                      <a:endParaRPr lang="fr-FR" b="1" dirty="0">
+                        <a:solidFill>
+                          <a:schemeClr val="tx1"/>
+                        </a:solidFill>
+                      </a:endParaRPr>
                     </a:p>
                   </a:txBody>
                   <a:tcPr/>
@@ -3798,11 +5374,14 @@
                     <a:lstStyle/>
                     <a:p>
                       <a:pPr algn="ctr"/>
-                      <a:endParaRPr lang="fr-FR" dirty="0">
-                        <a:solidFill>
-                          <a:schemeClr val="tx1"/>
-                        </a:solidFill>
-                      </a:endParaRPr>
+                      <a:r>
+                        <a:rPr lang="fr-FR" dirty="0">
+                          <a:solidFill>
+                            <a:schemeClr val="tx1"/>
+                          </a:solidFill>
+                        </a:rPr>
+                        <a:t>1.085</a:t>
+                      </a:r>
                     </a:p>
                   </a:txBody>
                   <a:tcPr/>
@@ -3825,7 +5404,7 @@
                             <a:schemeClr val="tx1"/>
                           </a:solidFill>
                         </a:rPr>
-                        <a:t>24 (x2)</a:t>
+                        <a:t>26 (x2)</a:t>
                       </a:r>
                     </a:p>
                   </a:txBody>
@@ -3838,13 +5417,22 @@
                     <a:p>
                       <a:pPr algn="ctr"/>
                       <a:r>
-                        <a:rPr lang="fr-FR" b="0" dirty="0">
+                        <a:rPr lang="nl-NL" sz="1800" kern="1200" dirty="0">
                           <a:solidFill>
-                            <a:schemeClr val="tx1"/>
+                            <a:schemeClr val="dk1"/>
                           </a:solidFill>
+                          <a:effectLst/>
+                          <a:latin typeface="+mn-lt"/>
+                          <a:ea typeface="+mn-ea"/>
+                          <a:cs typeface="+mn-cs"/>
                         </a:rPr>
-                        <a:t>0.244</a:t>
-                      </a:r>
+                        <a:t>0.983</a:t>
+                      </a:r>
+                      <a:endParaRPr lang="fr-FR" b="0" dirty="0">
+                        <a:solidFill>
+                          <a:schemeClr val="tx1"/>
+                        </a:solidFill>
+                      </a:endParaRPr>
                     </a:p>
                   </a:txBody>
                   <a:tcPr/>
@@ -3855,11 +5443,14 @@
                     <a:lstStyle/>
                     <a:p>
                       <a:pPr algn="ctr"/>
-                      <a:endParaRPr lang="fr-FR" dirty="0">
-                        <a:solidFill>
-                          <a:schemeClr val="tx1"/>
-                        </a:solidFill>
-                      </a:endParaRPr>
+                      <a:r>
+                        <a:rPr lang="fr-FR" dirty="0">
+                          <a:solidFill>
+                            <a:schemeClr val="tx1"/>
+                          </a:solidFill>
+                        </a:rPr>
+                        <a:t>1.069</a:t>
+                      </a:r>
                     </a:p>
                   </a:txBody>
                   <a:tcPr/>
@@ -3876,6 +5467,22 @@
                     <a:bodyPr/>
                     <a:lstStyle/>
                     <a:p>
+                      <a:pPr rtl="0"/>
+                      <a:r>
+                        <a:rPr lang="nl-NL" sz="1800" kern="1200" dirty="0">
+                          <a:solidFill>
+                            <a:schemeClr val="dk1"/>
+                          </a:solidFill>
+                          <a:effectLst/>
+                          <a:latin typeface="+mn-lt"/>
+                          <a:ea typeface="+mn-ea"/>
+                          <a:cs typeface="+mn-cs"/>
+                        </a:rPr>
+                        <a:t>29 (x2)</a:t>
+                      </a:r>
+                      <a:endParaRPr lang="nl-NL" dirty="0"/>
+                    </a:p>
+                    <a:p>
                       <a:endParaRPr lang="fr-FR" dirty="0"/>
                     </a:p>
                   </a:txBody>
@@ -3887,6 +5494,18 @@
                     <a:lstStyle/>
                     <a:p>
                       <a:pPr algn="ctr"/>
+                      <a:r>
+                        <a:rPr lang="nl-NL" sz="1800" kern="1200" dirty="0">
+                          <a:solidFill>
+                            <a:schemeClr val="dk1"/>
+                          </a:solidFill>
+                          <a:effectLst/>
+                          <a:latin typeface="+mn-lt"/>
+                          <a:ea typeface="+mn-ea"/>
+                          <a:cs typeface="+mn-cs"/>
+                        </a:rPr>
+                        <a:t>0.988</a:t>
+                      </a:r>
                       <a:endParaRPr lang="fr-FR" b="1" dirty="0"/>
                     </a:p>
                   </a:txBody>
@@ -3898,7 +5517,14 @@
                     <a:lstStyle/>
                     <a:p>
                       <a:pPr algn="ctr"/>
-                      <a:endParaRPr lang="fr-FR" dirty="0"/>
+                      <a:r>
+                        <a:rPr lang="fr-FR" dirty="0">
+                          <a:solidFill>
+                            <a:schemeClr val="tx1"/>
+                          </a:solidFill>
+                        </a:rPr>
+                        <a:t>1.056</a:t>
+                      </a:r>
                     </a:p>
                   </a:txBody>
                   <a:tcPr/>
@@ -3970,122 +5596,10 @@
           </a:graphicData>
         </a:graphic>
       </p:graphicFrame>
-      <p:sp>
-        <p:nvSpPr>
-          <p:cNvPr id="8" name="ZoneTexte 7">
-            <a:extLst>
-              <a:ext uri="{FF2B5EF4-FFF2-40B4-BE49-F238E27FC236}">
-                <a16:creationId xmlns:a16="http://schemas.microsoft.com/office/drawing/2014/main" id="{F4CC3D67-A686-60ED-A7A0-49B55639D1B8}"/>
-              </a:ext>
-            </a:extLst>
-          </p:cNvPr>
-          <p:cNvSpPr txBox="1"/>
-          <p:nvPr/>
-        </p:nvSpPr>
-        <p:spPr>
-          <a:xfrm>
-            <a:off x="86308" y="1532157"/>
-            <a:ext cx="12294969" cy="369332"/>
-          </a:xfrm>
-          <a:prstGeom prst="rect">
-            <a:avLst/>
-          </a:prstGeom>
-          <a:noFill/>
-        </p:spPr>
-        <p:txBody>
-          <a:bodyPr wrap="none" rtlCol="0">
-            <a:spAutoFit/>
-          </a:bodyPr>
-          <a:lstStyle/>
-          <a:p>
-            <a:r>
-              <a:rPr lang="fr-FR" dirty="0" err="1"/>
-              <a:t>Average</a:t>
-            </a:r>
-            <a:r>
-              <a:rPr lang="fr-FR" dirty="0"/>
-              <a:t> gamma of </a:t>
-            </a:r>
-            <a:r>
-              <a:rPr lang="fr-FR" b="1" dirty="0"/>
-              <a:t>layer 3</a:t>
-            </a:r>
-            <a:r>
-              <a:rPr lang="fr-FR" dirty="0"/>
-              <a:t> (first </a:t>
-            </a:r>
-            <a:r>
-              <a:rPr lang="fr-FR" dirty="0" err="1"/>
-              <a:t>ReLU</a:t>
-            </a:r>
-            <a:r>
-              <a:rPr lang="fr-FR" dirty="0"/>
-              <a:t> layer) </a:t>
-            </a:r>
-            <a:r>
-              <a:rPr lang="fr-FR" dirty="0" err="1"/>
-              <a:t>when</a:t>
-            </a:r>
-            <a:r>
-              <a:rPr lang="fr-FR" dirty="0"/>
-              <a:t> </a:t>
-            </a:r>
-            <a:r>
-              <a:rPr lang="fr-FR" dirty="0" err="1"/>
-              <a:t>choosing</a:t>
-            </a:r>
-            <a:r>
-              <a:rPr lang="fr-FR" dirty="0"/>
-              <a:t> </a:t>
-            </a:r>
-            <a:r>
-              <a:rPr lang="fr-FR" b="1" dirty="0"/>
-              <a:t>X</a:t>
-            </a:r>
-            <a:r>
-              <a:rPr lang="fr-FR" dirty="0"/>
-              <a:t> MILP layer1-nodes </a:t>
-            </a:r>
-            <a:r>
-              <a:rPr lang="fr-FR" dirty="0" err="1"/>
-              <a:t>focusing</a:t>
-            </a:r>
-            <a:r>
-              <a:rPr lang="fr-FR" dirty="0"/>
-              <a:t> on </a:t>
-            </a:r>
-            <a:r>
-              <a:rPr lang="fr-FR" dirty="0">
-                <a:solidFill>
-                  <a:srgbClr val="C00000"/>
-                </a:solidFill>
-              </a:rPr>
-              <a:t>compensation</a:t>
-            </a:r>
-            <a:r>
-              <a:rPr lang="fr-FR" dirty="0"/>
-              <a:t> vs </a:t>
-            </a:r>
-            <a:r>
-              <a:rPr lang="fr-FR" dirty="0" err="1"/>
-              <a:t>random</a:t>
-            </a:r>
-            <a:r>
-              <a:rPr lang="fr-FR" dirty="0"/>
-              <a:t> </a:t>
-            </a:r>
-            <a:r>
-              <a:rPr lang="fr-FR" dirty="0" err="1"/>
-              <a:t>choice</a:t>
-            </a:r>
-            <a:endParaRPr lang="fr-FR" dirty="0"/>
-          </a:p>
-        </p:txBody>
-      </p:sp>
     </p:spTree>
     <p:extLst>
       <p:ext uri="{BB962C8B-B14F-4D97-AF65-F5344CB8AC3E}">
-        <p14:creationId xmlns:p14="http://schemas.microsoft.com/office/powerpoint/2010/main" val="1985242989"/>
+        <p14:creationId xmlns:p14="http://schemas.microsoft.com/office/powerpoint/2010/main" val="2449321781"/>
       </p:ext>
     </p:extLst>
   </p:cSld>
@@ -4095,7 +5609,7 @@
 </p:sld>
 </file>
 
-<file path=ppt/slides/slide3.xml><?xml version="1.0" encoding="utf-8"?>
+<file path=ppt/slides/slide13.xml><?xml version="1.0" encoding="utf-8"?>
 <p:sld xmlns:a="http://schemas.openxmlformats.org/drawingml/2006/main" xmlns:r="http://schemas.openxmlformats.org/officeDocument/2006/relationships" xmlns:p="http://schemas.openxmlformats.org/presentationml/2006/main">
   <p:cSld>
     <p:spTree>
@@ -4541,8 +6055,8 @@
           </a:p>
         </p:txBody>
       </p:sp>
-      <mc:AlternateContent xmlns:mc="http://schemas.openxmlformats.org/markup-compatibility/2006">
-        <mc:Choice xmlns:p14="http://schemas.microsoft.com/office/powerpoint/2010/main" Requires="p14">
+      <mc:AlternateContent xmlns:mc="http://schemas.openxmlformats.org/markup-compatibility/2006" xmlns:p14="http://schemas.microsoft.com/office/powerpoint/2010/main">
+        <mc:Choice Requires="p14">
           <p:contentPart p14:bwMode="auto" r:id="rId2">
             <p14:nvContentPartPr>
               <p14:cNvPr id="9" name="Encre 8">
@@ -4561,7 +6075,7 @@
             </p14:xfrm>
           </p:contentPart>
         </mc:Choice>
-        <mc:Fallback>
+        <mc:Fallback xmlns="">
           <p:pic>
             <p:nvPicPr>
               <p:cNvPr id="9" name="Encre 8">
@@ -5045,7 +6559,7 @@
 </p:sld>
 </file>
 
-<file path=ppt/slides/slide4.xml><?xml version="1.0" encoding="utf-8"?>
+<file path=ppt/slides/slide14.xml><?xml version="1.0" encoding="utf-8"?>
 <p:sld xmlns:a="http://schemas.openxmlformats.org/drawingml/2006/main" xmlns:r="http://schemas.openxmlformats.org/officeDocument/2006/relationships" xmlns:p="http://schemas.openxmlformats.org/presentationml/2006/main">
   <p:cSld>
     <p:spTree>
@@ -5064,10 +6578,104 @@
       </p:grpSpPr>
       <p:sp>
         <p:nvSpPr>
-          <p:cNvPr id="49" name="ZoneTexte 48">
-            <a:extLst>
-              <a:ext uri="{FF2B5EF4-FFF2-40B4-BE49-F238E27FC236}">
-                <a16:creationId xmlns:a16="http://schemas.microsoft.com/office/drawing/2014/main" id="{6274D5FC-B802-0B57-FA63-D845CBCF64F1}"/>
+          <p:cNvPr id="2" name="Titre 1">
+            <a:extLst>
+              <a:ext uri="{FF2B5EF4-FFF2-40B4-BE49-F238E27FC236}">
+                <a16:creationId xmlns:a16="http://schemas.microsoft.com/office/drawing/2014/main" id="{2E89AE68-0E9A-FD63-B9E5-816CC600A173}"/>
+              </a:ext>
+            </a:extLst>
+          </p:cNvPr>
+          <p:cNvSpPr>
+            <a:spLocks noGrp="1"/>
+          </p:cNvSpPr>
+          <p:nvPr>
+            <p:ph type="title"/>
+          </p:nvPr>
+        </p:nvSpPr>
+        <p:spPr>
+          <a:xfrm>
+            <a:off x="838200" y="365125"/>
+            <a:ext cx="10515600" cy="5384322"/>
+          </a:xfrm>
+        </p:spPr>
+        <p:txBody>
+          <a:bodyPr>
+            <a:normAutofit/>
+          </a:bodyPr>
+          <a:lstStyle/>
+          <a:p>
+            <a:r>
+              <a:rPr lang="fr-FR" sz="28700" dirty="0"/>
+              <a:t>DEPTH</a:t>
+            </a:r>
+          </a:p>
+        </p:txBody>
+      </p:sp>
+    </p:spTree>
+    <p:extLst>
+      <p:ext uri="{BB962C8B-B14F-4D97-AF65-F5344CB8AC3E}">
+        <p14:creationId xmlns:p14="http://schemas.microsoft.com/office/powerpoint/2010/main" val="1249804641"/>
+      </p:ext>
+    </p:extLst>
+  </p:cSld>
+  <p:clrMapOvr>
+    <a:masterClrMapping/>
+  </p:clrMapOvr>
+</p:sld>
+</file>
+
+<file path=ppt/slides/slide2.xml><?xml version="1.0" encoding="utf-8"?>
+<p:sld xmlns:a="http://schemas.openxmlformats.org/drawingml/2006/main" xmlns:r="http://schemas.openxmlformats.org/officeDocument/2006/relationships" xmlns:p="http://schemas.openxmlformats.org/presentationml/2006/main">
+  <p:cSld>
+    <p:spTree>
+      <p:nvGrpSpPr>
+        <p:cNvPr id="1" name=""/>
+        <p:cNvGrpSpPr/>
+        <p:nvPr/>
+      </p:nvGrpSpPr>
+      <p:grpSpPr>
+        <a:xfrm>
+          <a:off x="0" y="0"/>
+          <a:ext cx="0" cy="0"/>
+          <a:chOff x="0" y="0"/>
+          <a:chExt cx="0" cy="0"/>
+        </a:xfrm>
+      </p:grpSpPr>
+      <p:pic>
+        <p:nvPicPr>
+          <p:cNvPr id="2" name="Image 1">
+            <a:extLst>
+              <a:ext uri="{FF2B5EF4-FFF2-40B4-BE49-F238E27FC236}">
+                <a16:creationId xmlns:a16="http://schemas.microsoft.com/office/drawing/2014/main" id="{8A1AAFE3-1687-48F9-9EC9-D9699E1B7F42}"/>
+              </a:ext>
+            </a:extLst>
+          </p:cNvPr>
+          <p:cNvPicPr>
+            <a:picLocks noChangeAspect="1"/>
+          </p:cNvPicPr>
+          <p:nvPr/>
+        </p:nvPicPr>
+        <p:blipFill rotWithShape="1">
+          <a:blip r:embed="rId2"/>
+          <a:srcRect l="55134" t="65775"/>
+          <a:stretch/>
+        </p:blipFill>
+        <p:spPr>
+          <a:xfrm>
+            <a:off x="4208214" y="2022953"/>
+            <a:ext cx="3870631" cy="2034250"/>
+          </a:xfrm>
+          <a:prstGeom prst="rect">
+            <a:avLst/>
+          </a:prstGeom>
+        </p:spPr>
+      </p:pic>
+      <p:sp>
+        <p:nvSpPr>
+          <p:cNvPr id="5" name="ZoneTexte 4">
+            <a:extLst>
+              <a:ext uri="{FF2B5EF4-FFF2-40B4-BE49-F238E27FC236}">
+                <a16:creationId xmlns:a16="http://schemas.microsoft.com/office/drawing/2014/main" id="{D0A8FD23-A304-B779-893D-C61B29B918CB}"/>
               </a:ext>
             </a:extLst>
           </p:cNvPr>
@@ -5076,8 +6684,8 @@
         </p:nvSpPr>
         <p:spPr>
           <a:xfrm>
-            <a:off x="4221405" y="376892"/>
-            <a:ext cx="2628476" cy="369332"/>
+            <a:off x="173990" y="563302"/>
+            <a:ext cx="11939080" cy="707886"/>
           </a:xfrm>
           <a:prstGeom prst="rect">
             <a:avLst/>
@@ -5085,6 +6693,357 @@
           <a:noFill/>
         </p:spPr>
         <p:txBody>
+          <a:bodyPr wrap="square" rtlCol="0">
+            <a:spAutoFit/>
+          </a:bodyPr>
+          <a:lstStyle/>
+          <a:p>
+            <a:pPr algn="ctr"/>
+            <a:r>
+              <a:rPr lang="fr-FR" sz="4000" dirty="0" err="1"/>
+              <a:t>Problem</a:t>
+            </a:r>
+            <a:r>
+              <a:rPr lang="fr-FR" sz="4000" dirty="0"/>
+              <a:t> </a:t>
+            </a:r>
+            <a:r>
+              <a:rPr lang="fr-FR" sz="4000" dirty="0" err="1"/>
+              <a:t>we</a:t>
+            </a:r>
+            <a:r>
+              <a:rPr lang="fr-FR" sz="4000" dirty="0"/>
+              <a:t> </a:t>
+            </a:r>
+            <a:r>
+              <a:rPr lang="fr-FR" sz="4000" dirty="0" err="1"/>
+              <a:t>consider</a:t>
+            </a:r>
+            <a:r>
+              <a:rPr lang="fr-FR" sz="4000" dirty="0"/>
+              <a:t>:</a:t>
+            </a:r>
+          </a:p>
+        </p:txBody>
+      </p:sp>
+      <p:sp>
+        <p:nvSpPr>
+          <p:cNvPr id="7" name="ZoneTexte 6">
+            <a:extLst>
+              <a:ext uri="{FF2B5EF4-FFF2-40B4-BE49-F238E27FC236}">
+                <a16:creationId xmlns:a16="http://schemas.microsoft.com/office/drawing/2014/main" id="{B58ED1D5-586F-73F4-831D-58E67665E770}"/>
+              </a:ext>
+            </a:extLst>
+          </p:cNvPr>
+          <p:cNvSpPr txBox="1"/>
+          <p:nvPr/>
+        </p:nvSpPr>
+        <p:spPr>
+          <a:xfrm>
+            <a:off x="1181832" y="2578413"/>
+            <a:ext cx="4085363" cy="461665"/>
+          </a:xfrm>
+          <a:prstGeom prst="rect">
+            <a:avLst/>
+          </a:prstGeom>
+          <a:noFill/>
+        </p:spPr>
+        <p:txBody>
+          <a:bodyPr wrap="square" rtlCol="0">
+            <a:spAutoFit/>
+          </a:bodyPr>
+          <a:lstStyle/>
+          <a:p>
+            <a:r>
+              <a:rPr lang="fr-FR" sz="2400" dirty="0"/>
+              <a:t>(</a:t>
+            </a:r>
+            <a:r>
+              <a:rPr lang="fr-FR" sz="2400" dirty="0" err="1"/>
+              <a:t>lack</a:t>
+            </a:r>
+            <a:r>
+              <a:rPr lang="fr-FR" sz="2400" dirty="0"/>
+              <a:t> of) </a:t>
+            </a:r>
+            <a:r>
+              <a:rPr lang="fr-FR" sz="2400" dirty="0" err="1"/>
+              <a:t>Robustness</a:t>
+            </a:r>
+            <a:endParaRPr lang="fr-FR" sz="2400" dirty="0"/>
+          </a:p>
+        </p:txBody>
+      </p:sp>
+      <p:sp>
+        <p:nvSpPr>
+          <p:cNvPr id="8" name="ZoneTexte 7">
+            <a:extLst>
+              <a:ext uri="{FF2B5EF4-FFF2-40B4-BE49-F238E27FC236}">
+                <a16:creationId xmlns:a16="http://schemas.microsoft.com/office/drawing/2014/main" id="{3E79502A-1CE4-989E-7551-D47C6A9AC090}"/>
+              </a:ext>
+            </a:extLst>
+          </p:cNvPr>
+          <p:cNvSpPr txBox="1"/>
+          <p:nvPr/>
+        </p:nvSpPr>
+        <p:spPr>
+          <a:xfrm>
+            <a:off x="2772635" y="4808968"/>
+            <a:ext cx="8638576" cy="461665"/>
+          </a:xfrm>
+          <a:prstGeom prst="rect">
+            <a:avLst/>
+          </a:prstGeom>
+          <a:noFill/>
+        </p:spPr>
+        <p:txBody>
+          <a:bodyPr wrap="square" rtlCol="0">
+            <a:spAutoFit/>
+          </a:bodyPr>
+          <a:lstStyle/>
+          <a:p>
+            <a:r>
+              <a:rPr lang="fr-FR" sz="2400" dirty="0"/>
+              <a:t>Can </a:t>
+            </a:r>
+            <a:r>
+              <a:rPr lang="fr-FR" sz="2400" dirty="0" err="1"/>
+              <a:t>we</a:t>
+            </a:r>
+            <a:r>
+              <a:rPr lang="fr-FR" sz="2400" dirty="0"/>
+              <a:t> </a:t>
+            </a:r>
+            <a:r>
+              <a:rPr lang="fr-FR" sz="2400" dirty="0" err="1"/>
+              <a:t>verify</a:t>
+            </a:r>
+            <a:r>
+              <a:rPr lang="fr-FR" sz="2400" dirty="0"/>
+              <a:t> </a:t>
+            </a:r>
+            <a:r>
+              <a:rPr lang="fr-FR" sz="2400" dirty="0" err="1"/>
+              <a:t>that</a:t>
+            </a:r>
+            <a:r>
+              <a:rPr lang="fr-FR" sz="2400" dirty="0"/>
+              <a:t> a DNN </a:t>
+            </a:r>
+            <a:r>
+              <a:rPr lang="fr-FR" sz="2400" dirty="0" err="1"/>
+              <a:t>is</a:t>
+            </a:r>
+            <a:r>
+              <a:rPr lang="fr-FR" sz="2400" dirty="0"/>
+              <a:t> </a:t>
+            </a:r>
+            <a:r>
+              <a:rPr lang="fr-FR" sz="2400" dirty="0" err="1"/>
+              <a:t>robust</a:t>
+            </a:r>
+            <a:r>
+              <a:rPr lang="fr-FR" sz="2400" dirty="0"/>
+              <a:t>? </a:t>
+            </a:r>
+          </a:p>
+        </p:txBody>
+      </p:sp>
+    </p:spTree>
+    <p:extLst>
+      <p:ext uri="{BB962C8B-B14F-4D97-AF65-F5344CB8AC3E}">
+        <p14:creationId xmlns:p14="http://schemas.microsoft.com/office/powerpoint/2010/main" val="3127995502"/>
+      </p:ext>
+    </p:extLst>
+  </p:cSld>
+  <p:clrMapOvr>
+    <a:masterClrMapping/>
+  </p:clrMapOvr>
+</p:sld>
+</file>
+
+<file path=ppt/slides/slide3.xml><?xml version="1.0" encoding="utf-8"?>
+<p:sld xmlns:a="http://schemas.openxmlformats.org/drawingml/2006/main" xmlns:r="http://schemas.openxmlformats.org/officeDocument/2006/relationships" xmlns:p="http://schemas.openxmlformats.org/presentationml/2006/main">
+  <p:cSld>
+    <p:spTree>
+      <p:nvGrpSpPr>
+        <p:cNvPr id="1" name=""/>
+        <p:cNvGrpSpPr/>
+        <p:nvPr/>
+      </p:nvGrpSpPr>
+      <p:grpSpPr>
+        <a:xfrm>
+          <a:off x="0" y="0"/>
+          <a:ext cx="0" cy="0"/>
+          <a:chOff x="0" y="0"/>
+          <a:chExt cx="0" cy="0"/>
+        </a:xfrm>
+      </p:grpSpPr>
+      <p:sp>
+        <p:nvSpPr>
+          <p:cNvPr id="7" name="Rectangle 6"/>
+          <p:cNvSpPr/>
+          <p:nvPr/>
+        </p:nvSpPr>
+        <p:spPr>
+          <a:xfrm>
+            <a:off x="0" y="478896"/>
+            <a:ext cx="8669170" cy="719419"/>
+          </a:xfrm>
+          <a:prstGeom prst="rect">
+            <a:avLst/>
+          </a:prstGeom>
+          <a:solidFill>
+            <a:schemeClr val="bg1"/>
+          </a:solidFill>
+          <a:ln>
+            <a:solidFill>
+              <a:schemeClr val="bg1"/>
+            </a:solidFill>
+          </a:ln>
+        </p:spPr>
+        <p:style>
+          <a:lnRef idx="2">
+            <a:schemeClr val="accent1">
+              <a:shade val="50000"/>
+            </a:schemeClr>
+          </a:lnRef>
+          <a:fillRef idx="1">
+            <a:schemeClr val="accent1"/>
+          </a:fillRef>
+          <a:effectRef idx="0">
+            <a:schemeClr val="accent1"/>
+          </a:effectRef>
+          <a:fontRef idx="minor">
+            <a:schemeClr val="lt1"/>
+          </a:fontRef>
+        </p:style>
+        <p:txBody>
+          <a:bodyPr rtlCol="0" anchor="ctr"/>
+          <a:lstStyle/>
+          <a:p>
+            <a:pPr algn="ctr"/>
+            <a:endParaRPr lang="fr-FR"/>
+          </a:p>
+        </p:txBody>
+      </p:sp>
+      <p:pic>
+        <p:nvPicPr>
+          <p:cNvPr id="3" name="Image 2"/>
+          <p:cNvPicPr>
+            <a:picLocks noChangeAspect="1"/>
+          </p:cNvPicPr>
+          <p:nvPr/>
+        </p:nvPicPr>
+        <p:blipFill>
+          <a:blip r:embed="rId2"/>
+          <a:stretch>
+            <a:fillRect/>
+          </a:stretch>
+        </p:blipFill>
+        <p:spPr>
+          <a:xfrm>
+            <a:off x="5054010" y="1401431"/>
+            <a:ext cx="6366023" cy="3371445"/>
+          </a:xfrm>
+          <a:prstGeom prst="rect">
+            <a:avLst/>
+          </a:prstGeom>
+        </p:spPr>
+      </p:pic>
+      <p:sp>
+        <p:nvSpPr>
+          <p:cNvPr id="9" name="Title 1"/>
+          <p:cNvSpPr>
+            <a:spLocks noGrp="1"/>
+          </p:cNvSpPr>
+          <p:nvPr>
+            <p:ph type="title"/>
+          </p:nvPr>
+        </p:nvSpPr>
+        <p:spPr>
+          <a:xfrm>
+            <a:off x="335360" y="6618"/>
+            <a:ext cx="11247040" cy="1143000"/>
+          </a:xfrm>
+        </p:spPr>
+        <p:txBody>
+          <a:bodyPr>
+            <a:normAutofit/>
+          </a:bodyPr>
+          <a:lstStyle/>
+          <a:p>
+            <a:r>
+              <a:rPr lang="en-US" dirty="0">
+                <a:solidFill>
+                  <a:srgbClr val="C00000"/>
+                </a:solidFill>
+              </a:rPr>
+              <a:t>Standard Problem: </a:t>
+            </a:r>
+            <a:r>
+              <a:rPr lang="en-US" b="1" dirty="0"/>
+              <a:t>Local</a:t>
+            </a:r>
+            <a:r>
+              <a:rPr lang="en-US" dirty="0"/>
+              <a:t> Robustness</a:t>
+            </a:r>
+          </a:p>
+        </p:txBody>
+      </p:sp>
+      <p:pic>
+        <p:nvPicPr>
+          <p:cNvPr id="5" name="Image 4">
+            <a:extLst>
+              <a:ext uri="{FF2B5EF4-FFF2-40B4-BE49-F238E27FC236}">
+                <a16:creationId xmlns:a16="http://schemas.microsoft.com/office/drawing/2014/main" id="{24CEA9C6-78EF-35AD-F84C-1FBF90EDE509}"/>
+              </a:ext>
+            </a:extLst>
+          </p:cNvPr>
+          <p:cNvPicPr>
+            <a:picLocks noChangeAspect="1"/>
+          </p:cNvPicPr>
+          <p:nvPr/>
+        </p:nvPicPr>
+        <p:blipFill rotWithShape="1">
+          <a:blip r:embed="rId3"/>
+          <a:srcRect l="83261" t="67956" r="3744" b="13508"/>
+          <a:stretch/>
+        </p:blipFill>
+        <p:spPr>
+          <a:xfrm>
+            <a:off x="3689786" y="2585268"/>
+            <a:ext cx="1121078" cy="1101734"/>
+          </a:xfrm>
+          <a:prstGeom prst="rect">
+            <a:avLst/>
+          </a:prstGeom>
+        </p:spPr>
+      </p:pic>
+      <p:sp>
+        <p:nvSpPr>
+          <p:cNvPr id="8" name="ZoneTexte 7">
+            <a:extLst>
+              <a:ext uri="{FF2B5EF4-FFF2-40B4-BE49-F238E27FC236}">
+                <a16:creationId xmlns:a16="http://schemas.microsoft.com/office/drawing/2014/main" id="{D4B3A45C-AE53-C530-74DB-0D6E1C115811}"/>
+              </a:ext>
+            </a:extLst>
+          </p:cNvPr>
+          <p:cNvSpPr txBox="1"/>
+          <p:nvPr/>
+        </p:nvSpPr>
+        <p:spPr>
+          <a:xfrm>
+            <a:off x="3460880" y="1597430"/>
+            <a:ext cx="1471557" cy="369332"/>
+          </a:xfrm>
+          <a:prstGeom prst="rect">
+            <a:avLst/>
+          </a:prstGeom>
+          <a:noFill/>
+        </p:spPr>
+        <p:txBody>
           <a:bodyPr wrap="none" rtlCol="0">
             <a:spAutoFit/>
           </a:bodyPr>
@@ -5092,25 +7051,2689 @@
           <a:p>
             <a:r>
               <a:rPr lang="fr-FR" dirty="0"/>
-              <a:t>5layers*100 nodes, </a:t>
+              <a:t>Input image I</a:t>
+            </a:r>
+          </a:p>
+        </p:txBody>
+      </p:sp>
+      <p:sp>
+        <p:nvSpPr>
+          <p:cNvPr id="18" name="ZoneTexte 17">
+            <a:extLst>
+              <a:ext uri="{FF2B5EF4-FFF2-40B4-BE49-F238E27FC236}">
+                <a16:creationId xmlns:a16="http://schemas.microsoft.com/office/drawing/2014/main" id="{5E274936-5DA9-E205-F296-726C1405CB0D}"/>
+              </a:ext>
+            </a:extLst>
+          </p:cNvPr>
+          <p:cNvSpPr txBox="1"/>
+          <p:nvPr/>
+        </p:nvSpPr>
+        <p:spPr>
+          <a:xfrm>
+            <a:off x="804971" y="1584679"/>
+            <a:ext cx="1384803" cy="369332"/>
+          </a:xfrm>
+          <a:prstGeom prst="rect">
+            <a:avLst/>
+          </a:prstGeom>
+          <a:noFill/>
+        </p:spPr>
+        <p:txBody>
+          <a:bodyPr wrap="none" rtlCol="0">
+            <a:spAutoFit/>
+          </a:bodyPr>
+          <a:lstStyle/>
+          <a:p>
+            <a:r>
+              <a:rPr lang="fr-FR" dirty="0"/>
+              <a:t>perturbation</a:t>
+            </a:r>
+          </a:p>
+        </p:txBody>
+      </p:sp>
+      <p:sp>
+        <p:nvSpPr>
+          <p:cNvPr id="19" name="ZoneTexte 18">
+            <a:extLst>
+              <a:ext uri="{FF2B5EF4-FFF2-40B4-BE49-F238E27FC236}">
+                <a16:creationId xmlns:a16="http://schemas.microsoft.com/office/drawing/2014/main" id="{A90075FF-86F8-62A8-E1DD-129953D5FAB7}"/>
+              </a:ext>
+            </a:extLst>
+          </p:cNvPr>
+          <p:cNvSpPr txBox="1"/>
+          <p:nvPr/>
+        </p:nvSpPr>
+        <p:spPr>
+          <a:xfrm>
+            <a:off x="804971" y="2735210"/>
+            <a:ext cx="1484702" cy="584775"/>
+          </a:xfrm>
+          <a:prstGeom prst="rect">
+            <a:avLst/>
+          </a:prstGeom>
+          <a:noFill/>
+        </p:spPr>
+        <p:txBody>
+          <a:bodyPr wrap="none" rtlCol="0">
+            <a:spAutoFit/>
+          </a:bodyPr>
+          <a:lstStyle/>
+          <a:p>
+            <a:r>
+              <a:rPr lang="fr-FR" sz="3200" dirty="0">
+                <a:latin typeface="Symbol" panose="05050102010706020507" pitchFamily="18" charset="2"/>
+              </a:rPr>
+              <a:t>e</a:t>
+            </a:r>
+            <a:r>
+              <a:rPr lang="fr-FR" sz="3200" dirty="0"/>
+              <a:t> = 0.01</a:t>
+            </a:r>
+          </a:p>
+        </p:txBody>
+      </p:sp>
+      <p:sp>
+        <p:nvSpPr>
+          <p:cNvPr id="20" name="ZoneTexte 19">
+            <a:extLst>
+              <a:ext uri="{FF2B5EF4-FFF2-40B4-BE49-F238E27FC236}">
+                <a16:creationId xmlns:a16="http://schemas.microsoft.com/office/drawing/2014/main" id="{FD3875C9-451B-6C81-7DAE-961FE82E7310}"/>
+              </a:ext>
+            </a:extLst>
+          </p:cNvPr>
+          <p:cNvSpPr txBox="1"/>
+          <p:nvPr/>
+        </p:nvSpPr>
+        <p:spPr>
+          <a:xfrm>
+            <a:off x="610816" y="5012213"/>
+            <a:ext cx="11295171" cy="1569660"/>
+          </a:xfrm>
+          <a:prstGeom prst="rect">
+            <a:avLst/>
+          </a:prstGeom>
+          <a:noFill/>
+        </p:spPr>
+        <p:txBody>
+          <a:bodyPr wrap="square" rtlCol="0">
+            <a:spAutoFit/>
+          </a:bodyPr>
+          <a:lstStyle/>
+          <a:p>
+            <a:r>
+              <a:rPr lang="fr-FR" dirty="0"/>
+              <a:t>Question : </a:t>
             </a:r>
             <a:r>
               <a:rPr lang="fr-FR" dirty="0" err="1"/>
-              <a:t>ReLU</a:t>
-            </a:r>
-            <a:r>
-              <a:rPr lang="fr-FR" dirty="0"/>
-              <a:t>,</a:t>
-            </a:r>
-          </a:p>
-        </p:txBody>
-      </p:sp>
+              <a:t>does</a:t>
+            </a:r>
+            <a:r>
+              <a:rPr lang="fr-FR" dirty="0"/>
+              <a:t> </a:t>
+            </a:r>
+            <a:r>
+              <a:rPr lang="fr-FR" dirty="0" err="1"/>
+              <a:t>there</a:t>
+            </a:r>
+            <a:r>
+              <a:rPr lang="fr-FR" dirty="0"/>
+              <a:t> </a:t>
+            </a:r>
+            <a:r>
+              <a:rPr lang="fr-FR" dirty="0" err="1"/>
+              <a:t>exist</a:t>
+            </a:r>
+            <a:r>
+              <a:rPr lang="fr-FR" dirty="0"/>
+              <a:t> </a:t>
+            </a:r>
+            <a:r>
+              <a:rPr lang="fr-FR" dirty="0" err="1"/>
+              <a:t>another</a:t>
+            </a:r>
+            <a:r>
+              <a:rPr lang="fr-FR" dirty="0"/>
+              <a:t> input image I’ </a:t>
+            </a:r>
+            <a:r>
+              <a:rPr lang="fr-FR" dirty="0" err="1"/>
+              <a:t>with</a:t>
+            </a:r>
+            <a:r>
+              <a:rPr lang="fr-FR" dirty="0"/>
+              <a:t> d(I-I’) &lt; </a:t>
+            </a:r>
+            <a:r>
+              <a:rPr lang="fr-FR" sz="2400" dirty="0">
+                <a:latin typeface="Symbol" panose="05050102010706020507" pitchFamily="18" charset="2"/>
+              </a:rPr>
+              <a:t>e</a:t>
+            </a:r>
+            <a:r>
+              <a:rPr lang="fr-FR" dirty="0"/>
+              <a:t> and I’ and I have </a:t>
+            </a:r>
+            <a:r>
+              <a:rPr lang="fr-FR" dirty="0" err="1"/>
+              <a:t>different</a:t>
+            </a:r>
+            <a:r>
+              <a:rPr lang="fr-FR" dirty="0"/>
+              <a:t> classification.</a:t>
+            </a:r>
+          </a:p>
+          <a:p>
+            <a:endParaRPr lang="fr-FR" dirty="0"/>
+          </a:p>
+          <a:p>
+            <a:r>
+              <a:rPr lang="fr-FR" dirty="0"/>
+              <a:t>For </a:t>
+            </a:r>
+            <a:r>
+              <a:rPr lang="fr-FR" dirty="0" err="1"/>
+              <a:t>efficiency</a:t>
+            </a:r>
+            <a:r>
+              <a:rPr lang="fr-FR" dirty="0"/>
+              <a:t>, d(.) </a:t>
+            </a:r>
+            <a:r>
+              <a:rPr lang="fr-FR" dirty="0" err="1"/>
+              <a:t>is</a:t>
+            </a:r>
+            <a:r>
+              <a:rPr lang="fr-FR" dirty="0"/>
+              <a:t> </a:t>
+            </a:r>
+            <a:r>
+              <a:rPr lang="fr-FR" dirty="0" err="1"/>
+              <a:t>usually</a:t>
+            </a:r>
+            <a:r>
+              <a:rPr lang="fr-FR" dirty="0"/>
+              <a:t> L</a:t>
+            </a:r>
+            <a:r>
+              <a:rPr lang="fr-FR" baseline="-25000" dirty="0"/>
+              <a:t>∞</a:t>
+            </a:r>
+            <a:r>
+              <a:rPr lang="fr-FR" dirty="0"/>
+              <a:t> : all the pixel can change a bit, changes are </a:t>
+            </a:r>
+            <a:r>
+              <a:rPr lang="fr-FR" b="1" dirty="0" err="1"/>
+              <a:t>independent</a:t>
+            </a:r>
+            <a:r>
+              <a:rPr lang="fr-FR" dirty="0"/>
+              <a:t>.</a:t>
+            </a:r>
+          </a:p>
+          <a:p>
+            <a:endParaRPr lang="fr-FR" dirty="0"/>
+          </a:p>
+          <a:p>
+            <a:r>
+              <a:rPr lang="fr-FR" b="1" dirty="0"/>
+              <a:t>Local</a:t>
+            </a:r>
+            <a:r>
+              <a:rPr lang="fr-FR" dirty="0"/>
+              <a:t> </a:t>
+            </a:r>
+            <a:r>
+              <a:rPr lang="fr-FR" dirty="0" err="1"/>
+              <a:t>because</a:t>
+            </a:r>
+            <a:r>
+              <a:rPr lang="fr-FR" dirty="0"/>
+              <a:t> </a:t>
+            </a:r>
+            <a:r>
+              <a:rPr lang="fr-FR" dirty="0" err="1"/>
+              <a:t>we</a:t>
+            </a:r>
+            <a:r>
+              <a:rPr lang="fr-FR" dirty="0"/>
+              <a:t> look </a:t>
+            </a:r>
+            <a:r>
+              <a:rPr lang="fr-FR" dirty="0" err="1"/>
+              <a:t>around</a:t>
+            </a:r>
+            <a:r>
+              <a:rPr lang="fr-FR" dirty="0"/>
+              <a:t> one input image.</a:t>
+            </a:r>
+          </a:p>
+        </p:txBody>
+      </p:sp>
+      <p:sp>
+        <p:nvSpPr>
+          <p:cNvPr id="21" name="ZoneTexte 20">
+            <a:extLst>
+              <a:ext uri="{FF2B5EF4-FFF2-40B4-BE49-F238E27FC236}">
+                <a16:creationId xmlns:a16="http://schemas.microsoft.com/office/drawing/2014/main" id="{ACAB8F99-5920-E0C8-773E-F087D82C1676}"/>
+              </a:ext>
+            </a:extLst>
+          </p:cNvPr>
+          <p:cNvSpPr txBox="1"/>
+          <p:nvPr/>
+        </p:nvSpPr>
+        <p:spPr>
+          <a:xfrm>
+            <a:off x="7836440" y="1198315"/>
+            <a:ext cx="625492" cy="369332"/>
+          </a:xfrm>
+          <a:prstGeom prst="rect">
+            <a:avLst/>
+          </a:prstGeom>
+          <a:noFill/>
+        </p:spPr>
+        <p:txBody>
+          <a:bodyPr wrap="none" rtlCol="0">
+            <a:spAutoFit/>
+          </a:bodyPr>
+          <a:lstStyle/>
+          <a:p>
+            <a:r>
+              <a:rPr lang="fr-FR" dirty="0"/>
+              <a:t>DNN</a:t>
+            </a:r>
+          </a:p>
+        </p:txBody>
+      </p:sp>
+    </p:spTree>
+    <p:extLst>
+      <p:ext uri="{BB962C8B-B14F-4D97-AF65-F5344CB8AC3E}">
+        <p14:creationId xmlns:p14="http://schemas.microsoft.com/office/powerpoint/2010/main" val="3514213029"/>
+      </p:ext>
+    </p:extLst>
+  </p:cSld>
+  <p:clrMapOvr>
+    <a:masterClrMapping/>
+  </p:clrMapOvr>
+</p:sld>
+</file>
+
+<file path=ppt/slides/slide4.xml><?xml version="1.0" encoding="utf-8"?>
+<p:sld xmlns:a="http://schemas.openxmlformats.org/drawingml/2006/main" xmlns:r="http://schemas.openxmlformats.org/officeDocument/2006/relationships" xmlns:p="http://schemas.openxmlformats.org/presentationml/2006/main">
+  <p:cSld>
+    <p:spTree>
+      <p:nvGrpSpPr>
+        <p:cNvPr id="1" name="">
+          <a:extLst>
+            <a:ext uri="{FF2B5EF4-FFF2-40B4-BE49-F238E27FC236}">
+              <a16:creationId xmlns:a16="http://schemas.microsoft.com/office/drawing/2014/main" id="{6E5E926F-55FB-68C4-1178-9966856C7A1C}"/>
+            </a:ext>
+          </a:extLst>
+        </p:cNvPr>
+        <p:cNvGrpSpPr/>
+        <p:nvPr/>
+      </p:nvGrpSpPr>
+      <p:grpSpPr>
+        <a:xfrm>
+          <a:off x="0" y="0"/>
+          <a:ext cx="0" cy="0"/>
+          <a:chOff x="0" y="0"/>
+          <a:chExt cx="0" cy="0"/>
+        </a:xfrm>
+      </p:grpSpPr>
+      <p:sp>
+        <p:nvSpPr>
+          <p:cNvPr id="7" name="Rectangle 6">
+            <a:extLst>
+              <a:ext uri="{FF2B5EF4-FFF2-40B4-BE49-F238E27FC236}">
+                <a16:creationId xmlns:a16="http://schemas.microsoft.com/office/drawing/2014/main" id="{2AA7490F-1FA1-5908-25DF-BE13A22DCBCD}"/>
+              </a:ext>
+            </a:extLst>
+          </p:cNvPr>
+          <p:cNvSpPr/>
+          <p:nvPr/>
+        </p:nvSpPr>
+        <p:spPr>
+          <a:xfrm>
+            <a:off x="0" y="478896"/>
+            <a:ext cx="8669170" cy="719419"/>
+          </a:xfrm>
+          <a:prstGeom prst="rect">
+            <a:avLst/>
+          </a:prstGeom>
+          <a:solidFill>
+            <a:schemeClr val="bg1"/>
+          </a:solidFill>
+          <a:ln>
+            <a:solidFill>
+              <a:schemeClr val="bg1"/>
+            </a:solidFill>
+          </a:ln>
+        </p:spPr>
+        <p:style>
+          <a:lnRef idx="2">
+            <a:schemeClr val="accent1">
+              <a:shade val="50000"/>
+            </a:schemeClr>
+          </a:lnRef>
+          <a:fillRef idx="1">
+            <a:schemeClr val="accent1"/>
+          </a:fillRef>
+          <a:effectRef idx="0">
+            <a:schemeClr val="accent1"/>
+          </a:effectRef>
+          <a:fontRef idx="minor">
+            <a:schemeClr val="lt1"/>
+          </a:fontRef>
+        </p:style>
+        <p:txBody>
+          <a:bodyPr rtlCol="0" anchor="ctr"/>
+          <a:lstStyle/>
+          <a:p>
+            <a:pPr algn="ctr"/>
+            <a:endParaRPr lang="fr-FR"/>
+          </a:p>
+        </p:txBody>
+      </p:sp>
+      <p:sp>
+        <p:nvSpPr>
+          <p:cNvPr id="9" name="Title 1">
+            <a:extLst>
+              <a:ext uri="{FF2B5EF4-FFF2-40B4-BE49-F238E27FC236}">
+                <a16:creationId xmlns:a16="http://schemas.microsoft.com/office/drawing/2014/main" id="{C6984D54-DF2E-1779-7254-FD541127E3B7}"/>
+              </a:ext>
+            </a:extLst>
+          </p:cNvPr>
+          <p:cNvSpPr>
+            <a:spLocks noGrp="1"/>
+          </p:cNvSpPr>
+          <p:nvPr>
+            <p:ph type="title"/>
+          </p:nvPr>
+        </p:nvSpPr>
+        <p:spPr>
+          <a:xfrm>
+            <a:off x="335360" y="6618"/>
+            <a:ext cx="11247040" cy="1143000"/>
+          </a:xfrm>
+        </p:spPr>
+        <p:txBody>
+          <a:bodyPr>
+            <a:normAutofit/>
+          </a:bodyPr>
+          <a:lstStyle/>
+          <a:p>
+            <a:r>
+              <a:rPr lang="en-US" dirty="0">
+                <a:solidFill>
+                  <a:srgbClr val="C00000"/>
+                </a:solidFill>
+              </a:rPr>
+              <a:t>Standard Problem: </a:t>
+            </a:r>
+            <a:r>
+              <a:rPr lang="en-US" b="1" dirty="0"/>
+              <a:t>Local</a:t>
+            </a:r>
+            <a:r>
+              <a:rPr lang="en-US" dirty="0"/>
+              <a:t> Robustness</a:t>
+            </a:r>
+          </a:p>
+        </p:txBody>
+      </p:sp>
+      <p:sp>
+        <p:nvSpPr>
+          <p:cNvPr id="20" name="ZoneTexte 19">
+            <a:extLst>
+              <a:ext uri="{FF2B5EF4-FFF2-40B4-BE49-F238E27FC236}">
+                <a16:creationId xmlns:a16="http://schemas.microsoft.com/office/drawing/2014/main" id="{0D1BE781-F961-F167-938C-785BEACF9BC3}"/>
+              </a:ext>
+            </a:extLst>
+          </p:cNvPr>
+          <p:cNvSpPr txBox="1"/>
+          <p:nvPr/>
+        </p:nvSpPr>
+        <p:spPr>
+          <a:xfrm>
+            <a:off x="310648" y="4555414"/>
+            <a:ext cx="11295171" cy="2308324"/>
+          </a:xfrm>
+          <a:prstGeom prst="rect">
+            <a:avLst/>
+          </a:prstGeom>
+          <a:noFill/>
+        </p:spPr>
+        <p:txBody>
+          <a:bodyPr wrap="square" rtlCol="0">
+            <a:spAutoFit/>
+          </a:bodyPr>
+          <a:lstStyle/>
+          <a:p>
+            <a:r>
+              <a:rPr lang="fr-FR" dirty="0">
+                <a:solidFill>
+                  <a:schemeClr val="accent1"/>
+                </a:solidFill>
+              </a:rPr>
+              <a:t>What to do </a:t>
+            </a:r>
+            <a:r>
+              <a:rPr lang="fr-FR" dirty="0" err="1">
+                <a:solidFill>
+                  <a:schemeClr val="accent1"/>
+                </a:solidFill>
+              </a:rPr>
+              <a:t>with</a:t>
+            </a:r>
+            <a:r>
+              <a:rPr lang="fr-FR" dirty="0">
+                <a:solidFill>
+                  <a:schemeClr val="accent1"/>
+                </a:solidFill>
+              </a:rPr>
+              <a:t> </a:t>
+            </a:r>
+            <a:r>
+              <a:rPr lang="fr-FR" dirty="0" err="1">
+                <a:solidFill>
+                  <a:schemeClr val="accent1"/>
+                </a:solidFill>
+              </a:rPr>
+              <a:t>such</a:t>
+            </a:r>
+            <a:r>
+              <a:rPr lang="fr-FR" dirty="0">
+                <a:solidFill>
+                  <a:schemeClr val="accent1"/>
+                </a:solidFill>
+              </a:rPr>
+              <a:t> </a:t>
+            </a:r>
+            <a:r>
+              <a:rPr lang="fr-FR" dirty="0" err="1">
+                <a:solidFill>
+                  <a:schemeClr val="accent1"/>
+                </a:solidFill>
+              </a:rPr>
+              <a:t>results</a:t>
+            </a:r>
+            <a:r>
+              <a:rPr lang="fr-FR" dirty="0">
+                <a:solidFill>
+                  <a:schemeClr val="accent1"/>
+                </a:solidFill>
+              </a:rPr>
+              <a:t>?</a:t>
+            </a:r>
+          </a:p>
+          <a:p>
+            <a:r>
+              <a:rPr lang="fr-FR" dirty="0">
+                <a:solidFill>
+                  <a:schemeClr val="accent1"/>
+                </a:solidFill>
+              </a:rPr>
+              <a:t>	Offline</a:t>
+            </a:r>
+            <a:r>
+              <a:rPr lang="fr-FR" dirty="0"/>
+              <a:t> certification/</a:t>
+            </a:r>
+            <a:r>
+              <a:rPr lang="fr-FR" dirty="0" err="1"/>
+              <a:t>attack</a:t>
+            </a:r>
+            <a:r>
+              <a:rPr lang="fr-FR" dirty="0"/>
+              <a:t> on 1000 images </a:t>
+            </a:r>
+            <a:r>
+              <a:rPr lang="fr-FR" dirty="0" err="1"/>
+              <a:t>is</a:t>
+            </a:r>
+            <a:r>
+              <a:rPr lang="fr-FR" dirty="0"/>
+              <a:t> not </a:t>
+            </a:r>
+            <a:r>
+              <a:rPr lang="fr-FR" dirty="0" err="1"/>
+              <a:t>sufficient</a:t>
+            </a:r>
+            <a:r>
+              <a:rPr lang="fr-FR" dirty="0"/>
+              <a:t>:</a:t>
+            </a:r>
+          </a:p>
+          <a:p>
+            <a:r>
+              <a:rPr lang="fr-FR" dirty="0"/>
+              <a:t>Every network have 8%-18% of images </a:t>
+            </a:r>
+            <a:r>
+              <a:rPr lang="fr-FR" dirty="0" err="1"/>
+              <a:t>where</a:t>
+            </a:r>
+            <a:r>
+              <a:rPr lang="fr-FR" dirty="0"/>
+              <a:t> </a:t>
+            </a:r>
+            <a:r>
+              <a:rPr lang="fr-FR" dirty="0" err="1"/>
+              <a:t>we</a:t>
+            </a:r>
+            <a:r>
+              <a:rPr lang="fr-FR" dirty="0"/>
+              <a:t> </a:t>
+            </a:r>
+            <a:r>
+              <a:rPr lang="fr-FR" dirty="0" err="1"/>
+              <a:t>find</a:t>
+            </a:r>
+            <a:r>
+              <a:rPr lang="fr-FR" dirty="0"/>
+              <a:t> </a:t>
+            </a:r>
+            <a:r>
+              <a:rPr lang="fr-FR" dirty="0" err="1"/>
+              <a:t>attack</a:t>
+            </a:r>
+            <a:endParaRPr lang="fr-FR" dirty="0"/>
+          </a:p>
+          <a:p>
+            <a:r>
+              <a:rPr lang="fr-FR" dirty="0" err="1"/>
+              <a:t>Between</a:t>
+            </a:r>
+            <a:r>
+              <a:rPr lang="fr-FR" dirty="0"/>
+              <a:t> 65% to 80% of images can </a:t>
+            </a:r>
+            <a:r>
+              <a:rPr lang="fr-FR" dirty="0" err="1"/>
+              <a:t>be</a:t>
+            </a:r>
+            <a:r>
+              <a:rPr lang="fr-FR" dirty="0"/>
+              <a:t> </a:t>
+            </a:r>
+            <a:r>
+              <a:rPr lang="fr-FR" dirty="0" err="1"/>
+              <a:t>certified</a:t>
+            </a:r>
+            <a:r>
+              <a:rPr lang="fr-FR" dirty="0"/>
+              <a:t> </a:t>
+            </a:r>
+            <a:r>
+              <a:rPr lang="fr-FR" dirty="0" err="1"/>
+              <a:t>only</a:t>
+            </a:r>
+            <a:endParaRPr lang="fr-FR" dirty="0"/>
+          </a:p>
+          <a:p>
+            <a:r>
+              <a:rPr lang="fr-FR" dirty="0"/>
+              <a:t>No Networks </a:t>
+            </a:r>
+            <a:r>
+              <a:rPr lang="fr-FR" dirty="0" err="1"/>
+              <a:t>is</a:t>
+            </a:r>
+            <a:r>
+              <a:rPr lang="fr-FR" dirty="0"/>
+              <a:t> </a:t>
+            </a:r>
+            <a:r>
+              <a:rPr lang="fr-FR" dirty="0" err="1"/>
+              <a:t>robust</a:t>
+            </a:r>
+            <a:r>
+              <a:rPr lang="fr-FR" dirty="0"/>
+              <a:t> on all images.</a:t>
+            </a:r>
+          </a:p>
+          <a:p>
+            <a:r>
+              <a:rPr lang="fr-FR" dirty="0"/>
+              <a:t>Even if </a:t>
+            </a:r>
+            <a:r>
+              <a:rPr lang="fr-FR" dirty="0" err="1"/>
+              <a:t>robust</a:t>
+            </a:r>
+            <a:r>
+              <a:rPr lang="fr-FR" dirty="0"/>
+              <a:t>, </a:t>
+            </a:r>
+            <a:r>
+              <a:rPr lang="fr-FR" dirty="0" err="1"/>
+              <a:t>we</a:t>
+            </a:r>
+            <a:r>
+              <a:rPr lang="fr-FR" dirty="0"/>
+              <a:t> </a:t>
+            </a:r>
+            <a:r>
+              <a:rPr lang="fr-FR" dirty="0" err="1"/>
+              <a:t>only</a:t>
+            </a:r>
+            <a:r>
+              <a:rPr lang="fr-FR" dirty="0"/>
+              <a:t> </a:t>
+            </a:r>
+            <a:r>
+              <a:rPr lang="fr-FR" dirty="0" err="1"/>
+              <a:t>tested</a:t>
+            </a:r>
+            <a:r>
+              <a:rPr lang="fr-FR" dirty="0"/>
+              <a:t> 1000 images, </a:t>
+            </a:r>
+            <a:r>
+              <a:rPr lang="fr-FR" dirty="0" err="1"/>
+              <a:t>cannot</a:t>
+            </a:r>
+            <a:r>
+              <a:rPr lang="fr-FR" dirty="0"/>
+              <a:t> </a:t>
+            </a:r>
+            <a:r>
+              <a:rPr lang="fr-FR" dirty="0" err="1"/>
+              <a:t>generalize</a:t>
+            </a:r>
+            <a:r>
+              <a:rPr lang="fr-FR" dirty="0"/>
+              <a:t>.</a:t>
+            </a:r>
+          </a:p>
+          <a:p>
+            <a:endParaRPr lang="fr-FR" dirty="0"/>
+          </a:p>
+          <a:p>
+            <a:r>
+              <a:rPr lang="fr-FR" dirty="0">
+                <a:solidFill>
+                  <a:schemeClr val="accent1"/>
+                </a:solidFill>
+              </a:rPr>
+              <a:t>	Online certification</a:t>
+            </a:r>
+            <a:r>
+              <a:rPr lang="fr-FR" dirty="0"/>
+              <a:t>: not fast enough for </a:t>
+            </a:r>
+            <a:r>
+              <a:rPr lang="fr-FR" dirty="0" err="1"/>
+              <a:t>neither</a:t>
+            </a:r>
+            <a:r>
+              <a:rPr lang="fr-FR" dirty="0"/>
+              <a:t> certif </a:t>
+            </a:r>
+            <a:r>
+              <a:rPr lang="fr-FR" dirty="0" err="1"/>
+              <a:t>nor</a:t>
+            </a:r>
+            <a:r>
+              <a:rPr lang="fr-FR" dirty="0"/>
+              <a:t> </a:t>
+            </a:r>
+            <a:r>
+              <a:rPr lang="fr-FR" dirty="0" err="1"/>
+              <a:t>attack</a:t>
+            </a:r>
+            <a:r>
+              <a:rPr lang="fr-FR" dirty="0"/>
+              <a:t>, </a:t>
+            </a:r>
+            <a:r>
+              <a:rPr lang="fr-FR" dirty="0" err="1"/>
+              <a:t>delay</a:t>
+            </a:r>
+            <a:r>
+              <a:rPr lang="fr-FR" dirty="0"/>
+              <a:t> &gt;&gt; seconds (</a:t>
+            </a:r>
+            <a:r>
+              <a:rPr lang="fr-FR" dirty="0" err="1"/>
+              <a:t>video</a:t>
+            </a:r>
+            <a:r>
+              <a:rPr lang="fr-FR" dirty="0"/>
+              <a:t> </a:t>
+            </a:r>
+            <a:r>
+              <a:rPr lang="fr-FR" dirty="0" err="1"/>
+              <a:t>stream</a:t>
+            </a:r>
+            <a:r>
+              <a:rPr lang="fr-FR" dirty="0"/>
+              <a:t>…).</a:t>
+            </a:r>
+          </a:p>
+        </p:txBody>
+      </p:sp>
+      <p:pic>
+        <p:nvPicPr>
+          <p:cNvPr id="4" name="Image 3">
+            <a:extLst>
+              <a:ext uri="{FF2B5EF4-FFF2-40B4-BE49-F238E27FC236}">
+                <a16:creationId xmlns:a16="http://schemas.microsoft.com/office/drawing/2014/main" id="{1EB28CB6-3A18-5E54-F320-D031786E7D6A}"/>
+              </a:ext>
+            </a:extLst>
+          </p:cNvPr>
+          <p:cNvPicPr>
+            <a:picLocks noChangeAspect="1"/>
+          </p:cNvPicPr>
+          <p:nvPr/>
+        </p:nvPicPr>
+        <p:blipFill>
+          <a:blip r:embed="rId2"/>
+          <a:stretch>
+            <a:fillRect/>
+          </a:stretch>
+        </p:blipFill>
+        <p:spPr>
+          <a:xfrm>
+            <a:off x="1081410" y="770646"/>
+            <a:ext cx="9188922" cy="3835597"/>
+          </a:xfrm>
+          <a:prstGeom prst="rect">
+            <a:avLst/>
+          </a:prstGeom>
+        </p:spPr>
+      </p:pic>
+      <p:sp>
+        <p:nvSpPr>
+          <p:cNvPr id="6" name="ZoneTexte 5">
+            <a:extLst>
+              <a:ext uri="{FF2B5EF4-FFF2-40B4-BE49-F238E27FC236}">
+                <a16:creationId xmlns:a16="http://schemas.microsoft.com/office/drawing/2014/main" id="{0A74DBFB-CA3D-6B03-47EA-4DC701D52FD9}"/>
+              </a:ext>
+            </a:extLst>
+          </p:cNvPr>
+          <p:cNvSpPr txBox="1"/>
+          <p:nvPr/>
+        </p:nvSpPr>
+        <p:spPr>
+          <a:xfrm>
+            <a:off x="9088395" y="5220730"/>
+            <a:ext cx="2178802" cy="646331"/>
+          </a:xfrm>
+          <a:prstGeom prst="rect">
+            <a:avLst/>
+          </a:prstGeom>
+          <a:noFill/>
+        </p:spPr>
+        <p:txBody>
+          <a:bodyPr wrap="none" rtlCol="0">
+            <a:spAutoFit/>
+          </a:bodyPr>
+          <a:lstStyle/>
+          <a:p>
+            <a:pPr algn="ctr"/>
+            <a:r>
+              <a:rPr lang="fr-FR" dirty="0"/>
+              <a:t>Need a </a:t>
+            </a:r>
+            <a:r>
+              <a:rPr lang="fr-FR" b="1" dirty="0"/>
+              <a:t>Global</a:t>
+            </a:r>
+            <a:r>
+              <a:rPr lang="fr-FR" dirty="0"/>
+              <a:t> notion</a:t>
+            </a:r>
+          </a:p>
+          <a:p>
+            <a:pPr algn="ctr"/>
+            <a:r>
+              <a:rPr lang="fr-FR" dirty="0"/>
+              <a:t>(for all images)</a:t>
+            </a:r>
+          </a:p>
+        </p:txBody>
+      </p:sp>
+    </p:spTree>
+    <p:extLst>
+      <p:ext uri="{BB962C8B-B14F-4D97-AF65-F5344CB8AC3E}">
+        <p14:creationId xmlns:p14="http://schemas.microsoft.com/office/powerpoint/2010/main" val="2311025102"/>
+      </p:ext>
+    </p:extLst>
+  </p:cSld>
+  <p:clrMapOvr>
+    <a:masterClrMapping/>
+  </p:clrMapOvr>
+  <p:timing>
+    <p:tnLst>
+      <p:par>
+        <p:cTn id="1" dur="indefinite" restart="never" nodeType="tmRoot">
+          <p:childTnLst>
+            <p:seq concurrent="1" nextAc="seek">
+              <p:cTn id="2" dur="indefinite" nodeType="mainSeq">
+                <p:childTnLst>
+                  <p:par>
+                    <p:cTn id="3" fill="hold">
+                      <p:stCondLst>
+                        <p:cond delay="indefinite"/>
+                      </p:stCondLst>
+                      <p:childTnLst>
+                        <p:par>
+                          <p:cTn id="4" fill="hold">
+                            <p:stCondLst>
+                              <p:cond delay="0"/>
+                            </p:stCondLst>
+                            <p:childTnLst>
+                              <p:par>
+                                <p:cTn id="5" presetID="1" presetClass="entr" presetSubtype="0" fill="hold" grpId="0" nodeType="clickEffect">
+                                  <p:stCondLst>
+                                    <p:cond delay="0"/>
+                                  </p:stCondLst>
+                                  <p:childTnLst>
+                                    <p:set>
+                                      <p:cBhvr>
+                                        <p:cTn id="6" dur="1" fill="hold">
+                                          <p:stCondLst>
+                                            <p:cond delay="0"/>
+                                          </p:stCondLst>
+                                        </p:cTn>
+                                        <p:tgtEl>
+                                          <p:spTgt spid="6"/>
+                                        </p:tgtEl>
+                                        <p:attrNameLst>
+                                          <p:attrName>style.visibility</p:attrName>
+                                        </p:attrNameLst>
+                                      </p:cBhvr>
+                                      <p:to>
+                                        <p:strVal val="visible"/>
+                                      </p:to>
+                                    </p:set>
+                                  </p:childTnLst>
+                                </p:cTn>
+                              </p:par>
+                            </p:childTnLst>
+                          </p:cTn>
+                        </p:par>
+                      </p:childTnLst>
+                    </p:cTn>
+                  </p:par>
+                </p:childTnLst>
+              </p:cTn>
+              <p:prevCondLst>
+                <p:cond evt="onPrev" delay="0">
+                  <p:tgtEl>
+                    <p:sldTgt/>
+                  </p:tgtEl>
+                </p:cond>
+              </p:prevCondLst>
+              <p:nextCondLst>
+                <p:cond evt="onNext" delay="0">
+                  <p:tgtEl>
+                    <p:sldTgt/>
+                  </p:tgtEl>
+                </p:cond>
+              </p:nextCondLst>
+            </p:seq>
+          </p:childTnLst>
+        </p:cTn>
+      </p:par>
+    </p:tnLst>
+    <p:bldLst>
+      <p:bldP spid="6" grpId="0"/>
+    </p:bldLst>
+  </p:timing>
+</p:sld>
+</file>
+
+<file path=ppt/slides/slide5.xml><?xml version="1.0" encoding="utf-8"?>
+<p:sld xmlns:a="http://schemas.openxmlformats.org/drawingml/2006/main" xmlns:r="http://schemas.openxmlformats.org/officeDocument/2006/relationships" xmlns:p="http://schemas.openxmlformats.org/presentationml/2006/main">
+  <p:cSld>
+    <p:spTree>
+      <p:nvGrpSpPr>
+        <p:cNvPr id="1" name="">
+          <a:extLst>
+            <a:ext uri="{FF2B5EF4-FFF2-40B4-BE49-F238E27FC236}">
+              <a16:creationId xmlns:a16="http://schemas.microsoft.com/office/drawing/2014/main" id="{02A4FF95-73BA-19D8-3414-08DBB6513F2B}"/>
+            </a:ext>
+          </a:extLst>
+        </p:cNvPr>
+        <p:cNvGrpSpPr/>
+        <p:nvPr/>
+      </p:nvGrpSpPr>
+      <p:grpSpPr>
+        <a:xfrm>
+          <a:off x="0" y="0"/>
+          <a:ext cx="0" cy="0"/>
+          <a:chOff x="0" y="0"/>
+          <a:chExt cx="0" cy="0"/>
+        </a:xfrm>
+      </p:grpSpPr>
+      <p:sp>
+        <p:nvSpPr>
+          <p:cNvPr id="7" name="Rectangle 6">
+            <a:extLst>
+              <a:ext uri="{FF2B5EF4-FFF2-40B4-BE49-F238E27FC236}">
+                <a16:creationId xmlns:a16="http://schemas.microsoft.com/office/drawing/2014/main" id="{A3A66DD5-7CA2-3088-DF0E-628EAD9B1CD9}"/>
+              </a:ext>
+            </a:extLst>
+          </p:cNvPr>
+          <p:cNvSpPr/>
+          <p:nvPr/>
+        </p:nvSpPr>
+        <p:spPr>
+          <a:xfrm>
+            <a:off x="0" y="478896"/>
+            <a:ext cx="8669170" cy="719419"/>
+          </a:xfrm>
+          <a:prstGeom prst="rect">
+            <a:avLst/>
+          </a:prstGeom>
+          <a:solidFill>
+            <a:schemeClr val="bg1"/>
+          </a:solidFill>
+          <a:ln>
+            <a:solidFill>
+              <a:schemeClr val="bg1"/>
+            </a:solidFill>
+          </a:ln>
+        </p:spPr>
+        <p:style>
+          <a:lnRef idx="2">
+            <a:schemeClr val="accent1">
+              <a:shade val="50000"/>
+            </a:schemeClr>
+          </a:lnRef>
+          <a:fillRef idx="1">
+            <a:schemeClr val="accent1"/>
+          </a:fillRef>
+          <a:effectRef idx="0">
+            <a:schemeClr val="accent1"/>
+          </a:effectRef>
+          <a:fontRef idx="minor">
+            <a:schemeClr val="lt1"/>
+          </a:fontRef>
+        </p:style>
+        <p:txBody>
+          <a:bodyPr rtlCol="0" anchor="ctr"/>
+          <a:lstStyle/>
+          <a:p>
+            <a:pPr algn="ctr"/>
+            <a:endParaRPr lang="fr-FR"/>
+          </a:p>
+        </p:txBody>
+      </p:sp>
+      <p:pic>
+        <p:nvPicPr>
+          <p:cNvPr id="3" name="Image 2">
+            <a:extLst>
+              <a:ext uri="{FF2B5EF4-FFF2-40B4-BE49-F238E27FC236}">
+                <a16:creationId xmlns:a16="http://schemas.microsoft.com/office/drawing/2014/main" id="{2FB18A37-9087-9E85-FDAE-DBB646379A69}"/>
+              </a:ext>
+            </a:extLst>
+          </p:cNvPr>
+          <p:cNvPicPr>
+            <a:picLocks noChangeAspect="1"/>
+          </p:cNvPicPr>
+          <p:nvPr/>
+        </p:nvPicPr>
+        <p:blipFill>
+          <a:blip r:embed="rId2"/>
+          <a:stretch>
+            <a:fillRect/>
+          </a:stretch>
+        </p:blipFill>
+        <p:spPr>
+          <a:xfrm>
+            <a:off x="5054010" y="1401431"/>
+            <a:ext cx="6366023" cy="3371445"/>
+          </a:xfrm>
+          <a:prstGeom prst="rect">
+            <a:avLst/>
+          </a:prstGeom>
+        </p:spPr>
+      </p:pic>
+      <p:sp>
+        <p:nvSpPr>
+          <p:cNvPr id="9" name="Title 1">
+            <a:extLst>
+              <a:ext uri="{FF2B5EF4-FFF2-40B4-BE49-F238E27FC236}">
+                <a16:creationId xmlns:a16="http://schemas.microsoft.com/office/drawing/2014/main" id="{BF8C9386-EB82-F670-30CF-A63C31AF6F93}"/>
+              </a:ext>
+            </a:extLst>
+          </p:cNvPr>
+          <p:cNvSpPr>
+            <a:spLocks noGrp="1"/>
+          </p:cNvSpPr>
+          <p:nvPr>
+            <p:ph type="title"/>
+          </p:nvPr>
+        </p:nvSpPr>
+        <p:spPr>
+          <a:xfrm>
+            <a:off x="335360" y="6618"/>
+            <a:ext cx="11247040" cy="1143000"/>
+          </a:xfrm>
+        </p:spPr>
+        <p:txBody>
+          <a:bodyPr>
+            <a:normAutofit/>
+          </a:bodyPr>
+          <a:lstStyle/>
+          <a:p>
+            <a:r>
+              <a:rPr lang="en-US" dirty="0">
+                <a:solidFill>
+                  <a:srgbClr val="C00000"/>
+                </a:solidFill>
+              </a:rPr>
+              <a:t>Standard Problem: </a:t>
+            </a:r>
+            <a:r>
+              <a:rPr lang="en-US" b="1" dirty="0"/>
+              <a:t>Global</a:t>
+            </a:r>
+            <a:r>
+              <a:rPr lang="en-US" dirty="0"/>
+              <a:t> Robustness ?</a:t>
+            </a:r>
+          </a:p>
+        </p:txBody>
+      </p:sp>
+      <p:pic>
+        <p:nvPicPr>
+          <p:cNvPr id="5" name="Image 4">
+            <a:extLst>
+              <a:ext uri="{FF2B5EF4-FFF2-40B4-BE49-F238E27FC236}">
+                <a16:creationId xmlns:a16="http://schemas.microsoft.com/office/drawing/2014/main" id="{5942FE85-6667-6E68-D061-786E63C4537B}"/>
+              </a:ext>
+            </a:extLst>
+          </p:cNvPr>
+          <p:cNvPicPr>
+            <a:picLocks noChangeAspect="1"/>
+          </p:cNvPicPr>
+          <p:nvPr/>
+        </p:nvPicPr>
+        <p:blipFill rotWithShape="1">
+          <a:blip r:embed="rId3"/>
+          <a:srcRect l="83261" t="67956" r="3744" b="13508"/>
+          <a:stretch/>
+        </p:blipFill>
+        <p:spPr>
+          <a:xfrm>
+            <a:off x="3689786" y="2585268"/>
+            <a:ext cx="1121078" cy="1101734"/>
+          </a:xfrm>
+          <a:prstGeom prst="rect">
+            <a:avLst/>
+          </a:prstGeom>
+        </p:spPr>
+      </p:pic>
+      <p:sp>
+        <p:nvSpPr>
+          <p:cNvPr id="8" name="ZoneTexte 7">
+            <a:extLst>
+              <a:ext uri="{FF2B5EF4-FFF2-40B4-BE49-F238E27FC236}">
+                <a16:creationId xmlns:a16="http://schemas.microsoft.com/office/drawing/2014/main" id="{85A5AC71-25A4-03C0-DE5B-4962BDCB29DC}"/>
+              </a:ext>
+            </a:extLst>
+          </p:cNvPr>
+          <p:cNvSpPr txBox="1"/>
+          <p:nvPr/>
+        </p:nvSpPr>
+        <p:spPr>
+          <a:xfrm>
+            <a:off x="3460880" y="1597430"/>
+            <a:ext cx="1471557" cy="369332"/>
+          </a:xfrm>
+          <a:prstGeom prst="rect">
+            <a:avLst/>
+          </a:prstGeom>
+          <a:noFill/>
+        </p:spPr>
+        <p:txBody>
+          <a:bodyPr wrap="none" rtlCol="0">
+            <a:spAutoFit/>
+          </a:bodyPr>
+          <a:lstStyle/>
+          <a:p>
+            <a:r>
+              <a:rPr lang="fr-FR" dirty="0"/>
+              <a:t>Input image I</a:t>
+            </a:r>
+          </a:p>
+        </p:txBody>
+      </p:sp>
+      <p:sp>
+        <p:nvSpPr>
+          <p:cNvPr id="18" name="ZoneTexte 17">
+            <a:extLst>
+              <a:ext uri="{FF2B5EF4-FFF2-40B4-BE49-F238E27FC236}">
+                <a16:creationId xmlns:a16="http://schemas.microsoft.com/office/drawing/2014/main" id="{BE6101B3-0551-C917-A6E4-8ACAE1266525}"/>
+              </a:ext>
+            </a:extLst>
+          </p:cNvPr>
+          <p:cNvSpPr txBox="1"/>
+          <p:nvPr/>
+        </p:nvSpPr>
+        <p:spPr>
+          <a:xfrm>
+            <a:off x="804971" y="1584679"/>
+            <a:ext cx="1384803" cy="369332"/>
+          </a:xfrm>
+          <a:prstGeom prst="rect">
+            <a:avLst/>
+          </a:prstGeom>
+          <a:noFill/>
+        </p:spPr>
+        <p:txBody>
+          <a:bodyPr wrap="none" rtlCol="0">
+            <a:spAutoFit/>
+          </a:bodyPr>
+          <a:lstStyle/>
+          <a:p>
+            <a:r>
+              <a:rPr lang="fr-FR" dirty="0"/>
+              <a:t>perturbation</a:t>
+            </a:r>
+          </a:p>
+        </p:txBody>
+      </p:sp>
+      <p:sp>
+        <p:nvSpPr>
+          <p:cNvPr id="19" name="ZoneTexte 18">
+            <a:extLst>
+              <a:ext uri="{FF2B5EF4-FFF2-40B4-BE49-F238E27FC236}">
+                <a16:creationId xmlns:a16="http://schemas.microsoft.com/office/drawing/2014/main" id="{45EDE6E9-9CF2-61EA-0DC6-009EA10F44F8}"/>
+              </a:ext>
+            </a:extLst>
+          </p:cNvPr>
+          <p:cNvSpPr txBox="1"/>
+          <p:nvPr/>
+        </p:nvSpPr>
+        <p:spPr>
+          <a:xfrm>
+            <a:off x="804971" y="2735210"/>
+            <a:ext cx="1484702" cy="584775"/>
+          </a:xfrm>
+          <a:prstGeom prst="rect">
+            <a:avLst/>
+          </a:prstGeom>
+          <a:noFill/>
+        </p:spPr>
+        <p:txBody>
+          <a:bodyPr wrap="none" rtlCol="0">
+            <a:spAutoFit/>
+          </a:bodyPr>
+          <a:lstStyle/>
+          <a:p>
+            <a:r>
+              <a:rPr lang="fr-FR" sz="3200" dirty="0">
+                <a:latin typeface="Symbol" panose="05050102010706020507" pitchFamily="18" charset="2"/>
+              </a:rPr>
+              <a:t>e</a:t>
+            </a:r>
+            <a:r>
+              <a:rPr lang="fr-FR" sz="3200" dirty="0"/>
+              <a:t> = 0.01</a:t>
+            </a:r>
+          </a:p>
+        </p:txBody>
+      </p:sp>
+      <p:sp>
+        <p:nvSpPr>
+          <p:cNvPr id="20" name="ZoneTexte 19">
+            <a:extLst>
+              <a:ext uri="{FF2B5EF4-FFF2-40B4-BE49-F238E27FC236}">
+                <a16:creationId xmlns:a16="http://schemas.microsoft.com/office/drawing/2014/main" id="{BA466B46-951A-94FF-37EF-3C6B6BA0870F}"/>
+              </a:ext>
+            </a:extLst>
+          </p:cNvPr>
+          <p:cNvSpPr txBox="1"/>
+          <p:nvPr/>
+        </p:nvSpPr>
+        <p:spPr>
+          <a:xfrm>
+            <a:off x="610816" y="5012213"/>
+            <a:ext cx="11295171" cy="1200329"/>
+          </a:xfrm>
+          <a:prstGeom prst="rect">
+            <a:avLst/>
+          </a:prstGeom>
+          <a:noFill/>
+        </p:spPr>
+        <p:txBody>
+          <a:bodyPr wrap="square" rtlCol="0">
+            <a:spAutoFit/>
+          </a:bodyPr>
+          <a:lstStyle/>
+          <a:p>
+            <a:r>
+              <a:rPr lang="fr-FR" b="1" dirty="0"/>
+              <a:t>Global</a:t>
+            </a:r>
+            <a:r>
+              <a:rPr lang="fr-FR" dirty="0"/>
+              <a:t> </a:t>
+            </a:r>
+            <a:r>
+              <a:rPr lang="fr-FR" dirty="0" err="1"/>
+              <a:t>robustness</a:t>
+            </a:r>
+            <a:r>
+              <a:rPr lang="fr-FR" dirty="0"/>
+              <a:t> </a:t>
+            </a:r>
+            <a:r>
+              <a:rPr lang="fr-FR" dirty="0" err="1"/>
+              <a:t>makes</a:t>
+            </a:r>
+            <a:r>
+              <a:rPr lang="fr-FR" dirty="0"/>
+              <a:t> no </a:t>
+            </a:r>
+            <a:r>
+              <a:rPr lang="fr-FR" dirty="0" err="1"/>
+              <a:t>sense</a:t>
+            </a:r>
+            <a:r>
+              <a:rPr lang="fr-FR" dirty="0"/>
+              <a:t>: </a:t>
+            </a:r>
+            <a:r>
+              <a:rPr lang="fr-FR" dirty="0" err="1"/>
+              <a:t>robust</a:t>
+            </a:r>
+            <a:r>
+              <a:rPr lang="fr-FR" dirty="0"/>
+              <a:t> for all Images = constant </a:t>
+            </a:r>
+            <a:r>
+              <a:rPr lang="fr-FR" dirty="0" err="1"/>
+              <a:t>function</a:t>
+            </a:r>
+            <a:r>
+              <a:rPr lang="fr-FR" dirty="0"/>
+              <a:t>.</a:t>
+            </a:r>
+          </a:p>
+          <a:p>
+            <a:endParaRPr lang="fr-FR" dirty="0"/>
+          </a:p>
+          <a:p>
+            <a:r>
+              <a:rPr lang="fr-FR" dirty="0"/>
+              <a:t>In practice, </a:t>
+            </a:r>
+            <a:r>
+              <a:rPr lang="fr-FR" dirty="0" err="1"/>
+              <a:t>it</a:t>
+            </a:r>
+            <a:r>
+              <a:rPr lang="fr-FR" dirty="0"/>
+              <a:t> s ok not to </a:t>
+            </a:r>
+            <a:r>
+              <a:rPr lang="fr-FR" dirty="0" err="1"/>
+              <a:t>be</a:t>
+            </a:r>
+            <a:r>
+              <a:rPr lang="fr-FR" dirty="0"/>
+              <a:t> </a:t>
+            </a:r>
+            <a:r>
+              <a:rPr lang="fr-FR" dirty="0" err="1"/>
+              <a:t>robust</a:t>
+            </a:r>
+            <a:r>
+              <a:rPr lang="fr-FR" dirty="0"/>
+              <a:t>: </a:t>
+            </a:r>
+            <a:r>
+              <a:rPr lang="fr-FR" dirty="0" err="1"/>
+              <a:t>there</a:t>
+            </a:r>
+            <a:r>
+              <a:rPr lang="fr-FR" dirty="0"/>
+              <a:t> are images at the </a:t>
+            </a:r>
+            <a:r>
+              <a:rPr lang="fr-FR" dirty="0" err="1"/>
+              <a:t>boundary</a:t>
+            </a:r>
+            <a:r>
+              <a:rPr lang="fr-FR" dirty="0"/>
+              <a:t> </a:t>
+            </a:r>
+            <a:r>
+              <a:rPr lang="fr-FR" dirty="0" err="1"/>
+              <a:t>between</a:t>
+            </a:r>
+            <a:r>
+              <a:rPr lang="fr-FR" dirty="0"/>
+              <a:t> 2 classes, a bit of </a:t>
+            </a:r>
+            <a:r>
+              <a:rPr lang="fr-FR" dirty="0" err="1"/>
+              <a:t>difference</a:t>
+            </a:r>
+            <a:r>
+              <a:rPr lang="fr-FR" dirty="0"/>
+              <a:t> </a:t>
+            </a:r>
+            <a:r>
+              <a:rPr lang="fr-FR" dirty="0" err="1"/>
+              <a:t>will</a:t>
+            </a:r>
+            <a:r>
+              <a:rPr lang="fr-FR" dirty="0"/>
+              <a:t> </a:t>
+            </a:r>
+            <a:r>
+              <a:rPr lang="fr-FR" dirty="0" err="1"/>
+              <a:t>make</a:t>
+            </a:r>
+            <a:r>
+              <a:rPr lang="fr-FR" dirty="0"/>
+              <a:t> </a:t>
+            </a:r>
+            <a:r>
+              <a:rPr lang="fr-FR" dirty="0" err="1"/>
+              <a:t>it</a:t>
+            </a:r>
+            <a:r>
+              <a:rPr lang="fr-FR" dirty="0"/>
+              <a:t> </a:t>
+            </a:r>
+            <a:r>
+              <a:rPr lang="fr-FR" dirty="0" err="1"/>
+              <a:t>fall</a:t>
+            </a:r>
+            <a:r>
+              <a:rPr lang="fr-FR" dirty="0"/>
+              <a:t> in one or </a:t>
+            </a:r>
+            <a:r>
+              <a:rPr lang="fr-FR" dirty="0" err="1"/>
+              <a:t>another</a:t>
+            </a:r>
+            <a:r>
+              <a:rPr lang="fr-FR" dirty="0"/>
+              <a:t> class, </a:t>
+            </a:r>
+            <a:r>
+              <a:rPr lang="fr-FR" dirty="0" err="1"/>
+              <a:t>perfectly</a:t>
+            </a:r>
+            <a:r>
+              <a:rPr lang="fr-FR" dirty="0"/>
+              <a:t> normal.</a:t>
+            </a:r>
+          </a:p>
+        </p:txBody>
+      </p:sp>
+      <p:sp>
+        <p:nvSpPr>
+          <p:cNvPr id="21" name="ZoneTexte 20">
+            <a:extLst>
+              <a:ext uri="{FF2B5EF4-FFF2-40B4-BE49-F238E27FC236}">
+                <a16:creationId xmlns:a16="http://schemas.microsoft.com/office/drawing/2014/main" id="{29CE6207-A857-8C01-26BA-2954E3F52C0D}"/>
+              </a:ext>
+            </a:extLst>
+          </p:cNvPr>
+          <p:cNvSpPr txBox="1"/>
+          <p:nvPr/>
+        </p:nvSpPr>
+        <p:spPr>
+          <a:xfrm>
+            <a:off x="7836440" y="1198315"/>
+            <a:ext cx="625492" cy="369332"/>
+          </a:xfrm>
+          <a:prstGeom prst="rect">
+            <a:avLst/>
+          </a:prstGeom>
+          <a:noFill/>
+        </p:spPr>
+        <p:txBody>
+          <a:bodyPr wrap="none" rtlCol="0">
+            <a:spAutoFit/>
+          </a:bodyPr>
+          <a:lstStyle/>
+          <a:p>
+            <a:r>
+              <a:rPr lang="fr-FR" dirty="0"/>
+              <a:t>DNN</a:t>
+            </a:r>
+          </a:p>
+        </p:txBody>
+      </p:sp>
+    </p:spTree>
+    <p:extLst>
+      <p:ext uri="{BB962C8B-B14F-4D97-AF65-F5344CB8AC3E}">
+        <p14:creationId xmlns:p14="http://schemas.microsoft.com/office/powerpoint/2010/main" val="2141950804"/>
+      </p:ext>
+    </p:extLst>
+  </p:cSld>
+  <p:clrMapOvr>
+    <a:masterClrMapping/>
+  </p:clrMapOvr>
+</p:sld>
+</file>
+
+<file path=ppt/slides/slide6.xml><?xml version="1.0" encoding="utf-8"?>
+<p:sld xmlns:a="http://schemas.openxmlformats.org/drawingml/2006/main" xmlns:r="http://schemas.openxmlformats.org/officeDocument/2006/relationships" xmlns:p="http://schemas.openxmlformats.org/presentationml/2006/main">
+  <p:cSld>
+    <p:spTree>
+      <p:nvGrpSpPr>
+        <p:cNvPr id="1" name=""/>
+        <p:cNvGrpSpPr/>
+        <p:nvPr/>
+      </p:nvGrpSpPr>
+      <p:grpSpPr>
+        <a:xfrm>
+          <a:off x="0" y="0"/>
+          <a:ext cx="0" cy="0"/>
+          <a:chOff x="0" y="0"/>
+          <a:chExt cx="0" cy="0"/>
+        </a:xfrm>
+      </p:grpSpPr>
+      <p:sp>
+        <p:nvSpPr>
+          <p:cNvPr id="7" name="Rectangle 6"/>
+          <p:cNvSpPr/>
+          <p:nvPr/>
+        </p:nvSpPr>
+        <p:spPr>
+          <a:xfrm>
+            <a:off x="0" y="478896"/>
+            <a:ext cx="8669170" cy="719419"/>
+          </a:xfrm>
+          <a:prstGeom prst="rect">
+            <a:avLst/>
+          </a:prstGeom>
+          <a:solidFill>
+            <a:schemeClr val="bg1"/>
+          </a:solidFill>
+          <a:ln>
+            <a:solidFill>
+              <a:schemeClr val="bg1"/>
+            </a:solidFill>
+          </a:ln>
+        </p:spPr>
+        <p:style>
+          <a:lnRef idx="2">
+            <a:schemeClr val="accent1">
+              <a:shade val="50000"/>
+            </a:schemeClr>
+          </a:lnRef>
+          <a:fillRef idx="1">
+            <a:schemeClr val="accent1"/>
+          </a:fillRef>
+          <a:effectRef idx="0">
+            <a:schemeClr val="accent1"/>
+          </a:effectRef>
+          <a:fontRef idx="minor">
+            <a:schemeClr val="lt1"/>
+          </a:fontRef>
+        </p:style>
+        <p:txBody>
+          <a:bodyPr rtlCol="0" anchor="ctr"/>
+          <a:lstStyle/>
+          <a:p>
+            <a:pPr algn="ctr"/>
+            <a:endParaRPr lang="fr-FR"/>
+          </a:p>
+        </p:txBody>
+      </p:sp>
+      <p:pic>
+        <p:nvPicPr>
+          <p:cNvPr id="3" name="Image 2"/>
+          <p:cNvPicPr>
+            <a:picLocks noChangeAspect="1"/>
+          </p:cNvPicPr>
+          <p:nvPr/>
+        </p:nvPicPr>
+        <p:blipFill>
+          <a:blip r:embed="rId2"/>
+          <a:stretch>
+            <a:fillRect/>
+          </a:stretch>
+        </p:blipFill>
+        <p:spPr>
+          <a:xfrm>
+            <a:off x="5054010" y="1401431"/>
+            <a:ext cx="6366023" cy="3371445"/>
+          </a:xfrm>
+          <a:prstGeom prst="rect">
+            <a:avLst/>
+          </a:prstGeom>
+        </p:spPr>
+      </p:pic>
+      <p:sp>
+        <p:nvSpPr>
+          <p:cNvPr id="9" name="Title 1"/>
+          <p:cNvSpPr>
+            <a:spLocks noGrp="1"/>
+          </p:cNvSpPr>
+          <p:nvPr>
+            <p:ph type="title"/>
+          </p:nvPr>
+        </p:nvSpPr>
+        <p:spPr>
+          <a:xfrm>
+            <a:off x="335360" y="6618"/>
+            <a:ext cx="11856640" cy="1143000"/>
+          </a:xfrm>
+        </p:spPr>
+        <p:txBody>
+          <a:bodyPr>
+            <a:normAutofit fontScale="90000"/>
+          </a:bodyPr>
+          <a:lstStyle/>
+          <a:p>
+            <a:r>
+              <a:rPr lang="en-US" dirty="0">
+                <a:solidFill>
+                  <a:srgbClr val="C00000"/>
+                </a:solidFill>
+              </a:rPr>
+              <a:t>Proposal of Global notion: “Lipschitz”-continuous instead</a:t>
+            </a:r>
+            <a:endParaRPr lang="en-US" dirty="0"/>
+          </a:p>
+        </p:txBody>
+      </p:sp>
+      <p:sp>
+        <p:nvSpPr>
+          <p:cNvPr id="8" name="ZoneTexte 7">
+            <a:extLst>
+              <a:ext uri="{FF2B5EF4-FFF2-40B4-BE49-F238E27FC236}">
+                <a16:creationId xmlns:a16="http://schemas.microsoft.com/office/drawing/2014/main" id="{D4B3A45C-AE53-C530-74DB-0D6E1C115811}"/>
+              </a:ext>
+            </a:extLst>
+          </p:cNvPr>
+          <p:cNvSpPr txBox="1"/>
+          <p:nvPr/>
+        </p:nvSpPr>
+        <p:spPr>
+          <a:xfrm>
+            <a:off x="3460880" y="1597430"/>
+            <a:ext cx="1020344" cy="369332"/>
+          </a:xfrm>
+          <a:prstGeom prst="rect">
+            <a:avLst/>
+          </a:prstGeom>
+          <a:noFill/>
+        </p:spPr>
+        <p:txBody>
+          <a:bodyPr wrap="none" rtlCol="0">
+            <a:spAutoFit/>
+          </a:bodyPr>
+          <a:lstStyle/>
+          <a:p>
+            <a:r>
+              <a:rPr lang="fr-FR" dirty="0"/>
+              <a:t>Constant</a:t>
+            </a:r>
+          </a:p>
+        </p:txBody>
+      </p:sp>
+      <p:sp>
+        <p:nvSpPr>
+          <p:cNvPr id="18" name="ZoneTexte 17">
+            <a:extLst>
+              <a:ext uri="{FF2B5EF4-FFF2-40B4-BE49-F238E27FC236}">
+                <a16:creationId xmlns:a16="http://schemas.microsoft.com/office/drawing/2014/main" id="{5E274936-5DA9-E205-F296-726C1405CB0D}"/>
+              </a:ext>
+            </a:extLst>
+          </p:cNvPr>
+          <p:cNvSpPr txBox="1"/>
+          <p:nvPr/>
+        </p:nvSpPr>
+        <p:spPr>
+          <a:xfrm>
+            <a:off x="854920" y="1597430"/>
+            <a:ext cx="1384803" cy="369332"/>
+          </a:xfrm>
+          <a:prstGeom prst="rect">
+            <a:avLst/>
+          </a:prstGeom>
+          <a:noFill/>
+        </p:spPr>
+        <p:txBody>
+          <a:bodyPr wrap="none" rtlCol="0">
+            <a:spAutoFit/>
+          </a:bodyPr>
+          <a:lstStyle/>
+          <a:p>
+            <a:r>
+              <a:rPr lang="fr-FR" dirty="0"/>
+              <a:t>perturbation</a:t>
+            </a:r>
+          </a:p>
+        </p:txBody>
+      </p:sp>
+      <p:sp>
+        <p:nvSpPr>
+          <p:cNvPr id="19" name="ZoneTexte 18">
+            <a:extLst>
+              <a:ext uri="{FF2B5EF4-FFF2-40B4-BE49-F238E27FC236}">
+                <a16:creationId xmlns:a16="http://schemas.microsoft.com/office/drawing/2014/main" id="{A90075FF-86F8-62A8-E1DD-129953D5FAB7}"/>
+              </a:ext>
+            </a:extLst>
+          </p:cNvPr>
+          <p:cNvSpPr txBox="1"/>
+          <p:nvPr/>
+        </p:nvSpPr>
+        <p:spPr>
+          <a:xfrm>
+            <a:off x="804971" y="2735210"/>
+            <a:ext cx="1484702" cy="584775"/>
+          </a:xfrm>
+          <a:prstGeom prst="rect">
+            <a:avLst/>
+          </a:prstGeom>
+          <a:noFill/>
+        </p:spPr>
+        <p:txBody>
+          <a:bodyPr wrap="none" rtlCol="0">
+            <a:spAutoFit/>
+          </a:bodyPr>
+          <a:lstStyle/>
+          <a:p>
+            <a:r>
+              <a:rPr lang="fr-FR" sz="3200" dirty="0">
+                <a:latin typeface="Symbol" panose="05050102010706020507" pitchFamily="18" charset="2"/>
+              </a:rPr>
+              <a:t>e</a:t>
+            </a:r>
+            <a:r>
+              <a:rPr lang="fr-FR" sz="3200" dirty="0"/>
+              <a:t> = 0.01</a:t>
+            </a:r>
+          </a:p>
+        </p:txBody>
+      </p:sp>
+      <p:sp>
+        <p:nvSpPr>
+          <p:cNvPr id="21" name="ZoneTexte 20">
+            <a:extLst>
+              <a:ext uri="{FF2B5EF4-FFF2-40B4-BE49-F238E27FC236}">
+                <a16:creationId xmlns:a16="http://schemas.microsoft.com/office/drawing/2014/main" id="{ACAB8F99-5920-E0C8-773E-F087D82C1676}"/>
+              </a:ext>
+            </a:extLst>
+          </p:cNvPr>
+          <p:cNvSpPr txBox="1"/>
+          <p:nvPr/>
+        </p:nvSpPr>
+        <p:spPr>
+          <a:xfrm>
+            <a:off x="7836440" y="1198315"/>
+            <a:ext cx="625492" cy="369332"/>
+          </a:xfrm>
+          <a:prstGeom prst="rect">
+            <a:avLst/>
+          </a:prstGeom>
+          <a:noFill/>
+        </p:spPr>
+        <p:txBody>
+          <a:bodyPr wrap="none" rtlCol="0">
+            <a:spAutoFit/>
+          </a:bodyPr>
+          <a:lstStyle/>
+          <a:p>
+            <a:r>
+              <a:rPr lang="fr-FR" dirty="0"/>
+              <a:t>DNN</a:t>
+            </a:r>
+          </a:p>
+        </p:txBody>
+      </p:sp>
+      <p:sp>
+        <p:nvSpPr>
+          <p:cNvPr id="22" name="ZoneTexte 21">
+            <a:extLst>
+              <a:ext uri="{FF2B5EF4-FFF2-40B4-BE49-F238E27FC236}">
+                <a16:creationId xmlns:a16="http://schemas.microsoft.com/office/drawing/2014/main" id="{BE46E118-A1C0-DFAC-607C-5D59B3FC6913}"/>
+              </a:ext>
+            </a:extLst>
+          </p:cNvPr>
+          <p:cNvSpPr txBox="1"/>
+          <p:nvPr/>
+        </p:nvSpPr>
+        <p:spPr>
+          <a:xfrm>
+            <a:off x="640755" y="5024689"/>
+            <a:ext cx="10910490" cy="461665"/>
+          </a:xfrm>
+          <a:prstGeom prst="rect">
+            <a:avLst/>
+          </a:prstGeom>
+          <a:noFill/>
+        </p:spPr>
+        <p:txBody>
+          <a:bodyPr wrap="square" rtlCol="0">
+            <a:spAutoFit/>
+          </a:bodyPr>
+          <a:lstStyle/>
+          <a:p>
+            <a:r>
+              <a:rPr lang="fr-FR" sz="2400" dirty="0" err="1"/>
+              <a:t>Does</a:t>
+            </a:r>
+            <a:r>
+              <a:rPr lang="fr-FR" sz="2400" dirty="0"/>
+              <a:t> </a:t>
+            </a:r>
+            <a:r>
+              <a:rPr lang="fr-FR" sz="2400" dirty="0" err="1"/>
+              <a:t>there</a:t>
+            </a:r>
+            <a:r>
+              <a:rPr lang="fr-FR" sz="2400" dirty="0"/>
+              <a:t> </a:t>
+            </a:r>
+            <a:r>
+              <a:rPr lang="fr-FR" sz="2400" dirty="0" err="1"/>
+              <a:t>exist</a:t>
+            </a:r>
+            <a:r>
+              <a:rPr lang="fr-FR" sz="2400" dirty="0"/>
+              <a:t> I,I’ </a:t>
+            </a:r>
+            <a:r>
+              <a:rPr lang="fr-FR" sz="2400" dirty="0" err="1"/>
+              <a:t>with</a:t>
+            </a:r>
+            <a:r>
+              <a:rPr lang="fr-FR" sz="2400" dirty="0"/>
+              <a:t> d(I,I’) &lt; </a:t>
+            </a:r>
+            <a:r>
+              <a:rPr lang="fr-FR" sz="2400" dirty="0">
+                <a:latin typeface="Symbol" panose="05050102010706020507" pitchFamily="18" charset="2"/>
+              </a:rPr>
+              <a:t>e</a:t>
+            </a:r>
+            <a:r>
+              <a:rPr lang="fr-FR" sz="2400" dirty="0"/>
+              <a:t>, output </a:t>
+            </a:r>
+            <a:r>
+              <a:rPr lang="fr-FR" sz="2400" dirty="0" err="1"/>
+              <a:t>neuron</a:t>
+            </a:r>
+            <a:r>
+              <a:rPr lang="fr-FR" sz="2400" dirty="0"/>
+              <a:t> n and |</a:t>
+            </a:r>
+            <a:r>
+              <a:rPr lang="fr-FR" sz="2400" dirty="0" err="1"/>
+              <a:t>value</a:t>
+            </a:r>
+            <a:r>
+              <a:rPr lang="fr-FR" sz="2400" baseline="-25000" dirty="0" err="1"/>
+              <a:t>n</a:t>
+            </a:r>
+            <a:r>
+              <a:rPr lang="fr-FR" sz="2400" dirty="0"/>
+              <a:t>(I) -</a:t>
+            </a:r>
+            <a:r>
+              <a:rPr lang="fr-FR" sz="2400" dirty="0" err="1"/>
+              <a:t>value</a:t>
+            </a:r>
+            <a:r>
+              <a:rPr lang="fr-FR" sz="2400" baseline="-25000" dirty="0" err="1"/>
+              <a:t>n</a:t>
+            </a:r>
+            <a:r>
+              <a:rPr lang="fr-FR" sz="2400" dirty="0"/>
+              <a:t>(I’)| &gt; k ?</a:t>
+            </a:r>
+          </a:p>
+        </p:txBody>
+      </p:sp>
+      <p:sp>
+        <p:nvSpPr>
+          <p:cNvPr id="2" name="ZoneTexte 1">
+            <a:extLst>
+              <a:ext uri="{FF2B5EF4-FFF2-40B4-BE49-F238E27FC236}">
+                <a16:creationId xmlns:a16="http://schemas.microsoft.com/office/drawing/2014/main" id="{F4A0982C-0E3E-2D4A-25D5-EE997722678F}"/>
+              </a:ext>
+            </a:extLst>
+          </p:cNvPr>
+          <p:cNvSpPr txBox="1"/>
+          <p:nvPr/>
+        </p:nvSpPr>
+        <p:spPr>
+          <a:xfrm>
+            <a:off x="3381788" y="2702168"/>
+            <a:ext cx="970137" cy="584775"/>
+          </a:xfrm>
+          <a:prstGeom prst="rect">
+            <a:avLst/>
+          </a:prstGeom>
+          <a:noFill/>
+        </p:spPr>
+        <p:txBody>
+          <a:bodyPr wrap="none" rtlCol="0">
+            <a:spAutoFit/>
+          </a:bodyPr>
+          <a:lstStyle/>
+          <a:p>
+            <a:r>
+              <a:rPr lang="fr-FR" sz="3200" dirty="0"/>
+              <a:t>k = 1</a:t>
+            </a:r>
+          </a:p>
+        </p:txBody>
+      </p:sp>
+      <p:sp>
+        <p:nvSpPr>
+          <p:cNvPr id="4" name="ZoneTexte 3">
+            <a:extLst>
+              <a:ext uri="{FF2B5EF4-FFF2-40B4-BE49-F238E27FC236}">
+                <a16:creationId xmlns:a16="http://schemas.microsoft.com/office/drawing/2014/main" id="{AAD00BBF-223C-A317-316F-ED4BD5713602}"/>
+              </a:ext>
+            </a:extLst>
+          </p:cNvPr>
+          <p:cNvSpPr txBox="1"/>
+          <p:nvPr/>
+        </p:nvSpPr>
+        <p:spPr>
+          <a:xfrm>
+            <a:off x="875575" y="5832147"/>
+            <a:ext cx="10370275" cy="830997"/>
+          </a:xfrm>
+          <a:prstGeom prst="rect">
+            <a:avLst/>
+          </a:prstGeom>
+          <a:noFill/>
+        </p:spPr>
+        <p:txBody>
+          <a:bodyPr wrap="none" rtlCol="0">
+            <a:spAutoFit/>
+          </a:bodyPr>
+          <a:lstStyle/>
+          <a:p>
+            <a:r>
+              <a:rPr lang="fr-FR" sz="2400" dirty="0"/>
+              <a:t>Harder (I can </a:t>
+            </a:r>
+            <a:r>
+              <a:rPr lang="fr-FR" sz="2400" dirty="0" err="1"/>
+              <a:t>be</a:t>
+            </a:r>
+            <a:r>
+              <a:rPr lang="fr-FR" sz="2400" dirty="0"/>
+              <a:t> </a:t>
+            </a:r>
+            <a:r>
+              <a:rPr lang="fr-FR" sz="2400" dirty="0" err="1"/>
+              <a:t>anywhere</a:t>
+            </a:r>
+            <a:r>
+              <a:rPr lang="fr-FR" sz="2400" dirty="0"/>
+              <a:t>) but do not </a:t>
+            </a:r>
+            <a:r>
+              <a:rPr lang="fr-FR" sz="2400" dirty="0" err="1"/>
+              <a:t>need</a:t>
+            </a:r>
+            <a:r>
+              <a:rPr lang="fr-FR" sz="2400" dirty="0"/>
+              <a:t> to </a:t>
+            </a:r>
+            <a:r>
+              <a:rPr lang="fr-FR" sz="2400" dirty="0" err="1"/>
+              <a:t>consider</a:t>
+            </a:r>
+            <a:r>
+              <a:rPr lang="fr-FR" sz="2400" dirty="0"/>
+              <a:t> </a:t>
+            </a:r>
+            <a:r>
+              <a:rPr lang="fr-FR" sz="2400" dirty="0" err="1"/>
+              <a:t>many</a:t>
+            </a:r>
+            <a:r>
+              <a:rPr lang="fr-FR" sz="2400" dirty="0"/>
+              <a:t> input images.</a:t>
+            </a:r>
+          </a:p>
+          <a:p>
+            <a:r>
+              <a:rPr lang="fr-FR" sz="2400" dirty="0" err="1"/>
+              <a:t>Makes</a:t>
+            </a:r>
+            <a:r>
+              <a:rPr lang="fr-FR" sz="2400" dirty="0"/>
+              <a:t> more </a:t>
+            </a:r>
+            <a:r>
+              <a:rPr lang="fr-FR" sz="2400" dirty="0" err="1"/>
+              <a:t>sense</a:t>
+            </a:r>
+            <a:r>
+              <a:rPr lang="fr-FR" sz="2400" dirty="0"/>
+              <a:t>: images </a:t>
+            </a:r>
+            <a:r>
+              <a:rPr lang="fr-FR" sz="2400" dirty="0" err="1"/>
+              <a:t>around</a:t>
+            </a:r>
+            <a:r>
+              <a:rPr lang="fr-FR" sz="2400" dirty="0"/>
+              <a:t> </a:t>
+            </a:r>
+            <a:r>
+              <a:rPr lang="fr-FR" sz="2400" dirty="0" err="1"/>
+              <a:t>boundaries</a:t>
+            </a:r>
+            <a:r>
+              <a:rPr lang="fr-FR" sz="2400" dirty="0"/>
+              <a:t> are </a:t>
+            </a:r>
+            <a:r>
+              <a:rPr lang="fr-FR" sz="2400" dirty="0" err="1"/>
+              <a:t>allowed</a:t>
+            </a:r>
+            <a:r>
+              <a:rPr lang="fr-FR" sz="2400" dirty="0"/>
+              <a:t> to switch classification</a:t>
+            </a:r>
+          </a:p>
+        </p:txBody>
+      </p:sp>
+    </p:spTree>
+    <p:extLst>
+      <p:ext uri="{BB962C8B-B14F-4D97-AF65-F5344CB8AC3E}">
+        <p14:creationId xmlns:p14="http://schemas.microsoft.com/office/powerpoint/2010/main" val="1391479889"/>
+      </p:ext>
+    </p:extLst>
+  </p:cSld>
+  <p:clrMapOvr>
+    <a:masterClrMapping/>
+  </p:clrMapOvr>
+</p:sld>
+</file>
+
+<file path=ppt/slides/slide7.xml><?xml version="1.0" encoding="utf-8"?>
+<p:sld xmlns:a="http://schemas.openxmlformats.org/drawingml/2006/main" xmlns:r="http://schemas.openxmlformats.org/officeDocument/2006/relationships" xmlns:p="http://schemas.openxmlformats.org/presentationml/2006/main">
+  <p:cSld>
+    <p:spTree>
+      <p:nvGrpSpPr>
+        <p:cNvPr id="1" name="">
+          <a:extLst>
+            <a:ext uri="{FF2B5EF4-FFF2-40B4-BE49-F238E27FC236}">
+              <a16:creationId xmlns:a16="http://schemas.microsoft.com/office/drawing/2014/main" id="{DD69C606-007B-23FE-1AAA-2E8DE5D5E1F1}"/>
+            </a:ext>
+          </a:extLst>
+        </p:cNvPr>
+        <p:cNvGrpSpPr/>
+        <p:nvPr/>
+      </p:nvGrpSpPr>
+      <p:grpSpPr>
+        <a:xfrm>
+          <a:off x="0" y="0"/>
+          <a:ext cx="0" cy="0"/>
+          <a:chOff x="0" y="0"/>
+          <a:chExt cx="0" cy="0"/>
+        </a:xfrm>
+      </p:grpSpPr>
+      <p:sp>
+        <p:nvSpPr>
+          <p:cNvPr id="7" name="Rectangle 6">
+            <a:extLst>
+              <a:ext uri="{FF2B5EF4-FFF2-40B4-BE49-F238E27FC236}">
+                <a16:creationId xmlns:a16="http://schemas.microsoft.com/office/drawing/2014/main" id="{F00B72F5-4667-012F-68DC-2BFABA925F91}"/>
+              </a:ext>
+            </a:extLst>
+          </p:cNvPr>
+          <p:cNvSpPr/>
+          <p:nvPr/>
+        </p:nvSpPr>
+        <p:spPr>
+          <a:xfrm>
+            <a:off x="0" y="478896"/>
+            <a:ext cx="8669170" cy="719419"/>
+          </a:xfrm>
+          <a:prstGeom prst="rect">
+            <a:avLst/>
+          </a:prstGeom>
+          <a:solidFill>
+            <a:schemeClr val="bg1"/>
+          </a:solidFill>
+          <a:ln>
+            <a:solidFill>
+              <a:schemeClr val="bg1"/>
+            </a:solidFill>
+          </a:ln>
+        </p:spPr>
+        <p:style>
+          <a:lnRef idx="2">
+            <a:schemeClr val="accent1">
+              <a:shade val="50000"/>
+            </a:schemeClr>
+          </a:lnRef>
+          <a:fillRef idx="1">
+            <a:schemeClr val="accent1"/>
+          </a:fillRef>
+          <a:effectRef idx="0">
+            <a:schemeClr val="accent1"/>
+          </a:effectRef>
+          <a:fontRef idx="minor">
+            <a:schemeClr val="lt1"/>
+          </a:fontRef>
+        </p:style>
+        <p:txBody>
+          <a:bodyPr rtlCol="0" anchor="ctr"/>
+          <a:lstStyle/>
+          <a:p>
+            <a:pPr algn="ctr"/>
+            <a:endParaRPr lang="fr-FR"/>
+          </a:p>
+        </p:txBody>
+      </p:sp>
+      <p:sp>
+        <p:nvSpPr>
+          <p:cNvPr id="9" name="Title 1">
+            <a:extLst>
+              <a:ext uri="{FF2B5EF4-FFF2-40B4-BE49-F238E27FC236}">
+                <a16:creationId xmlns:a16="http://schemas.microsoft.com/office/drawing/2014/main" id="{8D99C9BF-90F3-349D-8308-8D9DB042E21E}"/>
+              </a:ext>
+            </a:extLst>
+          </p:cNvPr>
+          <p:cNvSpPr>
+            <a:spLocks noGrp="1"/>
+          </p:cNvSpPr>
+          <p:nvPr>
+            <p:ph type="title"/>
+          </p:nvPr>
+        </p:nvSpPr>
+        <p:spPr>
+          <a:xfrm>
+            <a:off x="335360" y="6618"/>
+            <a:ext cx="11856640" cy="1143000"/>
+          </a:xfrm>
+        </p:spPr>
+        <p:txBody>
+          <a:bodyPr>
+            <a:normAutofit fontScale="90000"/>
+          </a:bodyPr>
+          <a:lstStyle/>
+          <a:p>
+            <a:r>
+              <a:rPr lang="en-US" dirty="0">
+                <a:solidFill>
+                  <a:srgbClr val="C00000"/>
+                </a:solidFill>
+              </a:rPr>
+              <a:t>Proposal of Global notion: “Lipschitz”-continuous instead</a:t>
+            </a:r>
+            <a:endParaRPr lang="en-US" dirty="0"/>
+          </a:p>
+        </p:txBody>
+      </p:sp>
+      <p:sp>
+        <p:nvSpPr>
+          <p:cNvPr id="8" name="ZoneTexte 7">
+            <a:extLst>
+              <a:ext uri="{FF2B5EF4-FFF2-40B4-BE49-F238E27FC236}">
+                <a16:creationId xmlns:a16="http://schemas.microsoft.com/office/drawing/2014/main" id="{97E393DB-15EE-A5BE-6413-990ED4854DA2}"/>
+              </a:ext>
+            </a:extLst>
+          </p:cNvPr>
+          <p:cNvSpPr txBox="1"/>
+          <p:nvPr/>
+        </p:nvSpPr>
+        <p:spPr>
+          <a:xfrm>
+            <a:off x="6345171" y="1437230"/>
+            <a:ext cx="1020344" cy="369332"/>
+          </a:xfrm>
+          <a:prstGeom prst="rect">
+            <a:avLst/>
+          </a:prstGeom>
+          <a:noFill/>
+        </p:spPr>
+        <p:txBody>
+          <a:bodyPr wrap="none" rtlCol="0">
+            <a:spAutoFit/>
+          </a:bodyPr>
+          <a:lstStyle/>
+          <a:p>
+            <a:r>
+              <a:rPr lang="fr-FR" dirty="0"/>
+              <a:t>Constant</a:t>
+            </a:r>
+          </a:p>
+        </p:txBody>
+      </p:sp>
+      <p:sp>
+        <p:nvSpPr>
+          <p:cNvPr id="18" name="ZoneTexte 17">
+            <a:extLst>
+              <a:ext uri="{FF2B5EF4-FFF2-40B4-BE49-F238E27FC236}">
+                <a16:creationId xmlns:a16="http://schemas.microsoft.com/office/drawing/2014/main" id="{2BBDEF54-2F42-5BE4-4389-3E8133378C1E}"/>
+              </a:ext>
+            </a:extLst>
+          </p:cNvPr>
+          <p:cNvSpPr txBox="1"/>
+          <p:nvPr/>
+        </p:nvSpPr>
+        <p:spPr>
+          <a:xfrm>
+            <a:off x="3739211" y="1437230"/>
+            <a:ext cx="1384803" cy="369332"/>
+          </a:xfrm>
+          <a:prstGeom prst="rect">
+            <a:avLst/>
+          </a:prstGeom>
+          <a:noFill/>
+        </p:spPr>
+        <p:txBody>
+          <a:bodyPr wrap="none" rtlCol="0">
+            <a:spAutoFit/>
+          </a:bodyPr>
+          <a:lstStyle/>
+          <a:p>
+            <a:r>
+              <a:rPr lang="fr-FR" dirty="0"/>
+              <a:t>perturbation</a:t>
+            </a:r>
+          </a:p>
+        </p:txBody>
+      </p:sp>
+      <p:sp>
+        <p:nvSpPr>
+          <p:cNvPr id="19" name="ZoneTexte 18">
+            <a:extLst>
+              <a:ext uri="{FF2B5EF4-FFF2-40B4-BE49-F238E27FC236}">
+                <a16:creationId xmlns:a16="http://schemas.microsoft.com/office/drawing/2014/main" id="{C9512E52-8D8E-1BF6-04E9-14D0467193CB}"/>
+              </a:ext>
+            </a:extLst>
+          </p:cNvPr>
+          <p:cNvSpPr txBox="1"/>
+          <p:nvPr/>
+        </p:nvSpPr>
+        <p:spPr>
+          <a:xfrm>
+            <a:off x="3689262" y="2349542"/>
+            <a:ext cx="1484702" cy="584775"/>
+          </a:xfrm>
+          <a:prstGeom prst="rect">
+            <a:avLst/>
+          </a:prstGeom>
+          <a:noFill/>
+        </p:spPr>
+        <p:txBody>
+          <a:bodyPr wrap="none" rtlCol="0">
+            <a:spAutoFit/>
+          </a:bodyPr>
+          <a:lstStyle/>
+          <a:p>
+            <a:r>
+              <a:rPr lang="fr-FR" sz="3200" dirty="0">
+                <a:latin typeface="Symbol" panose="05050102010706020507" pitchFamily="18" charset="2"/>
+              </a:rPr>
+              <a:t>e</a:t>
+            </a:r>
+            <a:r>
+              <a:rPr lang="fr-FR" sz="3200" dirty="0"/>
+              <a:t> = 0.01</a:t>
+            </a:r>
+          </a:p>
+        </p:txBody>
+      </p:sp>
+      <p:sp>
+        <p:nvSpPr>
+          <p:cNvPr id="22" name="ZoneTexte 21">
+            <a:extLst>
+              <a:ext uri="{FF2B5EF4-FFF2-40B4-BE49-F238E27FC236}">
+                <a16:creationId xmlns:a16="http://schemas.microsoft.com/office/drawing/2014/main" id="{10022328-2603-1C2F-2C3B-94953ACCCEF6}"/>
+              </a:ext>
+            </a:extLst>
+          </p:cNvPr>
+          <p:cNvSpPr txBox="1"/>
+          <p:nvPr/>
+        </p:nvSpPr>
+        <p:spPr>
+          <a:xfrm>
+            <a:off x="740513" y="3425396"/>
+            <a:ext cx="11209315" cy="830997"/>
+          </a:xfrm>
+          <a:prstGeom prst="rect">
+            <a:avLst/>
+          </a:prstGeom>
+          <a:noFill/>
+        </p:spPr>
+        <p:txBody>
+          <a:bodyPr wrap="square" rtlCol="0">
+            <a:spAutoFit/>
+          </a:bodyPr>
+          <a:lstStyle/>
+          <a:p>
+            <a:r>
+              <a:rPr lang="fr-FR" sz="2400" dirty="0"/>
+              <a:t>Assume </a:t>
+            </a:r>
+            <a:r>
+              <a:rPr lang="fr-FR" sz="2400" dirty="0" err="1"/>
+              <a:t>we</a:t>
+            </a:r>
+            <a:r>
+              <a:rPr lang="fr-FR" sz="2400" dirty="0"/>
+              <a:t> </a:t>
+            </a:r>
+            <a:r>
+              <a:rPr lang="fr-FR" sz="2400" dirty="0" err="1"/>
+              <a:t>proved</a:t>
+            </a:r>
+            <a:r>
+              <a:rPr lang="fr-FR" sz="2400" dirty="0"/>
+              <a:t> </a:t>
+            </a:r>
+            <a:r>
+              <a:rPr lang="fr-FR" sz="2400" dirty="0">
+                <a:solidFill>
+                  <a:schemeClr val="accent1"/>
+                </a:solidFill>
+              </a:rPr>
+              <a:t>offline</a:t>
+            </a:r>
+            <a:r>
+              <a:rPr lang="fr-FR" sz="2400" dirty="0"/>
+              <a:t> the global notion:</a:t>
+            </a:r>
+          </a:p>
+          <a:p>
+            <a:r>
+              <a:rPr lang="fr-FR" sz="2400" dirty="0"/>
+              <a:t>For all I,I’ </a:t>
+            </a:r>
+            <a:r>
+              <a:rPr lang="fr-FR" sz="2400" dirty="0" err="1"/>
+              <a:t>with</a:t>
+            </a:r>
+            <a:r>
+              <a:rPr lang="fr-FR" sz="2400" dirty="0"/>
+              <a:t> d(I,I’) &lt; </a:t>
+            </a:r>
+            <a:r>
+              <a:rPr lang="fr-FR" sz="2400" dirty="0">
+                <a:latin typeface="Symbol" panose="05050102010706020507" pitchFamily="18" charset="2"/>
+              </a:rPr>
+              <a:t>e</a:t>
+            </a:r>
+            <a:r>
+              <a:rPr lang="fr-FR" sz="2400" dirty="0"/>
+              <a:t>, for all output </a:t>
+            </a:r>
+            <a:r>
+              <a:rPr lang="fr-FR" sz="2400" dirty="0" err="1"/>
+              <a:t>neuron</a:t>
+            </a:r>
+            <a:r>
+              <a:rPr lang="fr-FR" sz="2400" dirty="0"/>
+              <a:t> n </a:t>
+            </a:r>
+            <a:r>
+              <a:rPr lang="fr-FR" sz="2400" dirty="0" err="1"/>
+              <a:t>we</a:t>
+            </a:r>
+            <a:r>
+              <a:rPr lang="fr-FR" sz="2400" dirty="0"/>
+              <a:t> have |</a:t>
+            </a:r>
+            <a:r>
+              <a:rPr lang="fr-FR" sz="2400" dirty="0" err="1"/>
+              <a:t>value</a:t>
+            </a:r>
+            <a:r>
+              <a:rPr lang="fr-FR" sz="2400" baseline="-25000" dirty="0" err="1"/>
+              <a:t>n</a:t>
+            </a:r>
+            <a:r>
+              <a:rPr lang="fr-FR" sz="2400" dirty="0"/>
+              <a:t>(I) -</a:t>
+            </a:r>
+            <a:r>
+              <a:rPr lang="fr-FR" sz="2400" dirty="0" err="1"/>
+              <a:t>value</a:t>
+            </a:r>
+            <a:r>
+              <a:rPr lang="fr-FR" sz="2400" baseline="-25000" dirty="0" err="1"/>
+              <a:t>n</a:t>
+            </a:r>
+            <a:r>
+              <a:rPr lang="fr-FR" sz="2400" dirty="0"/>
+              <a:t>(I’)| &lt; 1 ?</a:t>
+            </a:r>
+          </a:p>
+        </p:txBody>
+      </p:sp>
+      <p:sp>
+        <p:nvSpPr>
+          <p:cNvPr id="2" name="ZoneTexte 1">
+            <a:extLst>
+              <a:ext uri="{FF2B5EF4-FFF2-40B4-BE49-F238E27FC236}">
+                <a16:creationId xmlns:a16="http://schemas.microsoft.com/office/drawing/2014/main" id="{32E3B6FE-3B01-9333-A223-2E5D0315A528}"/>
+              </a:ext>
+            </a:extLst>
+          </p:cNvPr>
+          <p:cNvSpPr txBox="1"/>
+          <p:nvPr/>
+        </p:nvSpPr>
+        <p:spPr>
+          <a:xfrm>
+            <a:off x="6266079" y="2316500"/>
+            <a:ext cx="970137" cy="584775"/>
+          </a:xfrm>
+          <a:prstGeom prst="rect">
+            <a:avLst/>
+          </a:prstGeom>
+          <a:noFill/>
+        </p:spPr>
+        <p:txBody>
+          <a:bodyPr wrap="none" rtlCol="0">
+            <a:spAutoFit/>
+          </a:bodyPr>
+          <a:lstStyle/>
+          <a:p>
+            <a:r>
+              <a:rPr lang="fr-FR" sz="3200" dirty="0"/>
+              <a:t>k = 1</a:t>
+            </a:r>
+          </a:p>
+        </p:txBody>
+      </p:sp>
+      <p:sp>
+        <p:nvSpPr>
+          <p:cNvPr id="4" name="ZoneTexte 3">
+            <a:extLst>
+              <a:ext uri="{FF2B5EF4-FFF2-40B4-BE49-F238E27FC236}">
+                <a16:creationId xmlns:a16="http://schemas.microsoft.com/office/drawing/2014/main" id="{CDC6ADE4-FD23-7741-EF07-5A75C056C560}"/>
+              </a:ext>
+            </a:extLst>
+          </p:cNvPr>
+          <p:cNvSpPr txBox="1"/>
+          <p:nvPr/>
+        </p:nvSpPr>
+        <p:spPr>
+          <a:xfrm>
+            <a:off x="1132358" y="4859047"/>
+            <a:ext cx="10167142" cy="1938992"/>
+          </a:xfrm>
+          <a:prstGeom prst="rect">
+            <a:avLst/>
+          </a:prstGeom>
+          <a:noFill/>
+        </p:spPr>
+        <p:txBody>
+          <a:bodyPr wrap="none" rtlCol="0">
+            <a:spAutoFit/>
+          </a:bodyPr>
+          <a:lstStyle/>
+          <a:p>
+            <a:r>
+              <a:rPr lang="fr-FR" sz="2400" dirty="0">
+                <a:solidFill>
+                  <a:schemeClr val="accent1"/>
+                </a:solidFill>
+              </a:rPr>
+              <a:t>Online:</a:t>
+            </a:r>
+            <a:r>
+              <a:rPr lang="fr-FR" sz="2400" dirty="0"/>
+              <a:t> for image I, </a:t>
+            </a:r>
+            <a:r>
+              <a:rPr lang="fr-FR" sz="2400" dirty="0" err="1"/>
+              <a:t>we</a:t>
+            </a:r>
+            <a:r>
+              <a:rPr lang="fr-FR" sz="2400" dirty="0"/>
+              <a:t> can check in real time if for all n’, |</a:t>
+            </a:r>
+            <a:r>
+              <a:rPr lang="fr-FR" sz="2400" dirty="0" err="1"/>
+              <a:t>value</a:t>
+            </a:r>
+            <a:r>
+              <a:rPr lang="fr-FR" sz="2400" baseline="-25000" dirty="0" err="1"/>
+              <a:t>n</a:t>
+            </a:r>
+            <a:r>
+              <a:rPr lang="fr-FR" sz="2400" dirty="0"/>
+              <a:t>(I) –</a:t>
+            </a:r>
+            <a:r>
+              <a:rPr lang="fr-FR" sz="2400" dirty="0" err="1"/>
+              <a:t>value</a:t>
+            </a:r>
+            <a:r>
+              <a:rPr lang="fr-FR" sz="2400" baseline="-25000" dirty="0" err="1"/>
+              <a:t>n</a:t>
+            </a:r>
+            <a:r>
+              <a:rPr lang="fr-FR" sz="2400" baseline="-25000" dirty="0"/>
+              <a:t>’</a:t>
+            </a:r>
+            <a:r>
+              <a:rPr lang="fr-FR" sz="2400" dirty="0"/>
+              <a:t>(I)|&gt;2</a:t>
+            </a:r>
+          </a:p>
+          <a:p>
+            <a:r>
+              <a:rPr lang="fr-FR" sz="2400" dirty="0"/>
+              <a:t>				for class n of image I</a:t>
+            </a:r>
+          </a:p>
+          <a:p>
+            <a:r>
+              <a:rPr lang="fr-FR" sz="2400" dirty="0" err="1"/>
+              <a:t>Then</a:t>
+            </a:r>
+            <a:r>
+              <a:rPr lang="fr-FR" sz="2400" dirty="0"/>
+              <a:t> </a:t>
+            </a:r>
+            <a:r>
+              <a:rPr lang="fr-FR" sz="2400" dirty="0" err="1"/>
+              <a:t>we</a:t>
+            </a:r>
+            <a:r>
+              <a:rPr lang="fr-FR" sz="2400" dirty="0"/>
+              <a:t> know the network </a:t>
+            </a:r>
+            <a:r>
+              <a:rPr lang="fr-FR" sz="2400" dirty="0" err="1"/>
+              <a:t>is</a:t>
+            </a:r>
+            <a:r>
+              <a:rPr lang="fr-FR" sz="2400" dirty="0"/>
+              <a:t> </a:t>
+            </a:r>
+            <a:r>
+              <a:rPr lang="fr-FR" sz="2400" dirty="0" err="1"/>
+              <a:t>robust</a:t>
+            </a:r>
+            <a:r>
+              <a:rPr lang="fr-FR" sz="2400" dirty="0"/>
+              <a:t> and </a:t>
+            </a:r>
+            <a:r>
+              <a:rPr lang="fr-FR" sz="2400" dirty="0" err="1"/>
+              <a:t>we</a:t>
+            </a:r>
+            <a:r>
+              <a:rPr lang="fr-FR" sz="2400" dirty="0"/>
+              <a:t> can trust the image.</a:t>
+            </a:r>
+          </a:p>
+          <a:p>
+            <a:endParaRPr lang="fr-FR" sz="2400" dirty="0"/>
+          </a:p>
+          <a:p>
+            <a:r>
+              <a:rPr lang="fr-FR" sz="2400" dirty="0" err="1"/>
+              <a:t>Else</a:t>
+            </a:r>
+            <a:r>
+              <a:rPr lang="fr-FR" sz="2400" dirty="0"/>
+              <a:t> </a:t>
+            </a:r>
+            <a:r>
+              <a:rPr lang="fr-FR" sz="2400" dirty="0" err="1"/>
+              <a:t>we</a:t>
+            </a:r>
+            <a:r>
+              <a:rPr lang="fr-FR" sz="2400" dirty="0"/>
+              <a:t> skip the image.  (or can have a set of images, </a:t>
+            </a:r>
+            <a:r>
+              <a:rPr lang="fr-FR" sz="2400" dirty="0" err="1"/>
+              <a:t>several</a:t>
+            </a:r>
+            <a:r>
+              <a:rPr lang="fr-FR" sz="2400" dirty="0"/>
+              <a:t> </a:t>
+            </a:r>
+            <a:r>
+              <a:rPr lang="fr-FR" sz="2400" dirty="0" err="1"/>
+              <a:t>captors</a:t>
+            </a:r>
+            <a:r>
+              <a:rPr lang="fr-FR" sz="2400" dirty="0"/>
+              <a:t>…)</a:t>
+            </a:r>
+          </a:p>
+        </p:txBody>
+      </p:sp>
+    </p:spTree>
+    <p:extLst>
+      <p:ext uri="{BB962C8B-B14F-4D97-AF65-F5344CB8AC3E}">
+        <p14:creationId xmlns:p14="http://schemas.microsoft.com/office/powerpoint/2010/main" val="1503341934"/>
+      </p:ext>
+    </p:extLst>
+  </p:cSld>
+  <p:clrMapOvr>
+    <a:masterClrMapping/>
+  </p:clrMapOvr>
+  <p:timing>
+    <p:tnLst>
+      <p:par>
+        <p:cTn id="1" dur="indefinite" restart="never" nodeType="tmRoot">
+          <p:childTnLst>
+            <p:seq concurrent="1" nextAc="seek">
+              <p:cTn id="2" dur="indefinite" nodeType="mainSeq">
+                <p:childTnLst>
+                  <p:par>
+                    <p:cTn id="3" fill="hold">
+                      <p:stCondLst>
+                        <p:cond delay="indefinite"/>
+                      </p:stCondLst>
+                      <p:childTnLst>
+                        <p:par>
+                          <p:cTn id="4" fill="hold">
+                            <p:stCondLst>
+                              <p:cond delay="0"/>
+                            </p:stCondLst>
+                            <p:childTnLst>
+                              <p:par>
+                                <p:cTn id="5" presetID="1" presetClass="entr" presetSubtype="0" fill="hold" grpId="0" nodeType="clickEffect">
+                                  <p:stCondLst>
+                                    <p:cond delay="0"/>
+                                  </p:stCondLst>
+                                  <p:childTnLst>
+                                    <p:set>
+                                      <p:cBhvr>
+                                        <p:cTn id="6" dur="1" fill="hold">
+                                          <p:stCondLst>
+                                            <p:cond delay="0"/>
+                                          </p:stCondLst>
+                                        </p:cTn>
+                                        <p:tgtEl>
+                                          <p:spTgt spid="4"/>
+                                        </p:tgtEl>
+                                        <p:attrNameLst>
+                                          <p:attrName>style.visibility</p:attrName>
+                                        </p:attrNameLst>
+                                      </p:cBhvr>
+                                      <p:to>
+                                        <p:strVal val="visible"/>
+                                      </p:to>
+                                    </p:set>
+                                  </p:childTnLst>
+                                </p:cTn>
+                              </p:par>
+                            </p:childTnLst>
+                          </p:cTn>
+                        </p:par>
+                      </p:childTnLst>
+                    </p:cTn>
+                  </p:par>
+                </p:childTnLst>
+              </p:cTn>
+              <p:prevCondLst>
+                <p:cond evt="onPrev" delay="0">
+                  <p:tgtEl>
+                    <p:sldTgt/>
+                  </p:tgtEl>
+                </p:cond>
+              </p:prevCondLst>
+              <p:nextCondLst>
+                <p:cond evt="onNext" delay="0">
+                  <p:tgtEl>
+                    <p:sldTgt/>
+                  </p:tgtEl>
+                </p:cond>
+              </p:nextCondLst>
+            </p:seq>
+          </p:childTnLst>
+        </p:cTn>
+      </p:par>
+    </p:tnLst>
+    <p:bldLst>
+      <p:bldP spid="4" grpId="0"/>
+    </p:bldLst>
+  </p:timing>
+</p:sld>
+</file>
+
+<file path=ppt/slides/slide8.xml><?xml version="1.0" encoding="utf-8"?>
+<p:sld xmlns:a="http://schemas.openxmlformats.org/drawingml/2006/main" xmlns:r="http://schemas.openxmlformats.org/officeDocument/2006/relationships" xmlns:p="http://schemas.openxmlformats.org/presentationml/2006/main">
+  <p:cSld>
+    <p:spTree>
+      <p:nvGrpSpPr>
+        <p:cNvPr id="1" name="">
+          <a:extLst>
+            <a:ext uri="{FF2B5EF4-FFF2-40B4-BE49-F238E27FC236}">
+              <a16:creationId xmlns:a16="http://schemas.microsoft.com/office/drawing/2014/main" id="{5867714C-6671-0B4C-C651-C2C5548AFB2D}"/>
+            </a:ext>
+          </a:extLst>
+        </p:cNvPr>
+        <p:cNvGrpSpPr/>
+        <p:nvPr/>
+      </p:nvGrpSpPr>
+      <p:grpSpPr>
+        <a:xfrm>
+          <a:off x="0" y="0"/>
+          <a:ext cx="0" cy="0"/>
+          <a:chOff x="0" y="0"/>
+          <a:chExt cx="0" cy="0"/>
+        </a:xfrm>
+      </p:grpSpPr>
       <p:graphicFrame>
         <p:nvGraphicFramePr>
-          <p:cNvPr id="5" name="Tableau 4">
-            <a:extLst>
-              <a:ext uri="{FF2B5EF4-FFF2-40B4-BE49-F238E27FC236}">
-                <a16:creationId xmlns:a16="http://schemas.microsoft.com/office/drawing/2014/main" id="{4A06E0CE-362C-68A4-2ADC-6313A93B003D}"/>
+          <p:cNvPr id="4" name="Tableau 4">
+            <a:extLst>
+              <a:ext uri="{FF2B5EF4-FFF2-40B4-BE49-F238E27FC236}">
+                <a16:creationId xmlns:a16="http://schemas.microsoft.com/office/drawing/2014/main" id="{8722F63A-B6FE-2A9C-516C-5E36712D25DF}"/>
               </a:ext>
             </a:extLst>
           </p:cNvPr>
@@ -5120,14 +9743,14 @@
           <p:nvPr>
             <p:extLst>
               <p:ext uri="{D42A27DB-BD31-4B8C-83A1-F6EECF244321}">
-                <p14:modId xmlns:p14="http://schemas.microsoft.com/office/powerpoint/2010/main" val="4273272639"/>
+                <p14:modId xmlns:p14="http://schemas.microsoft.com/office/powerpoint/2010/main" val="3372970078"/>
               </p:ext>
             </p:extLst>
           </p:nvPr>
         </p:nvGraphicFramePr>
         <p:xfrm>
-          <a:off x="203200" y="2252864"/>
-          <a:ext cx="11658947" cy="3463644"/>
+          <a:off x="488515" y="2046746"/>
+          <a:ext cx="11212881" cy="1534230"/>
         </p:xfrm>
         <a:graphic>
           <a:graphicData uri="http://schemas.openxmlformats.org/drawingml/2006/table">
@@ -5136,29 +9759,29 @@
                 <a:tableStyleId>{5C22544A-7EE6-4342-B048-85BDC9FD1C3A}</a:tableStyleId>
               </a:tblPr>
               <a:tblGrid>
-                <a:gridCol w="3178827">
+                <a:gridCol w="3577647">
                   <a:extLst>
                     <a:ext uri="{9D8B030D-6E8A-4147-A177-3AD203B41FA5}">
                       <a16:colId xmlns:a16="http://schemas.microsoft.com/office/drawing/2014/main" val="628481113"/>
                     </a:ext>
                   </a:extLst>
                 </a:gridCol>
-                <a:gridCol w="4283902">
+                <a:gridCol w="2904572">
                   <a:extLst>
                     <a:ext uri="{9D8B030D-6E8A-4147-A177-3AD203B41FA5}">
-                      <a16:colId xmlns:a16="http://schemas.microsoft.com/office/drawing/2014/main" val="111859342"/>
+                      <a16:colId xmlns:a16="http://schemas.microsoft.com/office/drawing/2014/main" val="3180203207"/>
                     </a:ext>
                   </a:extLst>
                 </a:gridCol>
-                <a:gridCol w="4196218">
+                <a:gridCol w="4730662">
                   <a:extLst>
                     <a:ext uri="{9D8B030D-6E8A-4147-A177-3AD203B41FA5}">
-                      <a16:colId xmlns:a16="http://schemas.microsoft.com/office/drawing/2014/main" val="3961735731"/>
+                      <a16:colId xmlns:a16="http://schemas.microsoft.com/office/drawing/2014/main" val="546606006"/>
                     </a:ext>
                   </a:extLst>
                 </a:gridCol>
               </a:tblGrid>
-              <a:tr h="383156">
+              <a:tr h="370840">
                 <a:tc>
                   <a:txBody>
                     <a:bodyPr/>
@@ -5166,21 +9789,8 @@
                     <a:p>
                       <a:r>
                         <a:rPr lang="fr-FR" dirty="0"/>
-                        <a:t>Number </a:t>
-                      </a:r>
-                      <a:r>
-                        <a:rPr lang="fr-FR" b="1" dirty="0"/>
-                        <a:t>X</a:t>
-                      </a:r>
-                      <a:r>
-                        <a:rPr lang="fr-FR" dirty="0"/>
-                        <a:t> of nodes </a:t>
-                      </a:r>
-                      <a:r>
-                        <a:rPr lang="fr-FR" dirty="0" err="1"/>
-                        <a:t>chosen</a:t>
-                      </a:r>
-                      <a:endParaRPr lang="fr-FR" dirty="0"/>
+                        <a:t> </a:t>
+                      </a:r>
                     </a:p>
                   </a:txBody>
                   <a:tcPr/>
@@ -5190,38 +9800,13 @@
                     <a:bodyPr/>
                     <a:lstStyle/>
                     <a:p>
-                      <a:pPr algn="ctr"/>
-                      <a:r>
-                        <a:rPr lang="fr-FR" dirty="0">
-                          <a:solidFill>
-                            <a:srgbClr val="FF0000"/>
-                          </a:solidFill>
-                        </a:rPr>
-                        <a:t>Layer 1&amp;3: Compensation </a:t>
-                      </a:r>
-                      <a:r>
-                        <a:rPr lang="fr-FR" dirty="0">
-                          <a:solidFill>
-                            <a:schemeClr val="bg1"/>
-                          </a:solidFill>
-                        </a:rPr>
-                        <a:t>(vs </a:t>
-                      </a:r>
-                      <a:r>
-                        <a:rPr lang="fr-FR" dirty="0" err="1">
-                          <a:solidFill>
-                            <a:schemeClr val="bg1"/>
-                          </a:solidFill>
-                        </a:rPr>
-                        <a:t>random</a:t>
-                      </a:r>
-                      <a:r>
-                        <a:rPr lang="fr-FR" dirty="0">
-                          <a:solidFill>
-                            <a:schemeClr val="bg1"/>
-                          </a:solidFill>
-                        </a:rPr>
-                        <a:t>)</a:t>
+                      <a:r>
+                        <a:rPr lang="fr-FR" dirty="0" err="1"/>
+                        <a:t>Average</a:t>
+                      </a:r>
+                      <a:r>
+                        <a:rPr lang="fr-FR" dirty="0"/>
+                        <a:t> Gamma=x-x’</a:t>
                       </a:r>
                     </a:p>
                   </a:txBody>
@@ -5232,26 +9817,9 @@
                     <a:bodyPr/>
                     <a:lstStyle/>
                     <a:p>
-                      <a:pPr algn="ctr"/>
-                      <a:r>
-                        <a:rPr lang="fr-FR" dirty="0">
-                          <a:solidFill>
-                            <a:srgbClr val="FF0000"/>
-                          </a:solidFill>
-                        </a:rPr>
-                        <a:t>Layer 3: Compensation</a:t>
-                      </a:r>
                       <a:r>
                         <a:rPr lang="fr-FR" dirty="0"/>
-                        <a:t>  (vs </a:t>
-                      </a:r>
-                      <a:r>
-                        <a:rPr lang="fr-FR" dirty="0" err="1"/>
-                        <a:t>Random</a:t>
-                      </a:r>
-                      <a:r>
-                        <a:rPr lang="fr-FR" dirty="0"/>
-                        <a:t>)</a:t>
+                        <a:t>Total Time</a:t>
                       </a:r>
                     </a:p>
                   </a:txBody>
@@ -5263,37 +9831,47 @@
                   </a:ext>
                 </a:extLst>
               </a:tr>
-              <a:tr h="484608">
+              <a:tr h="370840">
                 <a:tc>
                   <a:txBody>
                     <a:bodyPr/>
                     <a:lstStyle/>
                     <a:p>
                       <a:r>
-                        <a:rPr lang="fr-FR" dirty="0">
+                        <a:rPr lang="fr-FR" sz="1800" dirty="0">
                           <a:solidFill>
-                            <a:schemeClr val="bg1">
-                              <a:lumMod val="50000"/>
-                            </a:schemeClr>
+                            <a:schemeClr val="tx1"/>
                           </a:solidFill>
                         </a:rPr>
-                        <a:t>0</a:t>
-                      </a:r>
-                    </a:p>
-                  </a:txBody>
-                  <a:tcPr/>
-                </a:tc>
-                <a:tc>
-                  <a:txBody>
-                    <a:bodyPr/>
-                    <a:lstStyle/>
-                    <a:p>
-                      <a:pPr algn="ctr"/>
-                      <a:endParaRPr lang="fr-FR" dirty="0">
+                        <a:t>Trivial L1 </a:t>
+                      </a:r>
+                      <a:r>
+                        <a:rPr lang="fr-FR" sz="1800" dirty="0" err="1">
+                          <a:solidFill>
+                            <a:schemeClr val="tx1"/>
+                          </a:solidFill>
+                        </a:rPr>
+                        <a:t>Mathematical</a:t>
+                      </a:r>
+                      <a:r>
+                        <a:rPr lang="fr-FR" sz="1800" dirty="0">
+                          <a:solidFill>
+                            <a:schemeClr val="tx1"/>
+                          </a:solidFill>
+                        </a:rPr>
+                        <a:t> </a:t>
+                      </a:r>
+                      <a:r>
+                        <a:rPr lang="fr-FR" sz="1800" dirty="0" err="1">
+                          <a:solidFill>
+                            <a:schemeClr val="tx1"/>
+                          </a:solidFill>
+                        </a:rPr>
+                        <a:t>bound</a:t>
+                      </a:r>
+                      <a:endParaRPr lang="fr-FR" sz="1800" dirty="0">
                         <a:solidFill>
-                          <a:schemeClr val="bg1">
-                            <a:lumMod val="50000"/>
-                          </a:schemeClr>
+                          <a:schemeClr val="tx1"/>
                         </a:solidFill>
                       </a:endParaRPr>
                     </a:p>
@@ -5306,13 +9884,32 @@
                     <a:lstStyle/>
                     <a:p>
                       <a:pPr algn="ctr"/>
-                      <a:endParaRPr lang="fr-FR" dirty="0">
-                        <a:solidFill>
-                          <a:schemeClr val="bg1">
-                            <a:lumMod val="50000"/>
-                          </a:schemeClr>
-                        </a:solidFill>
-                      </a:endParaRPr>
+                      <a:r>
+                        <a:rPr lang="fr-FR" sz="1800" dirty="0">
+                          <a:solidFill>
+                            <a:schemeClr val="tx1"/>
+                          </a:solidFill>
+                        </a:rPr>
+                        <a:t>284</a:t>
+                      </a:r>
+                    </a:p>
+                  </a:txBody>
+                  <a:tcPr/>
+                </a:tc>
+                <a:tc>
+                  <a:txBody>
+                    <a:bodyPr/>
+                    <a:lstStyle/>
+                    <a:p>
+                      <a:pPr algn="ctr"/>
+                      <a:r>
+                        <a:rPr lang="fr-FR" dirty="0">
+                          <a:solidFill>
+                            <a:schemeClr val="tx1"/>
+                          </a:solidFill>
+                        </a:rPr>
+                        <a:t>0s</a:t>
+                      </a:r>
                     </a:p>
                   </a:txBody>
                   <a:tcPr/>
@@ -5330,13 +9927,30 @@
                     <a:lstStyle/>
                     <a:p>
                       <a:r>
-                        <a:rPr lang="fr-FR" dirty="0">
-                          <a:solidFill>
-                            <a:schemeClr val="tx1"/>
-                          </a:solidFill>
-                        </a:rPr>
-                        <a:t>10</a:t>
-                      </a:r>
+                        <a:rPr lang="fr-FR" dirty="0"/>
+                        <a:t>LP </a:t>
+                      </a:r>
+                      <a:r>
+                        <a:rPr lang="fr-FR" dirty="0" err="1"/>
+                        <a:t>with</a:t>
+                      </a:r>
+                      <a:r>
+                        <a:rPr lang="fr-FR" dirty="0"/>
+                        <a:t> (</a:t>
+                      </a:r>
+                      <a:r>
+                        <a:rPr lang="fr-FR" dirty="0" err="1"/>
+                        <a:t>x,x</a:t>
+                      </a:r>
+                      <a:r>
+                        <a:rPr lang="fr-FR" dirty="0"/>
+                        <a:t>’) </a:t>
+                      </a:r>
+                      <a:r>
+                        <a:rPr lang="fr-FR" dirty="0" err="1"/>
+                        <a:t>constraints</a:t>
+                      </a:r>
+                      <a:endParaRPr lang="fr-FR" dirty="0"/>
                     </a:p>
                   </a:txBody>
                   <a:tcPr/>
@@ -5347,7 +9961,413 @@
                     <a:lstStyle/>
                     <a:p>
                       <a:pPr algn="ctr"/>
-                      <a:endParaRPr lang="fr-FR" dirty="0">
+                      <a:r>
+                        <a:rPr lang="fr-FR" dirty="0"/>
+                        <a:t>29       (10x </a:t>
+                      </a:r>
+                      <a:r>
+                        <a:rPr lang="fr-FR" dirty="0" err="1"/>
+                        <a:t>better</a:t>
+                      </a:r>
+                      <a:r>
+                        <a:rPr lang="fr-FR" dirty="0"/>
+                        <a:t>)</a:t>
+                      </a:r>
+                    </a:p>
+                  </a:txBody>
+                  <a:tcPr/>
+                </a:tc>
+                <a:tc>
+                  <a:txBody>
+                    <a:bodyPr/>
+                    <a:lstStyle/>
+                    <a:p>
+                      <a:pPr algn="ctr"/>
+                      <a:r>
+                        <a:rPr lang="fr-FR" dirty="0"/>
+                        <a:t>14min (830s)</a:t>
+                      </a:r>
+                    </a:p>
+                  </a:txBody>
+                  <a:tcPr/>
+                </a:tc>
+                <a:extLst>
+                  <a:ext uri="{0D108BD9-81ED-4DB2-BD59-A6C34878D82A}">
+                    <a16:rowId xmlns:a16="http://schemas.microsoft.com/office/drawing/2014/main" val="14864157"/>
+                  </a:ext>
+                </a:extLst>
+              </a:tr>
+              <a:tr h="421710">
+                <a:tc>
+                  <a:txBody>
+                    <a:bodyPr/>
+                    <a:lstStyle/>
+                    <a:p>
+                      <a:pPr marL="0" marR="0" lvl="0" indent="0" algn="l" defTabSz="914400" rtl="0" eaLnBrk="1" fontAlgn="auto" latinLnBrk="0" hangingPunct="1">
+                        <a:lnSpc>
+                          <a:spcPct val="100000"/>
+                        </a:lnSpc>
+                        <a:spcBef>
+                          <a:spcPts val="0"/>
+                        </a:spcBef>
+                        <a:spcAft>
+                          <a:spcPts val="0"/>
+                        </a:spcAft>
+                        <a:buClrTx/>
+                        <a:buSzTx/>
+                        <a:buFontTx/>
+                        <a:buNone/>
+                        <a:tabLst/>
+                        <a:defRPr/>
+                      </a:pPr>
+                      <a:r>
+                        <a:rPr lang="fr-FR" b="1" dirty="0">
+                          <a:solidFill>
+                            <a:srgbClr val="C00000"/>
+                          </a:solidFill>
+                        </a:rPr>
+                        <a:t>CMP (17-30 nodes x2)</a:t>
+                      </a:r>
+                    </a:p>
+                  </a:txBody>
+                  <a:tcPr/>
+                </a:tc>
+                <a:tc>
+                  <a:txBody>
+                    <a:bodyPr/>
+                    <a:lstStyle/>
+                    <a:p>
+                      <a:pPr algn="ctr"/>
+                      <a:r>
+                        <a:rPr lang="fr-FR" b="1" dirty="0">
+                          <a:solidFill>
+                            <a:srgbClr val="C00000"/>
+                          </a:solidFill>
+                        </a:rPr>
+                        <a:t>16.9    (17x </a:t>
+                      </a:r>
+                      <a:r>
+                        <a:rPr lang="fr-FR" b="1" dirty="0" err="1">
+                          <a:solidFill>
+                            <a:srgbClr val="C00000"/>
+                          </a:solidFill>
+                        </a:rPr>
+                        <a:t>better</a:t>
+                      </a:r>
+                      <a:r>
+                        <a:rPr lang="fr-FR" b="1" dirty="0">
+                          <a:solidFill>
+                            <a:srgbClr val="C00000"/>
+                          </a:solidFill>
+                        </a:rPr>
+                        <a:t>)</a:t>
+                      </a:r>
+                    </a:p>
+                  </a:txBody>
+                  <a:tcPr/>
+                </a:tc>
+                <a:tc>
+                  <a:txBody>
+                    <a:bodyPr/>
+                    <a:lstStyle/>
+                    <a:p>
+                      <a:pPr algn="ctr"/>
+                      <a:r>
+                        <a:rPr lang="fr-FR" b="1" dirty="0">
+                          <a:solidFill>
+                            <a:srgbClr val="C00000"/>
+                          </a:solidFill>
+                        </a:rPr>
+                        <a:t>6h42min (</a:t>
+                      </a:r>
+                      <a:r>
+                        <a:rPr lang="fr-FR" sz="1800" kern="1200" dirty="0">
+                          <a:solidFill>
+                            <a:schemeClr val="dk1"/>
+                          </a:solidFill>
+                          <a:effectLst/>
+                          <a:latin typeface="+mn-lt"/>
+                          <a:ea typeface="+mn-ea"/>
+                          <a:cs typeface="+mn-cs"/>
+                        </a:rPr>
+                        <a:t>24053s</a:t>
+                      </a:r>
+                      <a:r>
+                        <a:rPr lang="fr-FR" b="1" dirty="0">
+                          <a:solidFill>
+                            <a:srgbClr val="C00000"/>
+                          </a:solidFill>
+                        </a:rPr>
+                        <a:t>)</a:t>
+                      </a:r>
+                    </a:p>
+                  </a:txBody>
+                  <a:tcPr/>
+                </a:tc>
+                <a:extLst>
+                  <a:ext uri="{0D108BD9-81ED-4DB2-BD59-A6C34878D82A}">
+                    <a16:rowId xmlns:a16="http://schemas.microsoft.com/office/drawing/2014/main" val="3838975843"/>
+                  </a:ext>
+                </a:extLst>
+              </a:tr>
+            </a:tbl>
+          </a:graphicData>
+        </a:graphic>
+      </p:graphicFrame>
+      <p:sp>
+        <p:nvSpPr>
+          <p:cNvPr id="49" name="ZoneTexte 48">
+            <a:extLst>
+              <a:ext uri="{FF2B5EF4-FFF2-40B4-BE49-F238E27FC236}">
+                <a16:creationId xmlns:a16="http://schemas.microsoft.com/office/drawing/2014/main" id="{F8D7A190-5800-3276-6B23-7F5B9BC05777}"/>
+              </a:ext>
+            </a:extLst>
+          </p:cNvPr>
+          <p:cNvSpPr txBox="1"/>
+          <p:nvPr/>
+        </p:nvSpPr>
+        <p:spPr>
+          <a:xfrm>
+            <a:off x="3088778" y="1553988"/>
+            <a:ext cx="3583610" cy="461665"/>
+          </a:xfrm>
+          <a:prstGeom prst="rect">
+            <a:avLst/>
+          </a:prstGeom>
+          <a:noFill/>
+        </p:spPr>
+        <p:txBody>
+          <a:bodyPr wrap="none" rtlCol="0">
+            <a:spAutoFit/>
+          </a:bodyPr>
+          <a:lstStyle/>
+          <a:p>
+            <a:r>
+              <a:rPr lang="fr-FR" sz="2400" dirty="0"/>
+              <a:t>DNN 5x100 </a:t>
+            </a:r>
+            <a:r>
+              <a:rPr lang="fr-FR" sz="2400" dirty="0" err="1"/>
+              <a:t>natural</a:t>
+            </a:r>
+            <a:r>
+              <a:rPr lang="fr-FR" sz="2400" dirty="0"/>
+              <a:t> training</a:t>
+            </a:r>
+          </a:p>
+        </p:txBody>
+      </p:sp>
+      <mc:AlternateContent xmlns:mc="http://schemas.openxmlformats.org/markup-compatibility/2006">
+        <mc:Choice xmlns:p14="http://schemas.microsoft.com/office/powerpoint/2010/main" Requires="p14">
+          <p:contentPart p14:bwMode="auto" r:id="rId2">
+            <p14:nvContentPartPr>
+              <p14:cNvPr id="9" name="Encre 8">
+                <a:extLst>
+                  <a:ext uri="{FF2B5EF4-FFF2-40B4-BE49-F238E27FC236}">
+                    <a16:creationId xmlns:a16="http://schemas.microsoft.com/office/drawing/2014/main" id="{C0CFDEB2-4A40-49F4-7CFC-707BA7A40ACB}"/>
+                  </a:ext>
+                </a:extLst>
+              </p14:cNvPr>
+              <p14:cNvContentPartPr/>
+              <p14:nvPr/>
+            </p14:nvContentPartPr>
+            <p14:xfrm>
+              <a:off x="9856894" y="4925613"/>
+              <a:ext cx="4680" cy="1800"/>
+            </p14:xfrm>
+          </p:contentPart>
+        </mc:Choice>
+        <mc:Fallback>
+          <p:pic>
+            <p:nvPicPr>
+              <p:cNvPr id="9" name="Encre 8">
+                <a:extLst>
+                  <a:ext uri="{FF2B5EF4-FFF2-40B4-BE49-F238E27FC236}">
+                    <a16:creationId xmlns:a16="http://schemas.microsoft.com/office/drawing/2014/main" id="{C0CFDEB2-4A40-49F4-7CFC-707BA7A40ACB}"/>
+                  </a:ext>
+                </a:extLst>
+              </p:cNvPr>
+              <p:cNvPicPr/>
+              <p:nvPr/>
+            </p:nvPicPr>
+            <p:blipFill>
+              <a:blip r:embed="rId3"/>
+              <a:stretch>
+                <a:fillRect/>
+              </a:stretch>
+            </p:blipFill>
+            <p:spPr>
+              <a:xfrm>
+                <a:off x="9847894" y="4916613"/>
+                <a:ext cx="22320" cy="19440"/>
+              </a:xfrm>
+              <a:prstGeom prst="rect">
+                <a:avLst/>
+              </a:prstGeom>
+            </p:spPr>
+          </p:pic>
+        </mc:Fallback>
+      </mc:AlternateContent>
+      <p:sp>
+        <p:nvSpPr>
+          <p:cNvPr id="6" name="ZoneTexte 5">
+            <a:extLst>
+              <a:ext uri="{FF2B5EF4-FFF2-40B4-BE49-F238E27FC236}">
+                <a16:creationId xmlns:a16="http://schemas.microsoft.com/office/drawing/2014/main" id="{4506F4A6-3934-8AED-D58C-5103D9B71B57}"/>
+              </a:ext>
+            </a:extLst>
+          </p:cNvPr>
+          <p:cNvSpPr txBox="1"/>
+          <p:nvPr/>
+        </p:nvSpPr>
+        <p:spPr>
+          <a:xfrm>
+            <a:off x="7706759" y="1568531"/>
+            <a:ext cx="1309974" cy="461665"/>
+          </a:xfrm>
+          <a:prstGeom prst="rect">
+            <a:avLst/>
+          </a:prstGeom>
+          <a:noFill/>
+        </p:spPr>
+        <p:txBody>
+          <a:bodyPr wrap="none" rtlCol="0">
+            <a:spAutoFit/>
+          </a:bodyPr>
+          <a:lstStyle/>
+          <a:p>
+            <a:r>
+              <a:rPr lang="fr-FR" sz="2400" dirty="0">
+                <a:latin typeface="Symbol" panose="05050102010706020507" pitchFamily="18" charset="2"/>
+              </a:rPr>
+              <a:t>e</a:t>
+            </a:r>
+            <a:r>
+              <a:rPr lang="fr-FR" sz="2400" dirty="0"/>
+              <a:t> = 0.001</a:t>
+            </a:r>
+          </a:p>
+        </p:txBody>
+      </p:sp>
+      <p:graphicFrame>
+        <p:nvGraphicFramePr>
+          <p:cNvPr id="2" name="Tableau 4">
+            <a:extLst>
+              <a:ext uri="{FF2B5EF4-FFF2-40B4-BE49-F238E27FC236}">
+                <a16:creationId xmlns:a16="http://schemas.microsoft.com/office/drawing/2014/main" id="{300D9485-3606-2630-E5FD-F0A32EDCB680}"/>
+              </a:ext>
+            </a:extLst>
+          </p:cNvPr>
+          <p:cNvGraphicFramePr>
+            <a:graphicFrameLocks noGrp="1"/>
+          </p:cNvGraphicFramePr>
+          <p:nvPr>
+            <p:extLst>
+              <p:ext uri="{D42A27DB-BD31-4B8C-83A1-F6EECF244321}">
+                <p14:modId xmlns:p14="http://schemas.microsoft.com/office/powerpoint/2010/main" val="3644739392"/>
+              </p:ext>
+            </p:extLst>
+          </p:nvPr>
+        </p:nvGraphicFramePr>
+        <p:xfrm>
+          <a:off x="488515" y="5117447"/>
+          <a:ext cx="11212881" cy="1534230"/>
+        </p:xfrm>
+        <a:graphic>
+          <a:graphicData uri="http://schemas.openxmlformats.org/drawingml/2006/table">
+            <a:tbl>
+              <a:tblPr firstRow="1" bandRow="1">
+                <a:tableStyleId>{5C22544A-7EE6-4342-B048-85BDC9FD1C3A}</a:tableStyleId>
+              </a:tblPr>
+              <a:tblGrid>
+                <a:gridCol w="3577647">
+                  <a:extLst>
+                    <a:ext uri="{9D8B030D-6E8A-4147-A177-3AD203B41FA5}">
+                      <a16:colId xmlns:a16="http://schemas.microsoft.com/office/drawing/2014/main" val="628481113"/>
+                    </a:ext>
+                  </a:extLst>
+                </a:gridCol>
+                <a:gridCol w="2904572">
+                  <a:extLst>
+                    <a:ext uri="{9D8B030D-6E8A-4147-A177-3AD203B41FA5}">
+                      <a16:colId xmlns:a16="http://schemas.microsoft.com/office/drawing/2014/main" val="3180203207"/>
+                    </a:ext>
+                  </a:extLst>
+                </a:gridCol>
+                <a:gridCol w="4730662">
+                  <a:extLst>
+                    <a:ext uri="{9D8B030D-6E8A-4147-A177-3AD203B41FA5}">
+                      <a16:colId xmlns:a16="http://schemas.microsoft.com/office/drawing/2014/main" val="546606006"/>
+                    </a:ext>
+                  </a:extLst>
+                </a:gridCol>
+              </a:tblGrid>
+              <a:tr h="370840">
+                <a:tc>
+                  <a:txBody>
+                    <a:bodyPr/>
+                    <a:lstStyle/>
+                    <a:p>
+                      <a:r>
+                        <a:rPr lang="fr-FR" dirty="0"/>
+                        <a:t>Methods</a:t>
+                      </a:r>
+                    </a:p>
+                  </a:txBody>
+                  <a:tcPr/>
+                </a:tc>
+                <a:tc>
+                  <a:txBody>
+                    <a:bodyPr/>
+                    <a:lstStyle/>
+                    <a:p>
+                      <a:r>
+                        <a:rPr lang="fr-FR" dirty="0" err="1"/>
+                        <a:t>Average</a:t>
+                      </a:r>
+                      <a:r>
+                        <a:rPr lang="fr-FR" dirty="0"/>
+                        <a:t> Gamma=x-x’</a:t>
+                      </a:r>
+                    </a:p>
+                  </a:txBody>
+                  <a:tcPr/>
+                </a:tc>
+                <a:tc>
+                  <a:txBody>
+                    <a:bodyPr/>
+                    <a:lstStyle/>
+                    <a:p>
+                      <a:r>
+                        <a:rPr lang="fr-FR"/>
+                        <a:t>Time</a:t>
+                      </a:r>
+                      <a:endParaRPr lang="fr-FR" dirty="0"/>
+                    </a:p>
+                  </a:txBody>
+                  <a:tcPr/>
+                </a:tc>
+                <a:extLst>
+                  <a:ext uri="{0D108BD9-81ED-4DB2-BD59-A6C34878D82A}">
+                    <a16:rowId xmlns:a16="http://schemas.microsoft.com/office/drawing/2014/main" val="3010665806"/>
+                  </a:ext>
+                </a:extLst>
+              </a:tr>
+              <a:tr h="370840">
+                <a:tc>
+                  <a:txBody>
+                    <a:bodyPr/>
+                    <a:lstStyle/>
+                    <a:p>
+                      <a:r>
+                        <a:rPr lang="fr-FR" sz="1800">
+                          <a:solidFill>
+                            <a:schemeClr val="tx1"/>
+                          </a:solidFill>
+                        </a:rPr>
+                        <a:t>Trivial L1 Mathematical bound</a:t>
+                      </a:r>
+                      <a:endParaRPr lang="fr-FR" sz="1800" dirty="0">
                         <a:solidFill>
                           <a:schemeClr val="tx1"/>
                         </a:solidFill>
@@ -5362,26 +10382,13 @@
                     <a:lstStyle/>
                     <a:p>
                       <a:pPr algn="ctr"/>
-                      <a:endParaRPr lang="fr-FR" dirty="0"/>
-                    </a:p>
-                  </a:txBody>
-                  <a:tcPr/>
-                </a:tc>
-                <a:extLst>
-                  <a:ext uri="{0D108BD9-81ED-4DB2-BD59-A6C34878D82A}">
-                    <a16:rowId xmlns:a16="http://schemas.microsoft.com/office/drawing/2014/main" val="3839271426"/>
-                  </a:ext>
-                </a:extLst>
-              </a:tr>
-              <a:tr h="370840">
-                <a:tc>
-                  <a:txBody>
-                    <a:bodyPr/>
-                    <a:lstStyle/>
-                    <a:p>
-                      <a:r>
-                        <a:rPr lang="fr-FR" dirty="0"/>
-                        <a:t>20</a:t>
+                      <a:r>
+                        <a:rPr lang="fr-FR" sz="1800" dirty="0">
+                          <a:solidFill>
+                            <a:schemeClr val="tx1"/>
+                          </a:solidFill>
+                        </a:rPr>
+                        <a:t>2.88</a:t>
                       </a:r>
                     </a:p>
                   </a:txBody>
@@ -5393,7 +10400,35 @@
                     <a:lstStyle/>
                     <a:p>
                       <a:pPr algn="ctr"/>
-                      <a:endParaRPr lang="fr-FR" b="0" dirty="0"/>
+                      <a:r>
+                        <a:rPr lang="fr-FR" dirty="0">
+                          <a:solidFill>
+                            <a:schemeClr val="tx1"/>
+                          </a:solidFill>
+                        </a:rPr>
+                        <a:t>0s</a:t>
+                      </a:r>
+                    </a:p>
+                  </a:txBody>
+                  <a:tcPr/>
+                </a:tc>
+                <a:extLst>
+                  <a:ext uri="{0D108BD9-81ED-4DB2-BD59-A6C34878D82A}">
+                    <a16:rowId xmlns:a16="http://schemas.microsoft.com/office/drawing/2014/main" val="646733638"/>
+                  </a:ext>
+                </a:extLst>
+              </a:tr>
+              <a:tr h="370840">
+                <a:tc>
+                  <a:txBody>
+                    <a:bodyPr/>
+                    <a:lstStyle/>
+                    <a:p>
+                      <a:r>
+                        <a:rPr lang="fr-FR"/>
+                        <a:t>LP with (x,x’) constraints</a:t>
+                      </a:r>
+                      <a:endParaRPr lang="fr-FR" dirty="0"/>
                     </a:p>
                   </a:txBody>
                   <a:tcPr/>
@@ -5404,30 +10439,17 @@
                     <a:lstStyle/>
                     <a:p>
                       <a:pPr algn="ctr"/>
-                      <a:endParaRPr lang="fr-FR" dirty="0"/>
-                    </a:p>
-                  </a:txBody>
-                  <a:tcPr/>
-                </a:tc>
-                <a:extLst>
-                  <a:ext uri="{0D108BD9-81ED-4DB2-BD59-A6C34878D82A}">
-                    <a16:rowId xmlns:a16="http://schemas.microsoft.com/office/drawing/2014/main" val="398968001"/>
-                  </a:ext>
-                </a:extLst>
-              </a:tr>
-              <a:tr h="370840">
-                <a:tc>
-                  <a:txBody>
-                    <a:bodyPr/>
-                    <a:lstStyle/>
-                    <a:p>
-                      <a:r>
-                        <a:rPr lang="fr-FR" dirty="0">
-                          <a:solidFill>
-                            <a:schemeClr val="tx1"/>
-                          </a:solidFill>
-                        </a:rPr>
-                        <a:t>30</a:t>
+                      <a:r>
+                        <a:rPr lang="fr-FR" dirty="0"/>
+                        <a:t>0.456 (6x </a:t>
+                      </a:r>
+                      <a:r>
+                        <a:rPr lang="fr-FR" dirty="0" err="1"/>
+                        <a:t>better</a:t>
+                      </a:r>
+                      <a:r>
+                        <a:rPr lang="fr-FR" dirty="0"/>
+                        <a:t>)</a:t>
                       </a:r>
                     </a:p>
                   </a:txBody>
@@ -5439,11 +10461,51 @@
                     <a:lstStyle/>
                     <a:p>
                       <a:pPr algn="ctr"/>
-                      <a:endParaRPr lang="fr-FR" b="0" dirty="0">
-                        <a:solidFill>
-                          <a:schemeClr val="tx1"/>
-                        </a:solidFill>
-                      </a:endParaRPr>
+                      <a:r>
+                        <a:rPr lang="fr-FR" dirty="0"/>
+                        <a:t>11 min (695s)</a:t>
+                      </a:r>
+                    </a:p>
+                  </a:txBody>
+                  <a:tcPr/>
+                </a:tc>
+                <a:extLst>
+                  <a:ext uri="{0D108BD9-81ED-4DB2-BD59-A6C34878D82A}">
+                    <a16:rowId xmlns:a16="http://schemas.microsoft.com/office/drawing/2014/main" val="14864157"/>
+                  </a:ext>
+                </a:extLst>
+              </a:tr>
+              <a:tr h="421710">
+                <a:tc>
+                  <a:txBody>
+                    <a:bodyPr/>
+                    <a:lstStyle/>
+                    <a:p>
+                      <a:pPr marL="0" marR="0" lvl="0" indent="0" algn="l" defTabSz="914400" rtl="0" eaLnBrk="1" fontAlgn="auto" latinLnBrk="0" hangingPunct="1">
+                        <a:lnSpc>
+                          <a:spcPct val="100000"/>
+                        </a:lnSpc>
+                        <a:spcBef>
+                          <a:spcPts val="0"/>
+                        </a:spcBef>
+                        <a:spcAft>
+                          <a:spcPts val="0"/>
+                        </a:spcAft>
+                        <a:buClrTx/>
+                        <a:buSzTx/>
+                        <a:buFontTx/>
+                        <a:buNone/>
+                        <a:tabLst/>
+                        <a:defRPr/>
+                      </a:pPr>
+                      <a:r>
+                        <a:rPr lang="fr-FR" b="1" dirty="0">
+                          <a:solidFill>
+                            <a:srgbClr val="C00000"/>
+                          </a:solidFill>
+                        </a:rPr>
+                        <a:t>CMP (17-30 nodes x2)</a:t>
+                      </a:r>
                     </a:p>
                   </a:txBody>
                   <a:tcPr/>
@@ -5454,34 +10516,29 @@
                     <a:lstStyle/>
                     <a:p>
                       <a:pPr algn="ctr"/>
-                      <a:endParaRPr lang="fr-FR" dirty="0">
-                        <a:solidFill>
-                          <a:schemeClr val="tx1"/>
-                        </a:solidFill>
-                      </a:endParaRPr>
-                    </a:p>
-                  </a:txBody>
-                  <a:tcPr/>
-                </a:tc>
-                <a:extLst>
-                  <a:ext uri="{0D108BD9-81ED-4DB2-BD59-A6C34878D82A}">
-                    <a16:rowId xmlns:a16="http://schemas.microsoft.com/office/drawing/2014/main" val="1789608395"/>
-                  </a:ext>
-                </a:extLst>
-              </a:tr>
-              <a:tr h="370840">
-                <a:tc>
-                  <a:txBody>
-                    <a:bodyPr/>
-                    <a:lstStyle/>
-                    <a:p>
-                      <a:r>
-                        <a:rPr lang="fr-FR" dirty="0">
+                      <a:r>
+                        <a:rPr lang="fr-FR" b="1" dirty="0">
                           <a:solidFill>
-                            <a:schemeClr val="tx1"/>
+                            <a:srgbClr val="C00000"/>
                           </a:solidFill>
                         </a:rPr>
-                        <a:t>40</a:t>
+                        <a:t>0.28 (10x </a:t>
+                      </a:r>
+                      <a:r>
+                        <a:rPr lang="fr-FR" b="1" dirty="0" err="1">
+                          <a:solidFill>
+                            <a:srgbClr val="C00000"/>
+                          </a:solidFill>
+                        </a:rPr>
+                        <a:t>better</a:t>
+                      </a:r>
+                      <a:r>
+                        <a:rPr lang="fr-FR" b="1" dirty="0">
+                          <a:solidFill>
+                            <a:srgbClr val="C00000"/>
+                          </a:solidFill>
+                        </a:rPr>
+                        <a:t>)</a:t>
                       </a:r>
                     </a:p>
                   </a:txBody>
@@ -5493,195 +10550,21 @@
                     <a:lstStyle/>
                     <a:p>
                       <a:pPr algn="ctr"/>
-                      <a:endParaRPr lang="fr-FR" b="0" dirty="0">
-                        <a:solidFill>
-                          <a:schemeClr val="tx1"/>
-                        </a:solidFill>
-                      </a:endParaRPr>
-                    </a:p>
-                  </a:txBody>
-                  <a:tcPr/>
-                </a:tc>
-                <a:tc>
-                  <a:txBody>
-                    <a:bodyPr/>
-                    <a:lstStyle/>
-                    <a:p>
-                      <a:pPr algn="ctr"/>
-                      <a:endParaRPr lang="fr-FR" dirty="0">
-                        <a:solidFill>
-                          <a:schemeClr val="tx1"/>
-                        </a:solidFill>
-                      </a:endParaRPr>
+                      <a:r>
+                        <a:rPr lang="fr-FR" b="1" dirty="0">
+                          <a:solidFill>
+                            <a:srgbClr val="C00000"/>
+                          </a:solidFill>
+                        </a:rPr>
+                        <a:t>5h21min (19270s)</a:t>
+                      </a:r>
                     </a:p>
                   </a:txBody>
                   <a:tcPr/>
                 </a:tc>
                 <a:extLst>
                   <a:ext uri="{0D108BD9-81ED-4DB2-BD59-A6C34878D82A}">
-                    <a16:rowId xmlns:a16="http://schemas.microsoft.com/office/drawing/2014/main" val="138467180"/>
-                  </a:ext>
-                </a:extLst>
-              </a:tr>
-              <a:tr h="370840">
-                <a:tc>
-                  <a:txBody>
-                    <a:bodyPr/>
-                    <a:lstStyle/>
-                    <a:p>
-                      <a:r>
-                        <a:rPr lang="fr-FR" dirty="0"/>
-                        <a:t>50</a:t>
-                      </a:r>
-                    </a:p>
-                  </a:txBody>
-                  <a:tcPr/>
-                </a:tc>
-                <a:tc>
-                  <a:txBody>
-                    <a:bodyPr/>
-                    <a:lstStyle/>
-                    <a:p>
-                      <a:pPr algn="ctr"/>
-                      <a:endParaRPr lang="fr-FR" b="0" dirty="0"/>
-                    </a:p>
-                  </a:txBody>
-                  <a:tcPr/>
-                </a:tc>
-                <a:tc>
-                  <a:txBody>
-                    <a:bodyPr/>
-                    <a:lstStyle/>
-                    <a:p>
-                      <a:pPr algn="ctr"/>
-                      <a:endParaRPr lang="fr-FR" dirty="0"/>
-                    </a:p>
-                  </a:txBody>
-                  <a:tcPr/>
-                </a:tc>
-                <a:extLst>
-                  <a:ext uri="{0D108BD9-81ED-4DB2-BD59-A6C34878D82A}">
-                    <a16:rowId xmlns:a16="http://schemas.microsoft.com/office/drawing/2014/main" val="3899875465"/>
-                  </a:ext>
-                </a:extLst>
-              </a:tr>
-              <a:tr h="370840">
-                <a:tc>
-                  <a:txBody>
-                    <a:bodyPr/>
-                    <a:lstStyle/>
-                    <a:p>
-                      <a:r>
-                        <a:rPr lang="fr-FR" dirty="0">
-                          <a:solidFill>
-                            <a:schemeClr val="bg1">
-                              <a:lumMod val="50000"/>
-                            </a:schemeClr>
-                          </a:solidFill>
-                        </a:rPr>
-                        <a:t>ALL NODES OF LAYER 3 (k=1)</a:t>
-                      </a:r>
-                    </a:p>
-                  </a:txBody>
-                  <a:tcPr/>
-                </a:tc>
-                <a:tc>
-                  <a:txBody>
-                    <a:bodyPr/>
-                    <a:lstStyle/>
-                    <a:p>
-                      <a:pPr algn="ctr"/>
-                      <a:endParaRPr lang="fr-FR" dirty="0">
-                        <a:solidFill>
-                          <a:schemeClr val="bg1">
-                            <a:lumMod val="50000"/>
-                          </a:schemeClr>
-                        </a:solidFill>
-                      </a:endParaRPr>
-                    </a:p>
-                  </a:txBody>
-                  <a:tcPr/>
-                </a:tc>
-                <a:tc>
-                  <a:txBody>
-                    <a:bodyPr/>
-                    <a:lstStyle/>
-                    <a:p>
-                      <a:pPr algn="ctr"/>
-                      <a:endParaRPr lang="fr-FR" dirty="0">
-                        <a:solidFill>
-                          <a:schemeClr val="bg1">
-                            <a:lumMod val="50000"/>
-                          </a:schemeClr>
-                        </a:solidFill>
-                      </a:endParaRPr>
-                    </a:p>
-                  </a:txBody>
-                  <a:tcPr/>
-                </a:tc>
-                <a:extLst>
-                  <a:ext uri="{0D108BD9-81ED-4DB2-BD59-A6C34878D82A}">
-                    <a16:rowId xmlns:a16="http://schemas.microsoft.com/office/drawing/2014/main" val="14864157"/>
-                  </a:ext>
-                </a:extLst>
-              </a:tr>
-              <a:tr h="370840">
-                <a:tc>
-                  <a:txBody>
-                    <a:bodyPr/>
-                    <a:lstStyle/>
-                    <a:p>
-                      <a:r>
-                        <a:rPr lang="fr-FR" dirty="0">
-                          <a:solidFill>
-                            <a:schemeClr val="bg1">
-                              <a:lumMod val="50000"/>
-                            </a:schemeClr>
-                          </a:solidFill>
-                        </a:rPr>
-                        <a:t>ALL NODES OF LAYER 1+3 (k=2)</a:t>
-                      </a:r>
-                    </a:p>
-                  </a:txBody>
-                  <a:tcPr/>
-                </a:tc>
-                <a:tc>
-                  <a:txBody>
-                    <a:bodyPr/>
-                    <a:lstStyle/>
-                    <a:p>
-                      <a:pPr algn="ctr"/>
-                      <a:endParaRPr lang="fr-FR" dirty="0">
-                        <a:solidFill>
-                          <a:schemeClr val="bg1">
-                            <a:lumMod val="50000"/>
-                          </a:schemeClr>
-                        </a:solidFill>
-                      </a:endParaRPr>
-                    </a:p>
-                  </a:txBody>
-                  <a:tcPr/>
-                </a:tc>
-                <a:tc>
-                  <a:txBody>
-                    <a:bodyPr/>
-                    <a:lstStyle/>
-                    <a:p>
-                      <a:pPr algn="ctr"/>
-                      <a:endParaRPr lang="fr-FR" dirty="0">
-                        <a:solidFill>
-                          <a:schemeClr val="bg1">
-                            <a:lumMod val="50000"/>
-                          </a:schemeClr>
-                        </a:solidFill>
-                      </a:endParaRPr>
-                    </a:p>
-                  </a:txBody>
-                  <a:tcPr/>
-                </a:tc>
-                <a:extLst>
-                  <a:ext uri="{0D108BD9-81ED-4DB2-BD59-A6C34878D82A}">
-                    <a16:rowId xmlns:a16="http://schemas.microsoft.com/office/drawing/2014/main" val="1522871950"/>
+                    <a16:rowId xmlns:a16="http://schemas.microsoft.com/office/drawing/2014/main" val="3838975843"/>
                   </a:ext>
                 </a:extLst>
               </a:tr>
@@ -5691,10 +10574,10 @@
       </p:graphicFrame>
       <p:sp>
         <p:nvSpPr>
-          <p:cNvPr id="8" name="ZoneTexte 7">
-            <a:extLst>
-              <a:ext uri="{FF2B5EF4-FFF2-40B4-BE49-F238E27FC236}">
-                <a16:creationId xmlns:a16="http://schemas.microsoft.com/office/drawing/2014/main" id="{F4CC3D67-A686-60ED-A7A0-49B55639D1B8}"/>
+          <p:cNvPr id="3" name="ZoneTexte 2">
+            <a:extLst>
+              <a:ext uri="{FF2B5EF4-FFF2-40B4-BE49-F238E27FC236}">
+                <a16:creationId xmlns:a16="http://schemas.microsoft.com/office/drawing/2014/main" id="{4820A99A-0C5B-9E2B-50C6-433A9DED5F7E}"/>
               </a:ext>
             </a:extLst>
           </p:cNvPr>
@@ -5703,8 +10586,8 @@
         </p:nvSpPr>
         <p:spPr>
           <a:xfrm>
-            <a:off x="86308" y="1532157"/>
-            <a:ext cx="12302983" cy="369332"/>
+            <a:off x="3675680" y="4642488"/>
+            <a:ext cx="3488776" cy="461665"/>
           </a:xfrm>
           <a:prstGeom prst="rect">
             <a:avLst/>
@@ -5718,93 +10601,978 @@
           <a:lstStyle/>
           <a:p>
             <a:r>
-              <a:rPr lang="fr-FR" dirty="0" err="1"/>
-              <a:t>Average</a:t>
-            </a:r>
-            <a:r>
-              <a:rPr lang="fr-FR" dirty="0"/>
-              <a:t> </a:t>
-            </a:r>
-            <a:r>
-              <a:rPr lang="fr-FR" dirty="0" err="1"/>
-              <a:t>uncertainty</a:t>
-            </a:r>
-            <a:r>
-              <a:rPr lang="fr-FR" dirty="0"/>
-              <a:t> of </a:t>
-            </a:r>
-            <a:r>
-              <a:rPr lang="fr-FR" b="1" dirty="0"/>
-              <a:t>layer 5</a:t>
-            </a:r>
-            <a:r>
-              <a:rPr lang="fr-FR" dirty="0"/>
-              <a:t> (first </a:t>
-            </a:r>
-            <a:r>
-              <a:rPr lang="fr-FR" dirty="0" err="1"/>
-              <a:t>ReLU</a:t>
-            </a:r>
-            <a:r>
-              <a:rPr lang="fr-FR" dirty="0"/>
-              <a:t> layer) </a:t>
-            </a:r>
-            <a:r>
-              <a:rPr lang="fr-FR" dirty="0" err="1"/>
-              <a:t>when</a:t>
-            </a:r>
-            <a:r>
-              <a:rPr lang="fr-FR" dirty="0"/>
-              <a:t> </a:t>
-            </a:r>
-            <a:r>
-              <a:rPr lang="fr-FR" dirty="0" err="1"/>
-              <a:t>choosing</a:t>
-            </a:r>
-            <a:r>
-              <a:rPr lang="fr-FR" dirty="0"/>
-              <a:t> MILP layer1+3-nodes </a:t>
-            </a:r>
-            <a:r>
-              <a:rPr lang="fr-FR" dirty="0" err="1"/>
-              <a:t>focusing</a:t>
-            </a:r>
-            <a:r>
-              <a:rPr lang="fr-FR" dirty="0"/>
-              <a:t> on </a:t>
-            </a:r>
-            <a:r>
-              <a:rPr lang="fr-FR" dirty="0">
+              <a:rPr lang="fr-FR" sz="2400" dirty="0"/>
+              <a:t>DNN 5x100 Diff-AI training</a:t>
+            </a:r>
+          </a:p>
+        </p:txBody>
+      </p:sp>
+      <p:sp>
+        <p:nvSpPr>
+          <p:cNvPr id="5" name="ZoneTexte 4">
+            <a:extLst>
+              <a:ext uri="{FF2B5EF4-FFF2-40B4-BE49-F238E27FC236}">
+                <a16:creationId xmlns:a16="http://schemas.microsoft.com/office/drawing/2014/main" id="{04FADEF6-16F6-00C3-A601-A414E68FFBF7}"/>
+              </a:ext>
+            </a:extLst>
+          </p:cNvPr>
+          <p:cNvSpPr txBox="1"/>
+          <p:nvPr/>
+        </p:nvSpPr>
+        <p:spPr>
+          <a:xfrm>
+            <a:off x="8825356" y="4655458"/>
+            <a:ext cx="2085827" cy="461665"/>
+          </a:xfrm>
+          <a:prstGeom prst="rect">
+            <a:avLst/>
+          </a:prstGeom>
+          <a:noFill/>
+        </p:spPr>
+        <p:txBody>
+          <a:bodyPr wrap="none" rtlCol="0">
+            <a:spAutoFit/>
+          </a:bodyPr>
+          <a:lstStyle/>
+          <a:p>
+            <a:r>
+              <a:rPr lang="fr-FR" sz="2400" dirty="0">
+                <a:latin typeface="Symbol" panose="05050102010706020507" pitchFamily="18" charset="2"/>
+              </a:rPr>
+              <a:t>e</a:t>
+            </a:r>
+            <a:r>
+              <a:rPr lang="fr-FR" sz="2400" dirty="0"/>
+              <a:t> = 0.001 (x2.4)</a:t>
+            </a:r>
+          </a:p>
+        </p:txBody>
+      </p:sp>
+      <p:sp>
+        <p:nvSpPr>
+          <p:cNvPr id="7" name="Title 1">
+            <a:extLst>
+              <a:ext uri="{FF2B5EF4-FFF2-40B4-BE49-F238E27FC236}">
+                <a16:creationId xmlns:a16="http://schemas.microsoft.com/office/drawing/2014/main" id="{132E6719-952E-E80F-F0BD-55A9F6929237}"/>
+              </a:ext>
+            </a:extLst>
+          </p:cNvPr>
+          <p:cNvSpPr txBox="1">
+            <a:spLocks/>
+          </p:cNvSpPr>
+          <p:nvPr/>
+        </p:nvSpPr>
+        <p:spPr>
+          <a:xfrm>
+            <a:off x="335360" y="6618"/>
+            <a:ext cx="11856640" cy="1143000"/>
+          </a:xfrm>
+          <a:prstGeom prst="rect">
+            <a:avLst/>
+          </a:prstGeom>
+        </p:spPr>
+        <p:txBody>
+          <a:bodyPr vert="horz" lIns="91440" tIns="45720" rIns="91440" bIns="45720" rtlCol="0" anchor="b">
+            <a:normAutofit fontScale="97500"/>
+          </a:bodyPr>
+          <a:lstStyle>
+            <a:lvl1pPr algn="ctr" defTabSz="914400" rtl="0" eaLnBrk="1" latinLnBrk="0" hangingPunct="1">
+              <a:lnSpc>
+                <a:spcPct val="90000"/>
+              </a:lnSpc>
+              <a:spcBef>
+                <a:spcPct val="0"/>
+              </a:spcBef>
+              <a:buNone/>
+              <a:defRPr sz="6000" kern="1200">
+                <a:solidFill>
+                  <a:schemeClr val="tx1"/>
+                </a:solidFill>
+                <a:latin typeface="+mj-lt"/>
+                <a:ea typeface="+mj-ea"/>
+                <a:cs typeface="+mj-cs"/>
+              </a:defRPr>
+            </a:lvl1pPr>
+          </a:lstStyle>
+          <a:p>
+            <a:r>
+              <a:rPr lang="en-US" dirty="0">
                 <a:solidFill>
                   <a:srgbClr val="C00000"/>
                 </a:solidFill>
               </a:rPr>
-              <a:t>compensation</a:t>
-            </a:r>
-            <a:r>
-              <a:rPr lang="fr-FR" dirty="0"/>
-              <a:t> vs </a:t>
-            </a:r>
-            <a:r>
-              <a:rPr lang="fr-FR" dirty="0" err="1"/>
-              <a:t>random</a:t>
-            </a:r>
-            <a:r>
-              <a:rPr lang="fr-FR" dirty="0"/>
-              <a:t> </a:t>
-            </a:r>
-            <a:r>
-              <a:rPr lang="fr-FR" dirty="0" err="1"/>
-              <a:t>choice</a:t>
-            </a:r>
-            <a:endParaRPr lang="fr-FR" dirty="0"/>
+              <a:t>Current results on “Lipschitz”</a:t>
+            </a:r>
+            <a:endParaRPr lang="en-US" dirty="0"/>
           </a:p>
         </p:txBody>
       </p:sp>
     </p:spTree>
     <p:extLst>
       <p:ext uri="{BB962C8B-B14F-4D97-AF65-F5344CB8AC3E}">
-        <p14:creationId xmlns:p14="http://schemas.microsoft.com/office/powerpoint/2010/main" val="2449321781"/>
+        <p14:creationId xmlns:p14="http://schemas.microsoft.com/office/powerpoint/2010/main" val="4148440195"/>
+      </p:ext>
+    </p:extLst>
+  </p:cSld>
+  <p:clrMapOvr>
+    <a:masterClrMapping/>
+  </p:clrMapOvr>
+</p:sld>
+</file>
+
+<file path=ppt/slides/slide9.xml><?xml version="1.0" encoding="utf-8"?>
+<p:sld xmlns:a="http://schemas.openxmlformats.org/drawingml/2006/main" xmlns:r="http://schemas.openxmlformats.org/officeDocument/2006/relationships" xmlns:p="http://schemas.openxmlformats.org/presentationml/2006/main">
+  <p:cSld>
+    <p:spTree>
+      <p:nvGrpSpPr>
+        <p:cNvPr id="1" name=""/>
+        <p:cNvGrpSpPr/>
+        <p:nvPr/>
+      </p:nvGrpSpPr>
+      <p:grpSpPr>
+        <a:xfrm>
+          <a:off x="0" y="0"/>
+          <a:ext cx="0" cy="0"/>
+          <a:chOff x="0" y="0"/>
+          <a:chExt cx="0" cy="0"/>
+        </a:xfrm>
+      </p:grpSpPr>
+      <p:sp>
+        <p:nvSpPr>
+          <p:cNvPr id="7" name="Rectangle 6"/>
+          <p:cNvSpPr/>
+          <p:nvPr/>
+        </p:nvSpPr>
+        <p:spPr>
+          <a:xfrm>
+            <a:off x="0" y="478896"/>
+            <a:ext cx="8669170" cy="719419"/>
+          </a:xfrm>
+          <a:prstGeom prst="rect">
+            <a:avLst/>
+          </a:prstGeom>
+          <a:solidFill>
+            <a:schemeClr val="bg1"/>
+          </a:solidFill>
+          <a:ln>
+            <a:solidFill>
+              <a:schemeClr val="bg1"/>
+            </a:solidFill>
+          </a:ln>
+        </p:spPr>
+        <p:style>
+          <a:lnRef idx="2">
+            <a:schemeClr val="accent1">
+              <a:shade val="50000"/>
+            </a:schemeClr>
+          </a:lnRef>
+          <a:fillRef idx="1">
+            <a:schemeClr val="accent1"/>
+          </a:fillRef>
+          <a:effectRef idx="0">
+            <a:schemeClr val="accent1"/>
+          </a:effectRef>
+          <a:fontRef idx="minor">
+            <a:schemeClr val="lt1"/>
+          </a:fontRef>
+        </p:style>
+        <p:txBody>
+          <a:bodyPr rtlCol="0" anchor="ctr"/>
+          <a:lstStyle/>
+          <a:p>
+            <a:pPr algn="ctr"/>
+            <a:endParaRPr lang="fr-FR"/>
+          </a:p>
+        </p:txBody>
+      </p:sp>
+      <p:pic>
+        <p:nvPicPr>
+          <p:cNvPr id="3" name="Image 2"/>
+          <p:cNvPicPr>
+            <a:picLocks noChangeAspect="1"/>
+          </p:cNvPicPr>
+          <p:nvPr/>
+        </p:nvPicPr>
+        <p:blipFill>
+          <a:blip r:embed="rId2"/>
+          <a:stretch>
+            <a:fillRect/>
+          </a:stretch>
+        </p:blipFill>
+        <p:spPr>
+          <a:xfrm>
+            <a:off x="472827" y="1376650"/>
+            <a:ext cx="6366023" cy="3371445"/>
+          </a:xfrm>
+          <a:prstGeom prst="rect">
+            <a:avLst/>
+          </a:prstGeom>
+        </p:spPr>
+      </p:pic>
+      <p:sp>
+        <p:nvSpPr>
+          <p:cNvPr id="9" name="Title 1"/>
+          <p:cNvSpPr>
+            <a:spLocks noGrp="1"/>
+          </p:cNvSpPr>
+          <p:nvPr>
+            <p:ph type="title"/>
+          </p:nvPr>
+        </p:nvSpPr>
+        <p:spPr>
+          <a:xfrm>
+            <a:off x="335360" y="6618"/>
+            <a:ext cx="11247040" cy="1143000"/>
+          </a:xfrm>
+        </p:spPr>
+        <p:txBody>
+          <a:bodyPr>
+            <a:normAutofit/>
+          </a:bodyPr>
+          <a:lstStyle/>
+          <a:p>
+            <a:r>
+              <a:rPr lang="en-US" dirty="0">
+                <a:solidFill>
+                  <a:srgbClr val="C00000"/>
+                </a:solidFill>
+              </a:rPr>
+              <a:t>Formal Verification of</a:t>
+            </a:r>
+            <a:r>
+              <a:rPr lang="en-US" dirty="0"/>
+              <a:t> </a:t>
+            </a:r>
+            <a:r>
+              <a:rPr lang="en-US" dirty="0">
+                <a:solidFill>
+                  <a:srgbClr val="C00000"/>
+                </a:solidFill>
+              </a:rPr>
+              <a:t>Robustness</a:t>
+            </a:r>
+            <a:r>
+              <a:rPr lang="en-US" dirty="0"/>
+              <a:t> of FF-DNNs</a:t>
+            </a:r>
+          </a:p>
+        </p:txBody>
+      </p:sp>
+      <p:sp>
+        <p:nvSpPr>
+          <p:cNvPr id="2" name="ZoneTexte 1"/>
+          <p:cNvSpPr txBox="1"/>
+          <p:nvPr/>
+        </p:nvSpPr>
+        <p:spPr>
+          <a:xfrm>
+            <a:off x="1309370" y="5242672"/>
+            <a:ext cx="5159889" cy="369332"/>
+          </a:xfrm>
+          <a:prstGeom prst="rect">
+            <a:avLst/>
+          </a:prstGeom>
+          <a:noFill/>
+        </p:spPr>
+        <p:txBody>
+          <a:bodyPr wrap="square" rtlCol="0">
+            <a:spAutoFit/>
+          </a:bodyPr>
+          <a:lstStyle/>
+          <a:p>
+            <a:pPr algn="ctr"/>
+            <a:r>
+              <a:rPr lang="fr-FR" dirty="0"/>
+              <a:t>(</a:t>
+            </a:r>
+            <a:r>
+              <a:rPr lang="fr-FR" dirty="0" err="1"/>
+              <a:t>e.g</a:t>
+            </a:r>
+            <a:r>
+              <a:rPr lang="fr-FR" dirty="0"/>
+              <a:t>. </a:t>
+            </a:r>
+            <a:r>
+              <a:rPr lang="fr-FR" dirty="0" err="1">
+                <a:solidFill>
+                  <a:schemeClr val="accent1">
+                    <a:lumMod val="75000"/>
+                  </a:schemeClr>
+                </a:solidFill>
+              </a:rPr>
+              <a:t>ReLU</a:t>
+            </a:r>
+            <a:r>
+              <a:rPr lang="fr-FR" dirty="0"/>
+              <a:t>)</a:t>
+            </a:r>
+          </a:p>
+        </p:txBody>
+      </p:sp>
+      <p:sp>
+        <p:nvSpPr>
+          <p:cNvPr id="4" name="ZoneTexte 3"/>
+          <p:cNvSpPr txBox="1"/>
+          <p:nvPr/>
+        </p:nvSpPr>
+        <p:spPr>
+          <a:xfrm>
+            <a:off x="1923192" y="4277168"/>
+            <a:ext cx="466794" cy="369332"/>
+          </a:xfrm>
+          <a:prstGeom prst="rect">
+            <a:avLst/>
+          </a:prstGeom>
+          <a:noFill/>
+        </p:spPr>
+        <p:txBody>
+          <a:bodyPr wrap="none" rtlCol="0">
+            <a:spAutoFit/>
+          </a:bodyPr>
+          <a:lstStyle/>
+          <a:p>
+            <a:r>
+              <a:rPr lang="fr-FR" dirty="0"/>
+              <a:t>w3</a:t>
+            </a:r>
+          </a:p>
+        </p:txBody>
+      </p:sp>
+      <p:sp>
+        <p:nvSpPr>
+          <p:cNvPr id="10" name="ZoneTexte 9"/>
+          <p:cNvSpPr txBox="1"/>
+          <p:nvPr/>
+        </p:nvSpPr>
+        <p:spPr>
+          <a:xfrm>
+            <a:off x="1966177" y="3937193"/>
+            <a:ext cx="466794" cy="369332"/>
+          </a:xfrm>
+          <a:prstGeom prst="rect">
+            <a:avLst/>
+          </a:prstGeom>
+          <a:noFill/>
+        </p:spPr>
+        <p:txBody>
+          <a:bodyPr wrap="none" rtlCol="0">
+            <a:spAutoFit/>
+          </a:bodyPr>
+          <a:lstStyle/>
+          <a:p>
+            <a:r>
+              <a:rPr lang="fr-FR" dirty="0"/>
+              <a:t>w2</a:t>
+            </a:r>
+          </a:p>
+        </p:txBody>
+      </p:sp>
+      <p:sp>
+        <p:nvSpPr>
+          <p:cNvPr id="11" name="ZoneTexte 10"/>
+          <p:cNvSpPr txBox="1"/>
+          <p:nvPr/>
+        </p:nvSpPr>
+        <p:spPr>
+          <a:xfrm>
+            <a:off x="1938832" y="3511256"/>
+            <a:ext cx="466794" cy="369332"/>
+          </a:xfrm>
+          <a:prstGeom prst="rect">
+            <a:avLst/>
+          </a:prstGeom>
+          <a:noFill/>
+        </p:spPr>
+        <p:txBody>
+          <a:bodyPr wrap="none" rtlCol="0">
+            <a:spAutoFit/>
+          </a:bodyPr>
+          <a:lstStyle/>
+          <a:p>
+            <a:r>
+              <a:rPr lang="fr-FR" dirty="0"/>
+              <a:t>w1</a:t>
+            </a:r>
+          </a:p>
+        </p:txBody>
+      </p:sp>
+      <p:sp>
+        <p:nvSpPr>
+          <p:cNvPr id="12" name="ZoneTexte 11"/>
+          <p:cNvSpPr txBox="1"/>
+          <p:nvPr/>
+        </p:nvSpPr>
+        <p:spPr>
+          <a:xfrm>
+            <a:off x="1285255" y="4454817"/>
+            <a:ext cx="886974" cy="369332"/>
+          </a:xfrm>
+          <a:prstGeom prst="rect">
+            <a:avLst/>
+          </a:prstGeom>
+          <a:noFill/>
+        </p:spPr>
+        <p:txBody>
+          <a:bodyPr wrap="none" rtlCol="0">
+            <a:spAutoFit/>
+          </a:bodyPr>
+          <a:lstStyle/>
+          <a:p>
+            <a:r>
+              <a:rPr lang="fr-FR" dirty="0" err="1"/>
+              <a:t>weights</a:t>
+            </a:r>
+            <a:endParaRPr lang="fr-FR" dirty="0"/>
+          </a:p>
+        </p:txBody>
+      </p:sp>
+      <p:sp>
+        <p:nvSpPr>
+          <p:cNvPr id="13" name="ZoneTexte 12"/>
+          <p:cNvSpPr txBox="1"/>
+          <p:nvPr/>
+        </p:nvSpPr>
+        <p:spPr>
+          <a:xfrm>
+            <a:off x="870005" y="2025857"/>
+            <a:ext cx="401072" cy="2769989"/>
+          </a:xfrm>
+          <a:prstGeom prst="rect">
+            <a:avLst/>
+          </a:prstGeom>
+          <a:noFill/>
+        </p:spPr>
+        <p:txBody>
+          <a:bodyPr wrap="none" rtlCol="0">
+            <a:spAutoFit/>
+          </a:bodyPr>
+          <a:lstStyle/>
+          <a:p>
+            <a:r>
+              <a:rPr lang="fr-FR" dirty="0"/>
+              <a:t>v</a:t>
+            </a:r>
+            <a:r>
+              <a:rPr lang="fr-FR" baseline="-25000" dirty="0"/>
+              <a:t>1</a:t>
+            </a:r>
+          </a:p>
+          <a:p>
+            <a:endParaRPr lang="fr-FR" baseline="-25000" dirty="0"/>
+          </a:p>
+          <a:p>
+            <a:endParaRPr lang="fr-FR" baseline="-25000" dirty="0"/>
+          </a:p>
+          <a:p>
+            <a:endParaRPr lang="fr-FR" baseline="-25000" dirty="0"/>
+          </a:p>
+          <a:p>
+            <a:endParaRPr lang="fr-FR" baseline="-25000" dirty="0"/>
+          </a:p>
+          <a:p>
+            <a:r>
+              <a:rPr lang="fr-FR" dirty="0"/>
+              <a:t>v</a:t>
+            </a:r>
+            <a:r>
+              <a:rPr lang="fr-FR" baseline="-25000" dirty="0"/>
+              <a:t>2</a:t>
+            </a:r>
+          </a:p>
+          <a:p>
+            <a:endParaRPr lang="fr-FR" baseline="-25000" dirty="0"/>
+          </a:p>
+          <a:p>
+            <a:endParaRPr lang="fr-FR" baseline="-25000" dirty="0"/>
+          </a:p>
+          <a:p>
+            <a:endParaRPr lang="fr-FR" baseline="-25000" dirty="0"/>
+          </a:p>
+          <a:p>
+            <a:endParaRPr lang="fr-FR" baseline="-25000" dirty="0"/>
+          </a:p>
+          <a:p>
+            <a:r>
+              <a:rPr lang="fr-FR" dirty="0"/>
+              <a:t>V</a:t>
+            </a:r>
+            <a:r>
+              <a:rPr lang="fr-FR" baseline="-25000" dirty="0"/>
+              <a:t>3</a:t>
+            </a:r>
+          </a:p>
+          <a:p>
+            <a:endParaRPr lang="fr-FR" baseline="-25000" dirty="0"/>
+          </a:p>
+          <a:p>
+            <a:endParaRPr lang="fr-FR" baseline="-25000" dirty="0"/>
+          </a:p>
+        </p:txBody>
+      </p:sp>
+      <p:sp>
+        <p:nvSpPr>
+          <p:cNvPr id="14" name="Rectangle 13"/>
+          <p:cNvSpPr/>
+          <p:nvPr/>
+        </p:nvSpPr>
+        <p:spPr>
+          <a:xfrm>
+            <a:off x="2547826" y="4314122"/>
+            <a:ext cx="401072" cy="369332"/>
+          </a:xfrm>
+          <a:prstGeom prst="rect">
+            <a:avLst/>
+          </a:prstGeom>
+        </p:spPr>
+        <p:txBody>
+          <a:bodyPr wrap="none">
+            <a:spAutoFit/>
+          </a:bodyPr>
+          <a:lstStyle/>
+          <a:p>
+            <a:r>
+              <a:rPr lang="fr-FR" dirty="0"/>
+              <a:t>V</a:t>
+            </a:r>
+            <a:r>
+              <a:rPr lang="fr-FR" baseline="-25000" dirty="0"/>
+              <a:t>4</a:t>
+            </a:r>
+          </a:p>
+        </p:txBody>
+      </p:sp>
+      <mc:AlternateContent xmlns:mc="http://schemas.openxmlformats.org/markup-compatibility/2006" xmlns:a14="http://schemas.microsoft.com/office/drawing/2010/main">
+        <mc:Choice Requires="a14">
+          <p:sp>
+            <p:nvSpPr>
+              <p:cNvPr id="15" name="ZoneTexte 14"/>
+              <p:cNvSpPr txBox="1"/>
+              <p:nvPr/>
+            </p:nvSpPr>
+            <p:spPr>
+              <a:xfrm>
+                <a:off x="2252590" y="4886615"/>
+                <a:ext cx="5726824" cy="307777"/>
+              </a:xfrm>
+              <a:prstGeom prst="rect">
+                <a:avLst/>
+              </a:prstGeom>
+              <a:noFill/>
+            </p:spPr>
+            <p:txBody>
+              <a:bodyPr wrap="none" lIns="0" tIns="0" rIns="0" bIns="0" rtlCol="0">
+                <a:spAutoFit/>
+              </a:bodyPr>
+              <a:lstStyle/>
+              <a:p>
+                <a:pPr/>
+                <a14:m>
+                  <m:oMathPara xmlns:m="http://schemas.openxmlformats.org/officeDocument/2006/math">
+                    <m:oMathParaPr>
+                      <m:jc m:val="centerGroup"/>
+                    </m:oMathParaPr>
+                    <m:oMath xmlns:m="http://schemas.openxmlformats.org/officeDocument/2006/math">
+                      <m:r>
+                        <a:rPr lang="fr-FR" sz="2000" b="0" i="1" smtClean="0">
+                          <a:latin typeface="Cambria Math" panose="02040503050406030204" pitchFamily="18" charset="0"/>
+                        </a:rPr>
+                        <m:t>𝑣</m:t>
+                      </m:r>
+                      <m:r>
+                        <a:rPr lang="fr-FR" sz="2000" b="0" i="1" smtClean="0">
+                          <a:latin typeface="Cambria Math" panose="02040503050406030204" pitchFamily="18" charset="0"/>
+                        </a:rPr>
+                        <m:t>4=</m:t>
+                      </m:r>
+                      <m:r>
+                        <a:rPr lang="fr-FR" sz="2000" b="0" i="1" smtClean="0">
+                          <a:latin typeface="Cambria Math" panose="02040503050406030204" pitchFamily="18" charset="0"/>
+                        </a:rPr>
+                        <m:t>𝑎𝑐𝑡𝑖𝑣𝑎𝑡𝑖𝑜𝑛</m:t>
+                      </m:r>
+                      <m:r>
+                        <a:rPr lang="fr-FR" sz="2000" b="0" i="1" smtClean="0">
+                          <a:latin typeface="Cambria Math" panose="02040503050406030204" pitchFamily="18" charset="0"/>
+                        </a:rPr>
+                        <m:t>_</m:t>
+                      </m:r>
+                      <m:r>
+                        <a:rPr lang="fr-FR" sz="2000" b="0" i="1" smtClean="0">
+                          <a:latin typeface="Cambria Math" panose="02040503050406030204" pitchFamily="18" charset="0"/>
+                        </a:rPr>
+                        <m:t>𝑓𝑢𝑛𝑐𝑡𝑖𝑜𝑛</m:t>
+                      </m:r>
+                      <m:r>
+                        <a:rPr lang="fr-FR" sz="2000" b="0" i="1" smtClean="0">
+                          <a:latin typeface="Cambria Math" panose="02040503050406030204" pitchFamily="18" charset="0"/>
+                        </a:rPr>
+                        <m:t>(</m:t>
+                      </m:r>
+                      <m:r>
+                        <a:rPr lang="fr-FR" sz="2000" b="0" i="1" smtClean="0">
+                          <a:latin typeface="Cambria Math" panose="02040503050406030204" pitchFamily="18" charset="0"/>
+                        </a:rPr>
+                        <m:t>𝑤</m:t>
+                      </m:r>
+                      <m:r>
+                        <a:rPr lang="fr-FR" sz="2000" b="0" i="1" smtClean="0">
+                          <a:latin typeface="Cambria Math" panose="02040503050406030204" pitchFamily="18" charset="0"/>
+                        </a:rPr>
+                        <m:t>1</m:t>
+                      </m:r>
+                      <m:r>
+                        <a:rPr lang="fr-FR" sz="2000" b="0" i="1" smtClean="0">
+                          <a:latin typeface="Cambria Math" panose="02040503050406030204" pitchFamily="18" charset="0"/>
+                        </a:rPr>
+                        <m:t>𝑣</m:t>
+                      </m:r>
+                      <m:r>
+                        <a:rPr lang="fr-FR" sz="2000" b="0" i="1" smtClean="0">
+                          <a:latin typeface="Cambria Math" panose="02040503050406030204" pitchFamily="18" charset="0"/>
+                        </a:rPr>
+                        <m:t>1+</m:t>
+                      </m:r>
+                      <m:r>
+                        <a:rPr lang="fr-FR" sz="2000" b="0" i="1" smtClean="0">
+                          <a:latin typeface="Cambria Math" panose="02040503050406030204" pitchFamily="18" charset="0"/>
+                        </a:rPr>
+                        <m:t>𝑤</m:t>
+                      </m:r>
+                      <m:r>
+                        <a:rPr lang="fr-FR" sz="2000" b="0" i="1" smtClean="0">
+                          <a:latin typeface="Cambria Math" panose="02040503050406030204" pitchFamily="18" charset="0"/>
+                        </a:rPr>
+                        <m:t>2 </m:t>
+                      </m:r>
+                      <m:r>
+                        <a:rPr lang="fr-FR" sz="2000" b="0" i="1" smtClean="0">
+                          <a:latin typeface="Cambria Math" panose="02040503050406030204" pitchFamily="18" charset="0"/>
+                        </a:rPr>
+                        <m:t>𝑣</m:t>
+                      </m:r>
+                      <m:r>
+                        <a:rPr lang="fr-FR" sz="2000" b="0" i="1" smtClean="0">
+                          <a:latin typeface="Cambria Math" panose="02040503050406030204" pitchFamily="18" charset="0"/>
+                        </a:rPr>
+                        <m:t>2+</m:t>
+                      </m:r>
+                      <m:r>
+                        <a:rPr lang="fr-FR" sz="2000" b="0" i="1" smtClean="0">
+                          <a:latin typeface="Cambria Math" panose="02040503050406030204" pitchFamily="18" charset="0"/>
+                        </a:rPr>
+                        <m:t>𝑤</m:t>
+                      </m:r>
+                      <m:r>
+                        <a:rPr lang="fr-FR" sz="2000" b="0" i="1" smtClean="0">
+                          <a:latin typeface="Cambria Math" panose="02040503050406030204" pitchFamily="18" charset="0"/>
+                        </a:rPr>
+                        <m:t>3</m:t>
+                      </m:r>
+                      <m:r>
+                        <a:rPr lang="fr-FR" sz="2000" b="0" i="1" smtClean="0">
+                          <a:latin typeface="Cambria Math" panose="02040503050406030204" pitchFamily="18" charset="0"/>
+                        </a:rPr>
+                        <m:t>𝑣</m:t>
+                      </m:r>
+                      <m:r>
+                        <a:rPr lang="fr-FR" sz="2000" b="0" i="1" smtClean="0">
+                          <a:latin typeface="Cambria Math" panose="02040503050406030204" pitchFamily="18" charset="0"/>
+                        </a:rPr>
+                        <m:t>3)</m:t>
+                      </m:r>
+                    </m:oMath>
+                  </m:oMathPara>
+                </a14:m>
+                <a:endParaRPr lang="fr-FR" sz="2000" dirty="0"/>
+              </a:p>
+            </p:txBody>
+          </p:sp>
+        </mc:Choice>
+        <mc:Fallback xmlns="">
+          <p:sp>
+            <p:nvSpPr>
+              <p:cNvPr id="15" name="ZoneTexte 14"/>
+              <p:cNvSpPr txBox="1">
+                <a:spLocks noRot="1" noChangeAspect="1" noMove="1" noResize="1" noEditPoints="1" noAdjustHandles="1" noChangeArrowheads="1" noChangeShapeType="1" noTextEdit="1"/>
+              </p:cNvSpPr>
+              <p:nvPr/>
+            </p:nvSpPr>
+            <p:spPr>
+              <a:xfrm>
+                <a:off x="2252590" y="4886615"/>
+                <a:ext cx="5726824" cy="307777"/>
+              </a:xfrm>
+              <a:prstGeom prst="rect">
+                <a:avLst/>
+              </a:prstGeom>
+              <a:blipFill>
+                <a:blip r:embed="rId3"/>
+                <a:stretch>
+                  <a:fillRect l="-532" t="-2000" r="-1065" b="-38000"/>
+                </a:stretch>
+              </a:blipFill>
+            </p:spPr>
+            <p:txBody>
+              <a:bodyPr/>
+              <a:lstStyle/>
+              <a:p>
+                <a:r>
+                  <a:rPr lang="fr-FR">
+                    <a:noFill/>
+                  </a:rPr>
+                  <a:t> </a:t>
+                </a:r>
+              </a:p>
+            </p:txBody>
+          </p:sp>
+        </mc:Fallback>
+      </mc:AlternateContent>
+      <p:sp>
+        <p:nvSpPr>
+          <p:cNvPr id="16" name="ZoneTexte 15"/>
+          <p:cNvSpPr txBox="1"/>
+          <p:nvPr/>
+        </p:nvSpPr>
+        <p:spPr>
+          <a:xfrm>
+            <a:off x="7168679" y="1764675"/>
+            <a:ext cx="4530951" cy="2554545"/>
+          </a:xfrm>
+          <a:prstGeom prst="rect">
+            <a:avLst/>
+          </a:prstGeom>
+          <a:noFill/>
+        </p:spPr>
+        <p:txBody>
+          <a:bodyPr wrap="square" rtlCol="0">
+            <a:spAutoFit/>
+          </a:bodyPr>
+          <a:lstStyle/>
+          <a:p>
+            <a:r>
+              <a:rPr lang="fr-FR" sz="2000" dirty="0" err="1">
+                <a:solidFill>
+                  <a:schemeClr val="accent1">
+                    <a:lumMod val="75000"/>
+                  </a:schemeClr>
+                </a:solidFill>
+              </a:rPr>
+              <a:t>ReLU</a:t>
+            </a:r>
+            <a:r>
+              <a:rPr lang="fr-FR" sz="2000" dirty="0"/>
+              <a:t>: f(x)=x if x&gt;0, and f(x)=0 </a:t>
+            </a:r>
+            <a:r>
+              <a:rPr lang="fr-FR" sz="2000" dirty="0" err="1"/>
+              <a:t>otherwise</a:t>
+            </a:r>
+            <a:endParaRPr lang="fr-FR" sz="2000" dirty="0"/>
+          </a:p>
+          <a:p>
+            <a:endParaRPr lang="fr-FR" sz="2000" dirty="0"/>
+          </a:p>
+          <a:p>
+            <a:endParaRPr lang="fr-FR" sz="2000" dirty="0"/>
+          </a:p>
+          <a:p>
+            <a:endParaRPr lang="fr-FR" sz="2000" dirty="0"/>
+          </a:p>
+          <a:p>
+            <a:endParaRPr lang="fr-FR" sz="2000" dirty="0"/>
+          </a:p>
+          <a:p>
+            <a:endParaRPr lang="fr-FR" sz="2000" dirty="0"/>
+          </a:p>
+          <a:p>
+            <a:endParaRPr lang="fr-FR" sz="2000" dirty="0"/>
+          </a:p>
+          <a:p>
+            <a:r>
+              <a:rPr lang="fr-FR" sz="2000" dirty="0"/>
+              <a:t>2 activation phases (</a:t>
+            </a:r>
+            <a:r>
+              <a:rPr lang="fr-FR" sz="2000" dirty="0" err="1"/>
+              <a:t>each</a:t>
+            </a:r>
+            <a:r>
+              <a:rPr lang="fr-FR" sz="2000" dirty="0"/>
+              <a:t> phase </a:t>
+            </a:r>
+            <a:r>
+              <a:rPr lang="fr-FR" sz="2000" dirty="0" err="1"/>
+              <a:t>is</a:t>
+            </a:r>
+            <a:r>
+              <a:rPr lang="fr-FR" sz="2000" dirty="0"/>
+              <a:t> </a:t>
+            </a:r>
+            <a:r>
+              <a:rPr lang="fr-FR" sz="2000" dirty="0" err="1"/>
+              <a:t>linear</a:t>
+            </a:r>
+            <a:r>
+              <a:rPr lang="fr-FR" sz="2000" dirty="0"/>
+              <a:t>)</a:t>
+            </a:r>
+          </a:p>
+        </p:txBody>
+      </p:sp>
+      <p:sp>
+        <p:nvSpPr>
+          <p:cNvPr id="17" name="ZoneTexte 16"/>
+          <p:cNvSpPr txBox="1"/>
+          <p:nvPr/>
+        </p:nvSpPr>
+        <p:spPr>
+          <a:xfrm>
+            <a:off x="601784" y="6105737"/>
+            <a:ext cx="11097846" cy="400110"/>
+          </a:xfrm>
+          <a:prstGeom prst="rect">
+            <a:avLst/>
+          </a:prstGeom>
+          <a:noFill/>
+        </p:spPr>
+        <p:txBody>
+          <a:bodyPr wrap="square" rtlCol="0">
+            <a:spAutoFit/>
+          </a:bodyPr>
+          <a:lstStyle/>
+          <a:p>
+            <a:r>
+              <a:rPr lang="fr-FR" sz="2000" dirty="0"/>
+              <a:t>A priori, </a:t>
+            </a:r>
+            <a:r>
+              <a:rPr lang="fr-FR" sz="2000" dirty="0" err="1"/>
+              <a:t>need</a:t>
+            </a:r>
+            <a:r>
+              <a:rPr lang="fr-FR" sz="2000" dirty="0"/>
+              <a:t> to </a:t>
+            </a:r>
+            <a:r>
+              <a:rPr lang="fr-FR" sz="2000" dirty="0" err="1"/>
+              <a:t>consider</a:t>
+            </a:r>
+            <a:r>
+              <a:rPr lang="fr-FR" sz="2000" dirty="0"/>
+              <a:t> </a:t>
+            </a:r>
+            <a:r>
+              <a:rPr lang="fr-FR" sz="2000" dirty="0">
+                <a:solidFill>
+                  <a:schemeClr val="accent1">
+                    <a:lumMod val="75000"/>
+                  </a:schemeClr>
+                </a:solidFill>
+              </a:rPr>
+              <a:t>all activation phases </a:t>
+            </a:r>
+            <a:r>
+              <a:rPr lang="fr-FR" sz="2000" dirty="0"/>
+              <a:t>of all </a:t>
+            </a:r>
+            <a:r>
+              <a:rPr lang="fr-FR" sz="2000" dirty="0" err="1"/>
+              <a:t>neurons</a:t>
+            </a:r>
+            <a:r>
+              <a:rPr lang="fr-FR" sz="2000" dirty="0"/>
+              <a:t>: </a:t>
+            </a:r>
+            <a:r>
+              <a:rPr lang="fr-FR" sz="2000" dirty="0">
+                <a:solidFill>
+                  <a:srgbClr val="FF0000"/>
+                </a:solidFill>
+              </a:rPr>
+              <a:t>2</a:t>
+            </a:r>
+            <a:r>
+              <a:rPr lang="fr-FR" sz="2000" baseline="30000" dirty="0">
+                <a:solidFill>
+                  <a:srgbClr val="FF0000"/>
+                </a:solidFill>
+              </a:rPr>
+              <a:t>N</a:t>
+            </a:r>
+            <a:r>
+              <a:rPr lang="fr-FR" sz="2000" dirty="0">
+                <a:solidFill>
+                  <a:srgbClr val="FF0000"/>
+                </a:solidFill>
+              </a:rPr>
+              <a:t> cases </a:t>
+            </a:r>
+            <a:r>
+              <a:rPr lang="fr-FR" sz="2000" dirty="0"/>
+              <a:t>to </a:t>
+            </a:r>
+            <a:r>
+              <a:rPr lang="fr-FR" sz="2000" dirty="0" err="1"/>
+              <a:t>consider</a:t>
+            </a:r>
+            <a:r>
+              <a:rPr lang="fr-FR" sz="2000" dirty="0"/>
+              <a:t>.  </a:t>
+            </a:r>
+            <a:r>
+              <a:rPr lang="fr-FR" sz="2000" dirty="0" err="1"/>
+              <a:t>Too</a:t>
+            </a:r>
+            <a:r>
+              <a:rPr lang="fr-FR" sz="2000" dirty="0"/>
+              <a:t> </a:t>
+            </a:r>
+            <a:r>
+              <a:rPr lang="fr-FR" sz="2000" dirty="0" err="1"/>
+              <a:t>many</a:t>
+            </a:r>
+            <a:r>
+              <a:rPr lang="fr-FR" sz="2000" dirty="0"/>
+              <a:t> cases</a:t>
+            </a:r>
+          </a:p>
+        </p:txBody>
+      </p:sp>
+      <p:pic>
+        <p:nvPicPr>
+          <p:cNvPr id="6" name="Image 5"/>
+          <p:cNvPicPr>
+            <a:picLocks noChangeAspect="1"/>
+          </p:cNvPicPr>
+          <p:nvPr/>
+        </p:nvPicPr>
+        <p:blipFill>
+          <a:blip r:embed="rId4">
+            <a:extLst>
+              <a:ext uri="{28A0092B-C50C-407E-A947-70E740481C1C}">
+                <a14:useLocalDpi xmlns:a14="http://schemas.microsoft.com/office/drawing/2010/main" val="0"/>
+              </a:ext>
+            </a:extLst>
+          </a:blip>
+          <a:stretch>
+            <a:fillRect/>
+          </a:stretch>
+        </p:blipFill>
+        <p:spPr>
+          <a:xfrm>
+            <a:off x="7311677" y="2246053"/>
+            <a:ext cx="4327472" cy="1550903"/>
+          </a:xfrm>
+          <a:prstGeom prst="rect">
+            <a:avLst/>
+          </a:prstGeom>
+        </p:spPr>
+      </p:pic>
+    </p:spTree>
+    <p:extLst>
+      <p:ext uri="{BB962C8B-B14F-4D97-AF65-F5344CB8AC3E}">
+        <p14:creationId xmlns:p14="http://schemas.microsoft.com/office/powerpoint/2010/main" val="1244871338"/>
       </p:ext>
     </p:extLst>
   </p:cSld>

--- a/lipschitz/Liptscitz.pptx
+++ b/lipschitz/Liptscitz.pptx
@@ -18038,8 +18038,8 @@
         </p:nvSpPr>
         <p:spPr>
           <a:xfrm>
-            <a:off x="3356975" y="4997885"/>
-            <a:ext cx="5247462" cy="369332"/>
+            <a:off x="350018" y="4002122"/>
+            <a:ext cx="5140061" cy="2862322"/>
           </a:xfrm>
           <a:prstGeom prst="rect">
             <a:avLst/>
@@ -18074,11 +18074,127 @@
             </a:r>
             <a:r>
               <a:rPr lang="fr-FR" dirty="0"/>
-              <a:t> hyperplans?</a:t>
-            </a:r>
+              <a:t> hyperplans</a:t>
+            </a:r>
+          </a:p>
+          <a:p>
+            <a:r>
+              <a:rPr lang="fr-FR" dirty="0"/>
+              <a:t>	a=1 </a:t>
+            </a:r>
+            <a:r>
+              <a:rPr lang="fr-FR" dirty="0" err="1"/>
+              <a:t>iff</a:t>
+            </a:r>
+            <a:r>
+              <a:rPr lang="fr-FR" dirty="0"/>
+              <a:t> x</a:t>
+            </a:r>
+            <a:r>
+              <a:rPr lang="fr-FR" baseline="-25000" dirty="0"/>
+              <a:t>i</a:t>
+            </a:r>
+            <a:r>
+              <a:rPr lang="fr-FR" dirty="0"/>
+              <a:t> &gt;0 and a’=1 </a:t>
+            </a:r>
+            <a:r>
+              <a:rPr lang="fr-FR" dirty="0" err="1"/>
+              <a:t>iff</a:t>
+            </a:r>
+            <a:r>
+              <a:rPr lang="fr-FR" dirty="0"/>
+              <a:t> </a:t>
+            </a:r>
+            <a:r>
+              <a:rPr lang="fr-FR" dirty="0" err="1"/>
+              <a:t>x’</a:t>
+            </a:r>
+            <a:r>
+              <a:rPr lang="fr-FR" baseline="-25000" dirty="0" err="1"/>
+              <a:t>i</a:t>
+            </a:r>
+            <a:r>
+              <a:rPr lang="fr-FR" dirty="0"/>
+              <a:t>&gt;0.</a:t>
+            </a:r>
+          </a:p>
+          <a:p>
+            <a:endParaRPr lang="fr-FR" dirty="0"/>
+          </a:p>
+          <a:p>
+            <a:endParaRPr lang="fr-FR" dirty="0"/>
+          </a:p>
+          <a:p>
+            <a:endParaRPr lang="fr-FR" dirty="0"/>
+          </a:p>
+          <a:p>
+            <a:endParaRPr lang="fr-FR" dirty="0"/>
+          </a:p>
+          <a:p>
+            <a:endParaRPr lang="fr-FR" dirty="0"/>
+          </a:p>
+          <a:p>
+            <a:endParaRPr lang="fr-FR" dirty="0"/>
+          </a:p>
+          <a:p>
+            <a:endParaRPr lang="fr-FR" dirty="0"/>
+          </a:p>
+          <a:p>
+            <a:r>
+              <a:rPr lang="fr-FR" dirty="0"/>
+              <a:t>Plus 2 </a:t>
+            </a:r>
+            <a:r>
+              <a:rPr lang="fr-FR"/>
+              <a:t>usual constraints </a:t>
+            </a:r>
+            <a:r>
+              <a:rPr lang="fr-FR" dirty="0"/>
+              <a:t>for a / </a:t>
+            </a:r>
+            <a:r>
+              <a:rPr lang="fr-FR" dirty="0" err="1"/>
+              <a:t>x’</a:t>
+            </a:r>
+            <a:r>
+              <a:rPr lang="fr-FR" baseline="-25000" dirty="0" err="1"/>
+              <a:t>i</a:t>
+            </a:r>
+            <a:endParaRPr lang="fr-FR" baseline="-25000" dirty="0"/>
           </a:p>
         </p:txBody>
       </p:sp>
+      <p:pic>
+        <p:nvPicPr>
+          <p:cNvPr id="54" name="Image 53">
+            <a:extLst>
+              <a:ext uri="{FF2B5EF4-FFF2-40B4-BE49-F238E27FC236}">
+                <a16:creationId xmlns:a16="http://schemas.microsoft.com/office/drawing/2014/main" id="{5E3D9EC9-B7CD-E5E0-71CF-74D1C110B9D2}"/>
+              </a:ext>
+            </a:extLst>
+          </p:cNvPr>
+          <p:cNvPicPr>
+            <a:picLocks noChangeAspect="1"/>
+          </p:cNvPicPr>
+          <p:nvPr/>
+        </p:nvPicPr>
+        <p:blipFill>
+          <a:blip r:embed="rId69"/>
+          <a:stretch>
+            <a:fillRect/>
+          </a:stretch>
+        </p:blipFill>
+        <p:spPr>
+          <a:xfrm>
+            <a:off x="2605824" y="4966703"/>
+            <a:ext cx="6807550" cy="1530429"/>
+          </a:xfrm>
+          <a:prstGeom prst="rect">
+            <a:avLst/>
+          </a:prstGeom>
+        </p:spPr>
+      </p:pic>
     </p:spTree>
     <p:extLst>
       <p:ext uri="{BB962C8B-B14F-4D97-AF65-F5344CB8AC3E}">

--- a/lipschitz/Liptscitz.pptx
+++ b/lipschitz/Liptscitz.pptx
@@ -8503,7 +8503,39 @@
             </a:r>
             <a:r>
               <a:rPr lang="fr-FR" dirty="0"/>
-              <a:t> for x-x’</a:t>
+              <a:t> for x-x’ (</a:t>
+            </a:r>
+            <a:r>
+              <a:rPr lang="fr-FR" dirty="0" err="1"/>
+              <a:t>worse</a:t>
+            </a:r>
+            <a:r>
+              <a:rPr lang="fr-FR" dirty="0"/>
+              <a:t> </a:t>
+            </a:r>
+            <a:r>
+              <a:rPr lang="fr-FR" dirty="0" err="1"/>
+              <a:t>than</a:t>
+            </a:r>
+            <a:r>
+              <a:rPr lang="fr-FR" dirty="0"/>
+              <a:t> </a:t>
+            </a:r>
+            <a:r>
+              <a:rPr lang="fr-FR" dirty="0" err="1"/>
+              <a:t>mathematical</a:t>
+            </a:r>
+            <a:r>
+              <a:rPr lang="fr-FR" dirty="0"/>
+              <a:t> </a:t>
+            </a:r>
+            <a:r>
+              <a:rPr lang="fr-FR" dirty="0" err="1"/>
+              <a:t>bound</a:t>
+            </a:r>
+            <a:r>
+              <a:rPr lang="fr-FR" dirty="0"/>
+              <a:t>)</a:t>
             </a:r>
           </a:p>
           <a:p>
@@ -8954,7 +8986,7 @@
           <p:nvPr>
             <p:extLst>
               <p:ext uri="{D42A27DB-BD31-4B8C-83A1-F6EECF244321}">
-                <p14:modId xmlns:p14="http://schemas.microsoft.com/office/powerpoint/2010/main" val="1057680390"/>
+                <p14:modId xmlns:p14="http://schemas.microsoft.com/office/powerpoint/2010/main" val="1642504403"/>
               </p:ext>
             </p:extLst>
           </p:nvPr>
@@ -9330,7 +9362,7 @@
                     <a:lstStyle/>
                     <a:p>
                       <a:r>
-                        <a:rPr lang="fr-FR" dirty="0">
+                        <a:rPr lang="fr-FR" b="1" dirty="0">
                           <a:solidFill>
                             <a:schemeClr val="tx1"/>
                           </a:solidFill>
@@ -12658,7 +12690,7 @@
           <p:nvPr>
             <p:extLst>
               <p:ext uri="{D42A27DB-BD31-4B8C-83A1-F6EECF244321}">
-                <p14:modId xmlns:p14="http://schemas.microsoft.com/office/powerpoint/2010/main" val="134314417"/>
+                <p14:modId xmlns:p14="http://schemas.microsoft.com/office/powerpoint/2010/main" val="1442080986"/>
               </p:ext>
             </p:extLst>
           </p:nvPr>
@@ -13314,7 +13346,7 @@
                     <a:lstStyle/>
                     <a:p>
                       <a:r>
-                        <a:rPr lang="fr-FR" dirty="0">
+                        <a:rPr lang="fr-FR" b="1" dirty="0">
                           <a:solidFill>
                             <a:schemeClr val="tx1"/>
                           </a:solidFill>
@@ -13765,7 +13797,7 @@
         <p:spPr>
           <a:xfrm>
             <a:off x="6375748" y="6403116"/>
-            <a:ext cx="1338764" cy="369332"/>
+            <a:ext cx="1513491" cy="369332"/>
           </a:xfrm>
           <a:prstGeom prst="rect">
             <a:avLst/>
@@ -13780,7 +13812,7 @@
           <a:p>
             <a:r>
               <a:rPr lang="fr-FR" dirty="0"/>
-              <a:t>10% BETTER</a:t>
+              <a:t>11.7% BETTER</a:t>
             </a:r>
           </a:p>
         </p:txBody>
@@ -14921,7 +14953,7 @@
           <a:p>
             <a:r>
               <a:rPr lang="fr-FR" dirty="0"/>
-              <a:t>18% BETTER cumulative</a:t>
+              <a:t>22% BETTER cumulative</a:t>
             </a:r>
           </a:p>
         </p:txBody>
@@ -15158,14 +15190,14 @@
           <p:nvPr>
             <p:extLst>
               <p:ext uri="{D42A27DB-BD31-4B8C-83A1-F6EECF244321}">
-                <p14:modId xmlns:p14="http://schemas.microsoft.com/office/powerpoint/2010/main" val="2471815353"/>
+                <p14:modId xmlns:p14="http://schemas.microsoft.com/office/powerpoint/2010/main" val="2920069296"/>
               </p:ext>
             </p:extLst>
           </p:nvPr>
         </p:nvGraphicFramePr>
         <p:xfrm>
           <a:off x="1515649" y="1667303"/>
-          <a:ext cx="8454365" cy="4259048"/>
+          <a:ext cx="8454365" cy="4528288"/>
         </p:xfrm>
         <a:graphic>
           <a:graphicData uri="http://schemas.openxmlformats.org/drawingml/2006/table">
@@ -15833,7 +15865,7 @@
                     <a:p>
                       <a:pPr algn="ctr"/>
                       <a:r>
-                        <a:rPr lang="fr-FR" b="1" dirty="0">
+                        <a:rPr lang="fr-FR" b="0" dirty="0">
                           <a:solidFill>
                             <a:schemeClr val="tx1"/>
                           </a:solidFill>
@@ -15844,20 +15876,12 @@
                     <a:p>
                       <a:pPr algn="ctr"/>
                       <a:r>
-                        <a:rPr lang="fr-FR" dirty="0">
+                        <a:rPr lang="fr-FR" b="0" dirty="0">
                           <a:solidFill>
                             <a:schemeClr val="tx1"/>
                           </a:solidFill>
                         </a:rPr>
-                        <a:t>Sol=</a:t>
-                      </a:r>
-                      <a:r>
-                        <a:rPr lang="fr-FR" b="1" dirty="0">
-                          <a:solidFill>
-                            <a:schemeClr val="tx1"/>
-                          </a:solidFill>
-                        </a:rPr>
-                        <a:t>3.1366</a:t>
+                        <a:t>Sol=3.1366</a:t>
                       </a:r>
                     </a:p>
                   </a:txBody>
@@ -15890,11 +15914,14 @@
                     <a:bodyPr/>
                     <a:lstStyle/>
                     <a:p>
-                      <a:endParaRPr lang="fr-FR" dirty="0">
-                        <a:solidFill>
-                          <a:schemeClr val="tx1"/>
-                        </a:solidFill>
-                      </a:endParaRPr>
+                      <a:r>
+                        <a:rPr lang="fr-FR" dirty="0">
+                          <a:solidFill>
+                            <a:schemeClr val="tx1"/>
+                          </a:solidFill>
+                        </a:rPr>
+                        <a:t>72</a:t>
+                      </a:r>
                     </a:p>
                   </a:txBody>
                   <a:tcPr/>
@@ -15920,6 +15947,45 @@
                     <a:lstStyle/>
                     <a:p>
                       <a:pPr algn="ctr"/>
+                      <a:r>
+                        <a:rPr lang="fr-FR" sz="1800" b="1" kern="1200" dirty="0">
+                          <a:solidFill>
+                            <a:schemeClr val="dk1"/>
+                          </a:solidFill>
+                          <a:effectLst/>
+                          <a:latin typeface="+mn-lt"/>
+                          <a:ea typeface="+mn-ea"/>
+                          <a:cs typeface="+mn-cs"/>
+                        </a:rPr>
+                        <a:t>3.068</a:t>
+                      </a:r>
+                    </a:p>
+                    <a:p>
+                      <a:pPr algn="ctr"/>
+                      <a:r>
+                        <a:rPr lang="fr-FR" sz="1800" kern="1200" dirty="0">
+                          <a:solidFill>
+                            <a:schemeClr val="dk1"/>
+                          </a:solidFill>
+                          <a:effectLst/>
+                          <a:latin typeface="+mn-lt"/>
+                          <a:ea typeface="+mn-ea"/>
+                          <a:cs typeface="+mn-cs"/>
+                        </a:rPr>
+                        <a:t>Sol= </a:t>
+                      </a:r>
+                      <a:r>
+                        <a:rPr lang="fr-FR" sz="1800" b="1" kern="1200" dirty="0">
+                          <a:solidFill>
+                            <a:schemeClr val="dk1"/>
+                          </a:solidFill>
+                          <a:effectLst/>
+                          <a:latin typeface="+mn-lt"/>
+                          <a:ea typeface="+mn-ea"/>
+                          <a:cs typeface="+mn-cs"/>
+                        </a:rPr>
+                        <a:t>2.99</a:t>
+                      </a:r>
                       <a:endParaRPr lang="fr-FR" b="1" dirty="0">
                         <a:solidFill>
                           <a:schemeClr val="tx1"/>
@@ -15968,7 +16034,7 @@
         </p:nvSpPr>
         <p:spPr>
           <a:xfrm>
-            <a:off x="6419589" y="6240278"/>
+            <a:off x="5912286" y="6240278"/>
             <a:ext cx="2600777" cy="369332"/>
           </a:xfrm>
           <a:prstGeom prst="rect">
@@ -15984,7 +16050,7 @@
           <a:p>
             <a:r>
               <a:rPr lang="fr-FR" dirty="0"/>
-              <a:t>20.5% BETTER cumulative</a:t>
+              <a:t>24.4% BETTER cumulative</a:t>
             </a:r>
           </a:p>
         </p:txBody>
@@ -18143,15 +18209,15 @@
           <a:p>
             <a:r>
               <a:rPr lang="fr-FR" dirty="0"/>
-              <a:t>Plus 2 </a:t>
-            </a:r>
-            <a:r>
-              <a:rPr lang="fr-FR"/>
-              <a:t>usual constraints </a:t>
+              <a:t>Plus 2 usual </a:t>
+            </a:r>
+            <a:r>
+              <a:rPr lang="fr-FR" dirty="0" err="1"/>
+              <a:t>constraints</a:t>
             </a:r>
             <a:r>
               <a:rPr lang="fr-FR" dirty="0"/>
-              <a:t>for a / </a:t>
+              <a:t> for a / </a:t>
             </a:r>
             <a:r>
               <a:rPr lang="fr-FR" dirty="0" err="1"/>
@@ -18240,7 +18306,7 @@
           <p:nvPr>
             <p:extLst>
               <p:ext uri="{D42A27DB-BD31-4B8C-83A1-F6EECF244321}">
-                <p14:modId xmlns:p14="http://schemas.microsoft.com/office/powerpoint/2010/main" val="3581672263"/>
+                <p14:modId xmlns:p14="http://schemas.microsoft.com/office/powerpoint/2010/main" val="4094871252"/>
               </p:ext>
             </p:extLst>
           </p:nvPr>
@@ -18523,7 +18589,7 @@
                             <a:srgbClr val="C00000"/>
                           </a:solidFill>
                         </a:rPr>
-                        <a:t>CMP (17-30 nodes x2)</a:t>
+                        <a:t>CMP (17-36 nodes x2)</a:t>
                       </a:r>
                     </a:p>
                   </a:txBody>
@@ -18761,7 +18827,7 @@
           <p:nvPr>
             <p:extLst>
               <p:ext uri="{D42A27DB-BD31-4B8C-83A1-F6EECF244321}">
-                <p14:modId xmlns:p14="http://schemas.microsoft.com/office/powerpoint/2010/main" val="628360066"/>
+                <p14:modId xmlns:p14="http://schemas.microsoft.com/office/powerpoint/2010/main" val="2439419998"/>
               </p:ext>
             </p:extLst>
           </p:nvPr>
@@ -19001,7 +19067,7 @@
                             <a:srgbClr val="C00000"/>
                           </a:solidFill>
                         </a:rPr>
-                        <a:t>CMP (17-30 nodes x2)</a:t>
+                        <a:t>CMP (17-36 nodes x2)</a:t>
                       </a:r>
                     </a:p>
                   </a:txBody>
@@ -22321,7 +22387,7 @@
           <p:nvPr>
             <p:extLst>
               <p:ext uri="{D42A27DB-BD31-4B8C-83A1-F6EECF244321}">
-                <p14:modId xmlns:p14="http://schemas.microsoft.com/office/powerpoint/2010/main" val="1531962557"/>
+                <p14:modId xmlns:p14="http://schemas.microsoft.com/office/powerpoint/2010/main" val="3713360879"/>
               </p:ext>
             </p:extLst>
           </p:nvPr>
@@ -22636,7 +22702,7 @@
                             <a:srgbClr val="C00000"/>
                           </a:solidFill>
                         </a:rPr>
-                        <a:t>’ (17-30 nodes x2) </a:t>
+                        <a:t>’ (17-36 nodes x2) </a:t>
                       </a:r>
                     </a:p>
                   </a:txBody>
@@ -22895,7 +22961,7 @@
           <p:nvPr>
             <p:extLst>
               <p:ext uri="{D42A27DB-BD31-4B8C-83A1-F6EECF244321}">
-                <p14:modId xmlns:p14="http://schemas.microsoft.com/office/powerpoint/2010/main" val="688082732"/>
+                <p14:modId xmlns:p14="http://schemas.microsoft.com/office/powerpoint/2010/main" val="1375065023"/>
               </p:ext>
             </p:extLst>
           </p:nvPr>
@@ -23167,7 +23233,7 @@
                             <a:srgbClr val="C00000"/>
                           </a:solidFill>
                         </a:rPr>
-                        <a:t>’ (17-30 nodes x2)</a:t>
+                        <a:t>’ (17-36 nodes x2)</a:t>
                       </a:r>
                     </a:p>
                   </a:txBody>
